--- a/graphs/2bu1_Mutation_Graphs.pptx
+++ b/graphs/2bu1_Mutation_Graphs.pptx
@@ -6,27 +6,24 @@
   </p:sldMasterIdLst>
   <p:sldIdLst>
     <p:sldId id="256" r:id="rId2"/>
-    <p:sldId id="261" r:id="rId3"/>
-    <p:sldId id="257" r:id="rId4"/>
-    <p:sldId id="264" r:id="rId5"/>
-    <p:sldId id="278" r:id="rId6"/>
-    <p:sldId id="269" r:id="rId7"/>
+    <p:sldId id="281" r:id="rId3"/>
+    <p:sldId id="261" r:id="rId4"/>
+    <p:sldId id="257" r:id="rId5"/>
+    <p:sldId id="269" r:id="rId6"/>
+    <p:sldId id="279" r:id="rId7"/>
     <p:sldId id="258" r:id="rId8"/>
-    <p:sldId id="265" r:id="rId9"/>
-    <p:sldId id="277" r:id="rId10"/>
-    <p:sldId id="270" r:id="rId11"/>
-    <p:sldId id="260" r:id="rId12"/>
-    <p:sldId id="266" r:id="rId13"/>
-    <p:sldId id="276" r:id="rId14"/>
-    <p:sldId id="271" r:id="rId15"/>
-    <p:sldId id="262" r:id="rId16"/>
-    <p:sldId id="267" r:id="rId17"/>
-    <p:sldId id="275" r:id="rId18"/>
-    <p:sldId id="272" r:id="rId19"/>
-    <p:sldId id="263" r:id="rId20"/>
-    <p:sldId id="268" r:id="rId21"/>
-    <p:sldId id="274" r:id="rId22"/>
-    <p:sldId id="273" r:id="rId23"/>
+    <p:sldId id="270" r:id="rId9"/>
+    <p:sldId id="288" r:id="rId10"/>
+    <p:sldId id="260" r:id="rId11"/>
+    <p:sldId id="271" r:id="rId12"/>
+    <p:sldId id="287" r:id="rId13"/>
+    <p:sldId id="262" r:id="rId14"/>
+    <p:sldId id="272" r:id="rId15"/>
+    <p:sldId id="286" r:id="rId16"/>
+    <p:sldId id="263" r:id="rId17"/>
+    <p:sldId id="273" r:id="rId18"/>
+    <p:sldId id="285" r:id="rId19"/>
+    <p:sldId id="289" r:id="rId20"/>
   </p:sldIdLst>
   <p:sldSz cx="12192000" cy="6858000"/>
   <p:notesSz cx="6858000" cy="9144000"/>
@@ -280,7 +277,7 @@
           <a:p>
             <a:fld id="{EF639EA0-F1F0-6945-A897-517B500ABEA6}" type="datetimeFigureOut">
               <a:rPr lang="en-US" smtClean="0"/>
-              <a:t>5/16/24</a:t>
+              <a:t>6/10/24</a:t>
             </a:fld>
             <a:endParaRPr lang="en-US"/>
           </a:p>
@@ -478,7 +475,7 @@
           <a:p>
             <a:fld id="{EF639EA0-F1F0-6945-A897-517B500ABEA6}" type="datetimeFigureOut">
               <a:rPr lang="en-US" smtClean="0"/>
-              <a:t>5/16/24</a:t>
+              <a:t>6/10/24</a:t>
             </a:fld>
             <a:endParaRPr lang="en-US"/>
           </a:p>
@@ -686,7 +683,7 @@
           <a:p>
             <a:fld id="{EF639EA0-F1F0-6945-A897-517B500ABEA6}" type="datetimeFigureOut">
               <a:rPr lang="en-US" smtClean="0"/>
-              <a:t>5/16/24</a:t>
+              <a:t>6/10/24</a:t>
             </a:fld>
             <a:endParaRPr lang="en-US"/>
           </a:p>
@@ -884,7 +881,7 @@
           <a:p>
             <a:fld id="{EF639EA0-F1F0-6945-A897-517B500ABEA6}" type="datetimeFigureOut">
               <a:rPr lang="en-US" smtClean="0"/>
-              <a:t>5/16/24</a:t>
+              <a:t>6/10/24</a:t>
             </a:fld>
             <a:endParaRPr lang="en-US"/>
           </a:p>
@@ -1159,7 +1156,7 @@
           <a:p>
             <a:fld id="{EF639EA0-F1F0-6945-A897-517B500ABEA6}" type="datetimeFigureOut">
               <a:rPr lang="en-US" smtClean="0"/>
-              <a:t>5/16/24</a:t>
+              <a:t>6/10/24</a:t>
             </a:fld>
             <a:endParaRPr lang="en-US"/>
           </a:p>
@@ -1424,7 +1421,7 @@
           <a:p>
             <a:fld id="{EF639EA0-F1F0-6945-A897-517B500ABEA6}" type="datetimeFigureOut">
               <a:rPr lang="en-US" smtClean="0"/>
-              <a:t>5/16/24</a:t>
+              <a:t>6/10/24</a:t>
             </a:fld>
             <a:endParaRPr lang="en-US"/>
           </a:p>
@@ -1836,7 +1833,7 @@
           <a:p>
             <a:fld id="{EF639EA0-F1F0-6945-A897-517B500ABEA6}" type="datetimeFigureOut">
               <a:rPr lang="en-US" smtClean="0"/>
-              <a:t>5/16/24</a:t>
+              <a:t>6/10/24</a:t>
             </a:fld>
             <a:endParaRPr lang="en-US"/>
           </a:p>
@@ -1977,7 +1974,7 @@
           <a:p>
             <a:fld id="{EF639EA0-F1F0-6945-A897-517B500ABEA6}" type="datetimeFigureOut">
               <a:rPr lang="en-US" smtClean="0"/>
-              <a:t>5/16/24</a:t>
+              <a:t>6/10/24</a:t>
             </a:fld>
             <a:endParaRPr lang="en-US"/>
           </a:p>
@@ -2090,7 +2087,7 @@
           <a:p>
             <a:fld id="{EF639EA0-F1F0-6945-A897-517B500ABEA6}" type="datetimeFigureOut">
               <a:rPr lang="en-US" smtClean="0"/>
-              <a:t>5/16/24</a:t>
+              <a:t>6/10/24</a:t>
             </a:fld>
             <a:endParaRPr lang="en-US"/>
           </a:p>
@@ -2401,7 +2398,7 @@
           <a:p>
             <a:fld id="{EF639EA0-F1F0-6945-A897-517B500ABEA6}" type="datetimeFigureOut">
               <a:rPr lang="en-US" smtClean="0"/>
-              <a:t>5/16/24</a:t>
+              <a:t>6/10/24</a:t>
             </a:fld>
             <a:endParaRPr lang="en-US"/>
           </a:p>
@@ -2689,7 +2686,7 @@
           <a:p>
             <a:fld id="{EF639EA0-F1F0-6945-A897-517B500ABEA6}" type="datetimeFigureOut">
               <a:rPr lang="en-US" smtClean="0"/>
-              <a:t>5/16/24</a:t>
+              <a:t>6/10/24</a:t>
             </a:fld>
             <a:endParaRPr lang="en-US"/>
           </a:p>
@@ -2930,7 +2927,7 @@
           <a:p>
             <a:fld id="{EF639EA0-F1F0-6945-A897-517B500ABEA6}" type="datetimeFigureOut">
               <a:rPr lang="en-US" smtClean="0"/>
-              <a:t>5/16/24</a:t>
+              <a:t>6/10/24</a:t>
             </a:fld>
             <a:endParaRPr lang="en-US"/>
           </a:p>
@@ -3453,7 +3450,7 @@
           <a:p>
             <a:r>
               <a:rPr lang="en-US" dirty="0"/>
-              <a:t>2BU1+1AQ3_Double Mutation – PHI 9.5</a:t>
+              <a:t>2BU1_Triple Mutation – PHI 9.5</a:t>
             </a:r>
           </a:p>
         </p:txBody>
@@ -3472,7 +3469,7 @@
         </p:nvSpPr>
         <p:spPr>
           <a:xfrm>
-            <a:off x="944671" y="1690688"/>
+            <a:off x="838200" y="1757723"/>
             <a:ext cx="6094990" cy="923330"/>
           </a:xfrm>
           <a:prstGeom prst="rect">
@@ -3488,29 +3485,29 @@
           <a:p>
             <a:r>
               <a:rPr lang="en-US" dirty="0"/>
-              <a:t>Pearson rank correlation coefficient: 0.329 </a:t>
+              <a:t>Pearson rank correlation coefficient: 0.534 </a:t>
             </a:r>
           </a:p>
           <a:p>
             <a:r>
               <a:rPr lang="en-US" dirty="0"/>
-              <a:t>Spearman rank correlation coefficient: 0.331 </a:t>
+              <a:t>Spearman rank correlation coefficient: 0.564 </a:t>
             </a:r>
           </a:p>
           <a:p>
             <a:r>
               <a:rPr lang="en-US" dirty="0"/>
-              <a:t>Coefficient of Determination (R^2): 0.108</a:t>
+              <a:t>Coefficient of Determination (R^2): 0.285</a:t>
             </a:r>
           </a:p>
         </p:txBody>
       </p:sp>
       <p:pic>
         <p:nvPicPr>
-          <p:cNvPr id="8194" name="Picture 2">
-            <a:extLst>
-              <a:ext uri="{FF2B5EF4-FFF2-40B4-BE49-F238E27FC236}">
-                <a16:creationId xmlns:a16="http://schemas.microsoft.com/office/drawing/2014/main" id="{FFAD9B70-070D-1ECF-E004-963EA22E034A}"/>
+          <p:cNvPr id="2056" name="Picture 8">
+            <a:extLst>
+              <a:ext uri="{FF2B5EF4-FFF2-40B4-BE49-F238E27FC236}">
+                <a16:creationId xmlns:a16="http://schemas.microsoft.com/office/drawing/2014/main" id="{2F085580-2FB3-EBD0-07C5-BBF1047EA761}"/>
               </a:ext>
             </a:extLst>
           </p:cNvPr>
@@ -3534,8 +3531,8 @@
         </p:blipFill>
         <p:spPr bwMode="auto">
           <a:xfrm>
-            <a:off x="559400" y="3429000"/>
-            <a:ext cx="3500324" cy="2488721"/>
+            <a:off x="415376" y="3426256"/>
+            <a:ext cx="3470319" cy="2467388"/>
           </a:xfrm>
           <a:prstGeom prst="rect">
             <a:avLst/>
@@ -3554,10 +3551,10 @@
       </p:pic>
       <p:pic>
         <p:nvPicPr>
-          <p:cNvPr id="8196" name="Picture 4">
-            <a:extLst>
-              <a:ext uri="{FF2B5EF4-FFF2-40B4-BE49-F238E27FC236}">
-                <a16:creationId xmlns:a16="http://schemas.microsoft.com/office/drawing/2014/main" id="{85978B57-A9C9-0630-3BD7-B84C312DB07D}"/>
+          <p:cNvPr id="2058" name="Picture 10">
+            <a:extLst>
+              <a:ext uri="{FF2B5EF4-FFF2-40B4-BE49-F238E27FC236}">
+                <a16:creationId xmlns:a16="http://schemas.microsoft.com/office/drawing/2014/main" id="{2FDCCDD0-180B-E8EA-1B16-ECDF06A0D9DE}"/>
               </a:ext>
             </a:extLst>
           </p:cNvPr>
@@ -3581,8 +3578,8 @@
         </p:blipFill>
         <p:spPr bwMode="auto">
           <a:xfrm>
-            <a:off x="4345838" y="3429000"/>
-            <a:ext cx="3500324" cy="2488721"/>
+            <a:off x="4360840" y="3426256"/>
+            <a:ext cx="3470319" cy="2467388"/>
           </a:xfrm>
           <a:prstGeom prst="rect">
             <a:avLst/>
@@ -3601,10 +3598,10 @@
       </p:pic>
       <p:pic>
         <p:nvPicPr>
-          <p:cNvPr id="8198" name="Picture 6">
-            <a:extLst>
-              <a:ext uri="{FF2B5EF4-FFF2-40B4-BE49-F238E27FC236}">
-                <a16:creationId xmlns:a16="http://schemas.microsoft.com/office/drawing/2014/main" id="{914828D2-7735-4F27-0C42-F728CC861B2B}"/>
+          <p:cNvPr id="2060" name="Picture 12">
+            <a:extLst>
+              <a:ext uri="{FF2B5EF4-FFF2-40B4-BE49-F238E27FC236}">
+                <a16:creationId xmlns:a16="http://schemas.microsoft.com/office/drawing/2014/main" id="{55CA8150-3530-44F2-F911-5C56265A81DA}"/>
               </a:ext>
             </a:extLst>
           </p:cNvPr>
@@ -3628,8 +3625,8 @@
         </p:blipFill>
         <p:spPr bwMode="auto">
           <a:xfrm>
-            <a:off x="8132275" y="3429000"/>
-            <a:ext cx="3500325" cy="2488722"/>
+            <a:off x="8306304" y="3426256"/>
+            <a:ext cx="3470319" cy="2467388"/>
           </a:xfrm>
           <a:prstGeom prst="rect">
             <a:avLst/>
@@ -3649,7 +3646,7 @@
     </p:spTree>
     <p:extLst>
       <p:ext uri="{BB962C8B-B14F-4D97-AF65-F5344CB8AC3E}">
-        <p14:creationId xmlns:p14="http://schemas.microsoft.com/office/powerpoint/2010/main" val="452693427"/>
+        <p14:creationId xmlns:p14="http://schemas.microsoft.com/office/powerpoint/2010/main" val="2653126709"/>
       </p:ext>
     </p:extLst>
   </p:cSld>
@@ -3699,7 +3696,7 @@
           <a:p>
             <a:r>
               <a:rPr lang="en-US" dirty="0"/>
-              <a:t>2BU1_Triple Mutation – PHI 9.5</a:t>
+              <a:t>2BU1+1AQ3_Triple Mutation – PHI 9.5</a:t>
             </a:r>
           </a:p>
         </p:txBody>
@@ -3734,29 +3731,29 @@
           <a:p>
             <a:r>
               <a:rPr lang="en-US" dirty="0"/>
-              <a:t>Pearson rank correlation coefficient: 0.534 </a:t>
+              <a:t>Pearson rank correlation coefficient: 0.299 </a:t>
             </a:r>
           </a:p>
           <a:p>
             <a:r>
               <a:rPr lang="en-US" dirty="0"/>
-              <a:t>Spearman rank correlation coefficient: 0.564 </a:t>
+              <a:t>Spearman rank correlation coefficient: 0.299 </a:t>
             </a:r>
           </a:p>
           <a:p>
             <a:r>
               <a:rPr lang="en-US" dirty="0"/>
-              <a:t>Coefficient of Determination (R^2): 0.285</a:t>
+              <a:t>Coefficient of Determination (R^2): 0.090</a:t>
             </a:r>
           </a:p>
         </p:txBody>
       </p:sp>
       <p:pic>
         <p:nvPicPr>
-          <p:cNvPr id="2056" name="Picture 8">
-            <a:extLst>
-              <a:ext uri="{FF2B5EF4-FFF2-40B4-BE49-F238E27FC236}">
-                <a16:creationId xmlns:a16="http://schemas.microsoft.com/office/drawing/2014/main" id="{2F085580-2FB3-EBD0-07C5-BBF1047EA761}"/>
+          <p:cNvPr id="9218" name="Picture 2">
+            <a:extLst>
+              <a:ext uri="{FF2B5EF4-FFF2-40B4-BE49-F238E27FC236}">
+                <a16:creationId xmlns:a16="http://schemas.microsoft.com/office/drawing/2014/main" id="{ABA032D6-5602-93B9-E6A4-9AB2EEFFFEBA}"/>
               </a:ext>
             </a:extLst>
           </p:cNvPr>
@@ -3780,8 +3777,8 @@
         </p:blipFill>
         <p:spPr bwMode="auto">
           <a:xfrm>
-            <a:off x="415376" y="3426256"/>
-            <a:ext cx="3470319" cy="2467388"/>
+            <a:off x="408395" y="3320249"/>
+            <a:ext cx="3658463" cy="2601158"/>
           </a:xfrm>
           <a:prstGeom prst="rect">
             <a:avLst/>
@@ -3800,10 +3797,10 @@
       </p:pic>
       <p:pic>
         <p:nvPicPr>
-          <p:cNvPr id="2058" name="Picture 10">
-            <a:extLst>
-              <a:ext uri="{FF2B5EF4-FFF2-40B4-BE49-F238E27FC236}">
-                <a16:creationId xmlns:a16="http://schemas.microsoft.com/office/drawing/2014/main" id="{2FDCCDD0-180B-E8EA-1B16-ECDF06A0D9DE}"/>
+          <p:cNvPr id="9220" name="Picture 4">
+            <a:extLst>
+              <a:ext uri="{FF2B5EF4-FFF2-40B4-BE49-F238E27FC236}">
+                <a16:creationId xmlns:a16="http://schemas.microsoft.com/office/drawing/2014/main" id="{12283549-8A16-AE28-EA73-32F3FD6C98FD}"/>
               </a:ext>
             </a:extLst>
           </p:cNvPr>
@@ -3827,8 +3824,8 @@
         </p:blipFill>
         <p:spPr bwMode="auto">
           <a:xfrm>
-            <a:off x="4360840" y="3426256"/>
-            <a:ext cx="3470319" cy="2467388"/>
+            <a:off x="4266768" y="3320249"/>
+            <a:ext cx="3658463" cy="2601158"/>
           </a:xfrm>
           <a:prstGeom prst="rect">
             <a:avLst/>
@@ -3847,10 +3844,10 @@
       </p:pic>
       <p:pic>
         <p:nvPicPr>
-          <p:cNvPr id="2060" name="Picture 12">
-            <a:extLst>
-              <a:ext uri="{FF2B5EF4-FFF2-40B4-BE49-F238E27FC236}">
-                <a16:creationId xmlns:a16="http://schemas.microsoft.com/office/drawing/2014/main" id="{55CA8150-3530-44F2-F911-5C56265A81DA}"/>
+          <p:cNvPr id="9222" name="Picture 6">
+            <a:extLst>
+              <a:ext uri="{FF2B5EF4-FFF2-40B4-BE49-F238E27FC236}">
+                <a16:creationId xmlns:a16="http://schemas.microsoft.com/office/drawing/2014/main" id="{BCF84CE1-644A-2C8A-CFA7-C130F3F6FED2}"/>
               </a:ext>
             </a:extLst>
           </p:cNvPr>
@@ -3874,8 +3871,8 @@
         </p:blipFill>
         <p:spPr bwMode="auto">
           <a:xfrm>
-            <a:off x="8306304" y="3426256"/>
-            <a:ext cx="3470319" cy="2467388"/>
+            <a:off x="8125141" y="3320249"/>
+            <a:ext cx="3658463" cy="2601158"/>
           </a:xfrm>
           <a:prstGeom prst="rect">
             <a:avLst/>
@@ -3895,7 +3892,7 @@
     </p:spTree>
     <p:extLst>
       <p:ext uri="{BB962C8B-B14F-4D97-AF65-F5344CB8AC3E}">
-        <p14:creationId xmlns:p14="http://schemas.microsoft.com/office/powerpoint/2010/main" val="2653126709"/>
+        <p14:creationId xmlns:p14="http://schemas.microsoft.com/office/powerpoint/2010/main" val="2565504471"/>
       </p:ext>
     </p:extLst>
   </p:cSld>
@@ -3945,7 +3942,7 @@
           <a:p>
             <a:r>
               <a:rPr lang="en-US" dirty="0"/>
-              <a:t>1AQ3_Triple Mutation – PHI 9.5</a:t>
+              <a:t>2BU1+1U1Y_Triple Mutation – PHI 9.5</a:t>
             </a:r>
           </a:p>
         </p:txBody>
@@ -3980,29 +3977,29 @@
           <a:p>
             <a:r>
               <a:rPr lang="en-US" dirty="0"/>
-              <a:t>Pearson rank correlation coefficient: -0.121 </a:t>
+              <a:t>Pearson rank correlation coefficient: -0.053 </a:t>
             </a:r>
           </a:p>
           <a:p>
             <a:r>
               <a:rPr lang="en-US" dirty="0"/>
-              <a:t>Spearman rank correlation coefficient: -0.120 </a:t>
+              <a:t>Spearman rank correlation coefficient: -0.103 </a:t>
             </a:r>
           </a:p>
           <a:p>
             <a:r>
               <a:rPr lang="en-US" dirty="0"/>
-              <a:t>Coefficient of Determination (R^2): 0.015</a:t>
+              <a:t>Coefficient of Determination (R^2): 0.003</a:t>
             </a:r>
           </a:p>
         </p:txBody>
       </p:sp>
       <p:pic>
         <p:nvPicPr>
-          <p:cNvPr id="3080" name="Picture 8">
-            <a:extLst>
-              <a:ext uri="{FF2B5EF4-FFF2-40B4-BE49-F238E27FC236}">
-                <a16:creationId xmlns:a16="http://schemas.microsoft.com/office/drawing/2014/main" id="{91AE3F90-6DE4-B5C6-F51B-DB444EBE4873}"/>
+          <p:cNvPr id="3" name="Picture 2">
+            <a:extLst>
+              <a:ext uri="{FF2B5EF4-FFF2-40B4-BE49-F238E27FC236}">
+                <a16:creationId xmlns:a16="http://schemas.microsoft.com/office/drawing/2014/main" id="{C83109AC-7977-A4B1-6B64-41577FF050C3}"/>
               </a:ext>
             </a:extLst>
           </p:cNvPr>
@@ -4026,8 +4023,8 @@
         </p:blipFill>
         <p:spPr bwMode="auto">
           <a:xfrm>
-            <a:off x="571834" y="3610515"/>
-            <a:ext cx="3313861" cy="2356147"/>
+            <a:off x="464508" y="3517169"/>
+            <a:ext cx="3412714" cy="2426431"/>
           </a:xfrm>
           <a:prstGeom prst="rect">
             <a:avLst/>
@@ -4046,10 +4043,10 @@
       </p:pic>
       <p:pic>
         <p:nvPicPr>
-          <p:cNvPr id="3082" name="Picture 10">
-            <a:extLst>
-              <a:ext uri="{FF2B5EF4-FFF2-40B4-BE49-F238E27FC236}">
-                <a16:creationId xmlns:a16="http://schemas.microsoft.com/office/drawing/2014/main" id="{943DC4FE-4C5A-ED90-9A8F-35B38F64694D}"/>
+          <p:cNvPr id="5" name="Picture 4">
+            <a:extLst>
+              <a:ext uri="{FF2B5EF4-FFF2-40B4-BE49-F238E27FC236}">
+                <a16:creationId xmlns:a16="http://schemas.microsoft.com/office/drawing/2014/main" id="{9E372BD6-4EEC-3C54-EB38-AB504BADCB3C}"/>
               </a:ext>
             </a:extLst>
           </p:cNvPr>
@@ -4073,8 +4070,8 @@
         </p:blipFill>
         <p:spPr bwMode="auto">
           <a:xfrm>
-            <a:off x="4439069" y="3610515"/>
-            <a:ext cx="3313861" cy="2356147"/>
+            <a:off x="4202796" y="3517169"/>
+            <a:ext cx="3412716" cy="2426432"/>
           </a:xfrm>
           <a:prstGeom prst="rect">
             <a:avLst/>
@@ -4093,10 +4090,10 @@
       </p:pic>
       <p:pic>
         <p:nvPicPr>
-          <p:cNvPr id="3084" name="Picture 12">
-            <a:extLst>
-              <a:ext uri="{FF2B5EF4-FFF2-40B4-BE49-F238E27FC236}">
-                <a16:creationId xmlns:a16="http://schemas.microsoft.com/office/drawing/2014/main" id="{6365D3A7-2819-173F-C59C-74C386CFE56B}"/>
+          <p:cNvPr id="6" name="Picture 6">
+            <a:extLst>
+              <a:ext uri="{FF2B5EF4-FFF2-40B4-BE49-F238E27FC236}">
+                <a16:creationId xmlns:a16="http://schemas.microsoft.com/office/drawing/2014/main" id="{97DB2025-4725-3AEE-5704-282B8A40D88B}"/>
               </a:ext>
             </a:extLst>
           </p:cNvPr>
@@ -4120,8 +4117,8 @@
         </p:blipFill>
         <p:spPr bwMode="auto">
           <a:xfrm>
-            <a:off x="8306304" y="3610515"/>
-            <a:ext cx="3313862" cy="2356147"/>
+            <a:off x="7941086" y="3517169"/>
+            <a:ext cx="3412714" cy="2426431"/>
           </a:xfrm>
           <a:prstGeom prst="rect">
             <a:avLst/>
@@ -4141,7 +4138,7 @@
     </p:spTree>
     <p:extLst>
       <p:ext uri="{BB962C8B-B14F-4D97-AF65-F5344CB8AC3E}">
-        <p14:creationId xmlns:p14="http://schemas.microsoft.com/office/powerpoint/2010/main" val="3359789867"/>
+        <p14:creationId xmlns:p14="http://schemas.microsoft.com/office/powerpoint/2010/main" val="1363647688"/>
       </p:ext>
     </p:extLst>
   </p:cSld>
@@ -4191,7 +4188,7 @@
           <a:p>
             <a:r>
               <a:rPr lang="en-US" dirty="0"/>
-              <a:t>1AQ3(AS)_Triple Mutation – PHI 9.5</a:t>
+              <a:t>2BU1_Quadruple Mutation – PHI 9.5</a:t>
             </a:r>
           </a:p>
         </p:txBody>
@@ -4226,29 +4223,29 @@
           <a:p>
             <a:r>
               <a:rPr lang="en-US" dirty="0"/>
-              <a:t>Pearson rank correlation coefficient: -0.326 </a:t>
+              <a:t>Pearson rank correlation coefficient: -0.547 </a:t>
             </a:r>
           </a:p>
           <a:p>
             <a:r>
               <a:rPr lang="en-US" dirty="0"/>
-              <a:t>Spearman rank correlation coefficient: -0.285 </a:t>
+              <a:t>Spearman rank correlation coefficient: -0.683 </a:t>
             </a:r>
           </a:p>
           <a:p>
             <a:r>
               <a:rPr lang="en-US" dirty="0"/>
-              <a:t>Coefficient of Determination (R^2): 0.107</a:t>
+              <a:t>Coefficient of Determination (R^2): 0.300</a:t>
             </a:r>
           </a:p>
         </p:txBody>
       </p:sp>
       <p:pic>
         <p:nvPicPr>
-          <p:cNvPr id="16392" name="Picture 8">
-            <a:extLst>
-              <a:ext uri="{FF2B5EF4-FFF2-40B4-BE49-F238E27FC236}">
-                <a16:creationId xmlns:a16="http://schemas.microsoft.com/office/drawing/2014/main" id="{431C64AC-0CCB-CBCD-94EA-28CF1C5A0316}"/>
+          <p:cNvPr id="4098" name="Picture 2">
+            <a:extLst>
+              <a:ext uri="{FF2B5EF4-FFF2-40B4-BE49-F238E27FC236}">
+                <a16:creationId xmlns:a16="http://schemas.microsoft.com/office/drawing/2014/main" id="{A24F51CE-4CFA-F28D-8773-F0E86FC6405F}"/>
               </a:ext>
             </a:extLst>
           </p:cNvPr>
@@ -4272,8 +4269,8 @@
         </p:blipFill>
         <p:spPr bwMode="auto">
           <a:xfrm>
-            <a:off x="581685" y="3588408"/>
-            <a:ext cx="3482772" cy="2438817"/>
+            <a:off x="339665" y="3429000"/>
+            <a:ext cx="3733333" cy="2640882"/>
           </a:xfrm>
           <a:prstGeom prst="rect">
             <a:avLst/>
@@ -4292,10 +4289,10 @@
       </p:pic>
       <p:pic>
         <p:nvPicPr>
-          <p:cNvPr id="16394" name="Picture 10">
-            <a:extLst>
-              <a:ext uri="{FF2B5EF4-FFF2-40B4-BE49-F238E27FC236}">
-                <a16:creationId xmlns:a16="http://schemas.microsoft.com/office/drawing/2014/main" id="{C860675D-AAD3-24C3-0A10-5A85CAF7D688}"/>
+          <p:cNvPr id="4100" name="Picture 4">
+            <a:extLst>
+              <a:ext uri="{FF2B5EF4-FFF2-40B4-BE49-F238E27FC236}">
+                <a16:creationId xmlns:a16="http://schemas.microsoft.com/office/drawing/2014/main" id="{AF20DFF8-3317-1507-1BB8-FF7032EC763A}"/>
               </a:ext>
             </a:extLst>
           </p:cNvPr>
@@ -4319,8 +4316,8 @@
         </p:blipFill>
         <p:spPr bwMode="auto">
           <a:xfrm>
-            <a:off x="4354614" y="3581544"/>
-            <a:ext cx="3482772" cy="2438818"/>
+            <a:off x="4195493" y="3429000"/>
+            <a:ext cx="3733333" cy="2640882"/>
           </a:xfrm>
           <a:prstGeom prst="rect">
             <a:avLst/>
@@ -4339,10 +4336,10 @@
       </p:pic>
       <p:pic>
         <p:nvPicPr>
-          <p:cNvPr id="16396" name="Picture 12">
-            <a:extLst>
-              <a:ext uri="{FF2B5EF4-FFF2-40B4-BE49-F238E27FC236}">
-                <a16:creationId xmlns:a16="http://schemas.microsoft.com/office/drawing/2014/main" id="{B542424B-7898-918B-C8C4-5FB7724E2324}"/>
+          <p:cNvPr id="4102" name="Picture 6">
+            <a:extLst>
+              <a:ext uri="{FF2B5EF4-FFF2-40B4-BE49-F238E27FC236}">
+                <a16:creationId xmlns:a16="http://schemas.microsoft.com/office/drawing/2014/main" id="{7FE5D301-EB40-6F83-BA78-A598B51CB6D9}"/>
               </a:ext>
             </a:extLst>
           </p:cNvPr>
@@ -4366,8 +4363,8 @@
         </p:blipFill>
         <p:spPr bwMode="auto">
           <a:xfrm>
-            <a:off x="8127543" y="3588408"/>
-            <a:ext cx="3482772" cy="2438818"/>
+            <a:off x="8051321" y="3429000"/>
+            <a:ext cx="3733333" cy="2640882"/>
           </a:xfrm>
           <a:prstGeom prst="rect">
             <a:avLst/>
@@ -4387,7 +4384,7 @@
     </p:spTree>
     <p:extLst>
       <p:ext uri="{BB962C8B-B14F-4D97-AF65-F5344CB8AC3E}">
-        <p14:creationId xmlns:p14="http://schemas.microsoft.com/office/powerpoint/2010/main" val="3002792248"/>
+        <p14:creationId xmlns:p14="http://schemas.microsoft.com/office/powerpoint/2010/main" val="496056434"/>
       </p:ext>
     </p:extLst>
   </p:cSld>
@@ -4437,7 +4434,7 @@
           <a:p>
             <a:r>
               <a:rPr lang="en-US" dirty="0"/>
-              <a:t>2BU1+1AQ3_Triple Mutation – PHI 9.5</a:t>
+              <a:t>2BU1+1AQ3_Quadruple Mutation – PHI 9.5</a:t>
             </a:r>
           </a:p>
         </p:txBody>
@@ -4472,13 +4469,13 @@
           <a:p>
             <a:r>
               <a:rPr lang="en-US" dirty="0"/>
-              <a:t>Pearson rank correlation coefficient: 0.299 </a:t>
+              <a:t>Pearson rank correlation coefficient: -0.301 </a:t>
             </a:r>
           </a:p>
           <a:p>
             <a:r>
               <a:rPr lang="en-US" dirty="0"/>
-              <a:t>Spearman rank correlation coefficient: 0.299 </a:t>
+              <a:t>Spearman rank correlation coefficient: -0.463 </a:t>
             </a:r>
           </a:p>
           <a:p>
@@ -4491,10 +4488,10 @@
       </p:sp>
       <p:pic>
         <p:nvPicPr>
-          <p:cNvPr id="9218" name="Picture 2">
-            <a:extLst>
-              <a:ext uri="{FF2B5EF4-FFF2-40B4-BE49-F238E27FC236}">
-                <a16:creationId xmlns:a16="http://schemas.microsoft.com/office/drawing/2014/main" id="{ABA032D6-5602-93B9-E6A4-9AB2EEFFFEBA}"/>
+          <p:cNvPr id="10242" name="Picture 2">
+            <a:extLst>
+              <a:ext uri="{FF2B5EF4-FFF2-40B4-BE49-F238E27FC236}">
+                <a16:creationId xmlns:a16="http://schemas.microsoft.com/office/drawing/2014/main" id="{406E3F89-3D51-714B-FF25-5D195467541D}"/>
               </a:ext>
             </a:extLst>
           </p:cNvPr>
@@ -4518,8 +4515,8 @@
         </p:blipFill>
         <p:spPr bwMode="auto">
           <a:xfrm>
-            <a:off x="408395" y="3320249"/>
-            <a:ext cx="3658463" cy="2601158"/>
+            <a:off x="469061" y="3429000"/>
+            <a:ext cx="3666683" cy="2593735"/>
           </a:xfrm>
           <a:prstGeom prst="rect">
             <a:avLst/>
@@ -4538,10 +4535,10 @@
       </p:pic>
       <p:pic>
         <p:nvPicPr>
-          <p:cNvPr id="9220" name="Picture 4">
-            <a:extLst>
-              <a:ext uri="{FF2B5EF4-FFF2-40B4-BE49-F238E27FC236}">
-                <a16:creationId xmlns:a16="http://schemas.microsoft.com/office/drawing/2014/main" id="{12283549-8A16-AE28-EA73-32F3FD6C98FD}"/>
+          <p:cNvPr id="10244" name="Picture 4">
+            <a:extLst>
+              <a:ext uri="{FF2B5EF4-FFF2-40B4-BE49-F238E27FC236}">
+                <a16:creationId xmlns:a16="http://schemas.microsoft.com/office/drawing/2014/main" id="{CACB5FD0-2DB3-75A4-E1E9-112B0A6CF01C}"/>
               </a:ext>
             </a:extLst>
           </p:cNvPr>
@@ -4565,8 +4562,8 @@
         </p:blipFill>
         <p:spPr bwMode="auto">
           <a:xfrm>
-            <a:off x="4266768" y="3320249"/>
-            <a:ext cx="3658463" cy="2601158"/>
+            <a:off x="4262658" y="3429000"/>
+            <a:ext cx="3666683" cy="2593735"/>
           </a:xfrm>
           <a:prstGeom prst="rect">
             <a:avLst/>
@@ -4585,10 +4582,10 @@
       </p:pic>
       <p:pic>
         <p:nvPicPr>
-          <p:cNvPr id="9222" name="Picture 6">
-            <a:extLst>
-              <a:ext uri="{FF2B5EF4-FFF2-40B4-BE49-F238E27FC236}">
-                <a16:creationId xmlns:a16="http://schemas.microsoft.com/office/drawing/2014/main" id="{BCF84CE1-644A-2C8A-CFA7-C130F3F6FED2}"/>
+          <p:cNvPr id="10246" name="Picture 6">
+            <a:extLst>
+              <a:ext uri="{FF2B5EF4-FFF2-40B4-BE49-F238E27FC236}">
+                <a16:creationId xmlns:a16="http://schemas.microsoft.com/office/drawing/2014/main" id="{6AF65280-CE99-F7DB-6CE8-8CFAD68A1247}"/>
               </a:ext>
             </a:extLst>
           </p:cNvPr>
@@ -4612,8 +4609,8 @@
         </p:blipFill>
         <p:spPr bwMode="auto">
           <a:xfrm>
-            <a:off x="8125141" y="3320249"/>
-            <a:ext cx="3658463" cy="2601158"/>
+            <a:off x="8056256" y="3429000"/>
+            <a:ext cx="3666683" cy="2593735"/>
           </a:xfrm>
           <a:prstGeom prst="rect">
             <a:avLst/>
@@ -4633,7 +4630,7 @@
     </p:spTree>
     <p:extLst>
       <p:ext uri="{BB962C8B-B14F-4D97-AF65-F5344CB8AC3E}">
-        <p14:creationId xmlns:p14="http://schemas.microsoft.com/office/powerpoint/2010/main" val="2565504471"/>
+        <p14:creationId xmlns:p14="http://schemas.microsoft.com/office/powerpoint/2010/main" val="527691219"/>
       </p:ext>
     </p:extLst>
   </p:cSld>
@@ -4683,7 +4680,7 @@
           <a:p>
             <a:r>
               <a:rPr lang="en-US" dirty="0"/>
-              <a:t>2BU1_Quadruple Mutation – PHI 9.5</a:t>
+              <a:t>2BU1+1U1Y_Quadruple Mutation – PHI 9.5</a:t>
             </a:r>
           </a:p>
         </p:txBody>
@@ -4718,29 +4715,29 @@
           <a:p>
             <a:r>
               <a:rPr lang="en-US" dirty="0"/>
-              <a:t>Pearson rank correlation coefficient: -0.547 </a:t>
+              <a:t>Pearson rank correlation coefficient: -0.148 </a:t>
             </a:r>
           </a:p>
           <a:p>
             <a:r>
               <a:rPr lang="en-US" dirty="0"/>
-              <a:t>Spearman rank correlation coefficient: -0.683 </a:t>
+              <a:t>Spearman rank correlation coefficient: -0.133 </a:t>
             </a:r>
           </a:p>
           <a:p>
             <a:r>
               <a:rPr lang="en-US" dirty="0"/>
-              <a:t>Coefficient of Determination (R^2): 0.300</a:t>
+              <a:t>Coefficient of Determination (R^2): 0.022</a:t>
             </a:r>
           </a:p>
         </p:txBody>
       </p:sp>
       <p:pic>
         <p:nvPicPr>
-          <p:cNvPr id="4098" name="Picture 2">
-            <a:extLst>
-              <a:ext uri="{FF2B5EF4-FFF2-40B4-BE49-F238E27FC236}">
-                <a16:creationId xmlns:a16="http://schemas.microsoft.com/office/drawing/2014/main" id="{A24F51CE-4CFA-F28D-8773-F0E86FC6405F}"/>
+          <p:cNvPr id="8194" name="Picture 2">
+            <a:extLst>
+              <a:ext uri="{FF2B5EF4-FFF2-40B4-BE49-F238E27FC236}">
+                <a16:creationId xmlns:a16="http://schemas.microsoft.com/office/drawing/2014/main" id="{C816E385-B39F-F376-6090-2446630447D0}"/>
               </a:ext>
             </a:extLst>
           </p:cNvPr>
@@ -4764,8 +4761,8 @@
         </p:blipFill>
         <p:spPr bwMode="auto">
           <a:xfrm>
-            <a:off x="339665" y="3429000"/>
-            <a:ext cx="3733333" cy="2640882"/>
+            <a:off x="475104" y="3797331"/>
+            <a:ext cx="3410591" cy="2412581"/>
           </a:xfrm>
           <a:prstGeom prst="rect">
             <a:avLst/>
@@ -4784,10 +4781,10 @@
       </p:pic>
       <p:pic>
         <p:nvPicPr>
-          <p:cNvPr id="4100" name="Picture 4">
-            <a:extLst>
-              <a:ext uri="{FF2B5EF4-FFF2-40B4-BE49-F238E27FC236}">
-                <a16:creationId xmlns:a16="http://schemas.microsoft.com/office/drawing/2014/main" id="{AF20DFF8-3317-1507-1BB8-FF7032EC763A}"/>
+          <p:cNvPr id="8196" name="Picture 4">
+            <a:extLst>
+              <a:ext uri="{FF2B5EF4-FFF2-40B4-BE49-F238E27FC236}">
+                <a16:creationId xmlns:a16="http://schemas.microsoft.com/office/drawing/2014/main" id="{25C34077-E8D6-1449-BED1-D11F8645A7EF}"/>
               </a:ext>
             </a:extLst>
           </p:cNvPr>
@@ -4811,8 +4808,8 @@
         </p:blipFill>
         <p:spPr bwMode="auto">
           <a:xfrm>
-            <a:off x="4195493" y="3429000"/>
-            <a:ext cx="3733333" cy="2640882"/>
+            <a:off x="4390704" y="3797332"/>
+            <a:ext cx="3410591" cy="2412581"/>
           </a:xfrm>
           <a:prstGeom prst="rect">
             <a:avLst/>
@@ -4831,10 +4828,10 @@
       </p:pic>
       <p:pic>
         <p:nvPicPr>
-          <p:cNvPr id="4102" name="Picture 6">
-            <a:extLst>
-              <a:ext uri="{FF2B5EF4-FFF2-40B4-BE49-F238E27FC236}">
-                <a16:creationId xmlns:a16="http://schemas.microsoft.com/office/drawing/2014/main" id="{7FE5D301-EB40-6F83-BA78-A598B51CB6D9}"/>
+          <p:cNvPr id="8198" name="Picture 6">
+            <a:extLst>
+              <a:ext uri="{FF2B5EF4-FFF2-40B4-BE49-F238E27FC236}">
+                <a16:creationId xmlns:a16="http://schemas.microsoft.com/office/drawing/2014/main" id="{EE5CC55D-DABF-6E37-83D5-A5D523DB26FC}"/>
               </a:ext>
             </a:extLst>
           </p:cNvPr>
@@ -4858,8 +4855,8 @@
         </p:blipFill>
         <p:spPr bwMode="auto">
           <a:xfrm>
-            <a:off x="8051321" y="3429000"/>
-            <a:ext cx="3733333" cy="2640882"/>
+            <a:off x="8105236" y="3797331"/>
+            <a:ext cx="3410591" cy="2412581"/>
           </a:xfrm>
           <a:prstGeom prst="rect">
             <a:avLst/>
@@ -4879,7 +4876,7 @@
     </p:spTree>
     <p:extLst>
       <p:ext uri="{BB962C8B-B14F-4D97-AF65-F5344CB8AC3E}">
-        <p14:creationId xmlns:p14="http://schemas.microsoft.com/office/powerpoint/2010/main" val="496056434"/>
+        <p14:creationId xmlns:p14="http://schemas.microsoft.com/office/powerpoint/2010/main" val="1450221302"/>
       </p:ext>
     </p:extLst>
   </p:cSld>
@@ -4929,7 +4926,7 @@
           <a:p>
             <a:r>
               <a:rPr lang="en-US" dirty="0"/>
-              <a:t>1AQ3_Quadruple Mutation – PHI 9.5</a:t>
+              <a:t>2BU1_Quintuple Mutation – PHI 9.5</a:t>
             </a:r>
           </a:p>
         </p:txBody>
@@ -4964,29 +4961,29 @@
           <a:p>
             <a:r>
               <a:rPr lang="en-US" dirty="0"/>
-              <a:t>Pearson rank correlation coefficient: 0.063 </a:t>
+              <a:t>Pearson rank correlation coefficient: -0.829 </a:t>
             </a:r>
           </a:p>
           <a:p>
             <a:r>
               <a:rPr lang="en-US" dirty="0"/>
-              <a:t>Spearman rank correlation coefficient: 0.074 </a:t>
+              <a:t>Spearman rank correlation coefficient: -0.738 </a:t>
             </a:r>
           </a:p>
           <a:p>
             <a:r>
               <a:rPr lang="en-US" dirty="0"/>
-              <a:t>Coefficient of Determination (R^2): 0.004</a:t>
+              <a:t>Coefficient of Determination (R^2): 0.687</a:t>
             </a:r>
           </a:p>
         </p:txBody>
       </p:sp>
       <p:pic>
         <p:nvPicPr>
-          <p:cNvPr id="6146" name="Picture 2">
-            <a:extLst>
-              <a:ext uri="{FF2B5EF4-FFF2-40B4-BE49-F238E27FC236}">
-                <a16:creationId xmlns:a16="http://schemas.microsoft.com/office/drawing/2014/main" id="{D96B6368-4EE1-2A98-631D-92818AE12F16}"/>
+          <p:cNvPr id="3074" name="Picture 2">
+            <a:extLst>
+              <a:ext uri="{FF2B5EF4-FFF2-40B4-BE49-F238E27FC236}">
+                <a16:creationId xmlns:a16="http://schemas.microsoft.com/office/drawing/2014/main" id="{4C55CEF8-1A24-6485-8CFE-B3D192A629AE}"/>
               </a:ext>
             </a:extLst>
           </p:cNvPr>
@@ -5010,8 +5007,8 @@
         </p:blipFill>
         <p:spPr bwMode="auto">
           <a:xfrm>
-            <a:off x="538073" y="3312544"/>
-            <a:ext cx="3465044" cy="2451100"/>
+            <a:off x="131822" y="3429000"/>
+            <a:ext cx="3804920" cy="2705288"/>
           </a:xfrm>
           <a:prstGeom prst="rect">
             <a:avLst/>
@@ -5030,10 +5027,10 @@
       </p:pic>
       <p:pic>
         <p:nvPicPr>
-          <p:cNvPr id="6148" name="Picture 4">
-            <a:extLst>
-              <a:ext uri="{FF2B5EF4-FFF2-40B4-BE49-F238E27FC236}">
-                <a16:creationId xmlns:a16="http://schemas.microsoft.com/office/drawing/2014/main" id="{CE576320-07CA-BFC1-E106-975FDE5268F1}"/>
+          <p:cNvPr id="3076" name="Picture 4">
+            <a:extLst>
+              <a:ext uri="{FF2B5EF4-FFF2-40B4-BE49-F238E27FC236}">
+                <a16:creationId xmlns:a16="http://schemas.microsoft.com/office/drawing/2014/main" id="{521454F7-1595-FB76-4F98-74EF384FAABB}"/>
               </a:ext>
             </a:extLst>
           </p:cNvPr>
@@ -5057,8 +5054,8 @@
         </p:blipFill>
         <p:spPr bwMode="auto">
           <a:xfrm>
-            <a:off x="4363478" y="3312544"/>
-            <a:ext cx="3465044" cy="2451100"/>
+            <a:off x="4193540" y="3429000"/>
+            <a:ext cx="3804919" cy="2705288"/>
           </a:xfrm>
           <a:prstGeom prst="rect">
             <a:avLst/>
@@ -5077,10 +5074,10 @@
       </p:pic>
       <p:pic>
         <p:nvPicPr>
-          <p:cNvPr id="6150" name="Picture 6">
-            <a:extLst>
-              <a:ext uri="{FF2B5EF4-FFF2-40B4-BE49-F238E27FC236}">
-                <a16:creationId xmlns:a16="http://schemas.microsoft.com/office/drawing/2014/main" id="{806DDFCF-D4A8-2D3B-73FC-EEEC52DD7456}"/>
+          <p:cNvPr id="3078" name="Picture 6">
+            <a:extLst>
+              <a:ext uri="{FF2B5EF4-FFF2-40B4-BE49-F238E27FC236}">
+                <a16:creationId xmlns:a16="http://schemas.microsoft.com/office/drawing/2014/main" id="{FBC26BC3-3AF3-0FBD-D3EA-AF4E82D23DD5}"/>
               </a:ext>
             </a:extLst>
           </p:cNvPr>
@@ -5104,8 +5101,8 @@
         </p:blipFill>
         <p:spPr bwMode="auto">
           <a:xfrm>
-            <a:off x="8188883" y="3312544"/>
-            <a:ext cx="3465044" cy="2451100"/>
+            <a:off x="8255259" y="3429000"/>
+            <a:ext cx="3804919" cy="2705288"/>
           </a:xfrm>
           <a:prstGeom prst="rect">
             <a:avLst/>
@@ -5125,7 +5122,7 @@
     </p:spTree>
     <p:extLst>
       <p:ext uri="{BB962C8B-B14F-4D97-AF65-F5344CB8AC3E}">
-        <p14:creationId xmlns:p14="http://schemas.microsoft.com/office/powerpoint/2010/main" val="2049344720"/>
+        <p14:creationId xmlns:p14="http://schemas.microsoft.com/office/powerpoint/2010/main" val="1814979600"/>
       </p:ext>
     </p:extLst>
   </p:cSld>
@@ -5175,7 +5172,7 @@
           <a:p>
             <a:r>
               <a:rPr lang="en-US" dirty="0"/>
-              <a:t>1AQ3(AS)_Quadruple Mutation – PHI 9.5</a:t>
+              <a:t>2BU1+1AQ3_Quintuple Mutation – PHI 9.5</a:t>
             </a:r>
           </a:p>
         </p:txBody>
@@ -5210,29 +5207,29 @@
           <a:p>
             <a:r>
               <a:rPr lang="en-US" dirty="0"/>
-              <a:t>Pearson rank correlation coefficient: -0.006 </a:t>
+              <a:t>Pearson rank correlation coefficient: -0.743 </a:t>
             </a:r>
           </a:p>
           <a:p>
             <a:r>
               <a:rPr lang="en-US" dirty="0"/>
-              <a:t>Spearman rank correlation coefficient: 0.015 </a:t>
+              <a:t>Spearman rank correlation coefficient: -0.777 </a:t>
             </a:r>
           </a:p>
           <a:p>
             <a:r>
               <a:rPr lang="en-US" dirty="0"/>
-              <a:t>Coefficient of Determination (R^2): 0.000</a:t>
+              <a:t>Coefficient of Determination (R^2): 0.552</a:t>
             </a:r>
           </a:p>
         </p:txBody>
       </p:sp>
       <p:pic>
         <p:nvPicPr>
-          <p:cNvPr id="14338" name="Picture 2">
-            <a:extLst>
-              <a:ext uri="{FF2B5EF4-FFF2-40B4-BE49-F238E27FC236}">
-                <a16:creationId xmlns:a16="http://schemas.microsoft.com/office/drawing/2014/main" id="{BE002287-71D9-38E8-2A0C-DA777538D5A6}"/>
+          <p:cNvPr id="11266" name="Picture 2">
+            <a:extLst>
+              <a:ext uri="{FF2B5EF4-FFF2-40B4-BE49-F238E27FC236}">
+                <a16:creationId xmlns:a16="http://schemas.microsoft.com/office/drawing/2014/main" id="{15FDEF14-DEC2-0599-9591-88A0CB69B03E}"/>
               </a:ext>
             </a:extLst>
           </p:cNvPr>
@@ -5256,8 +5253,8 @@
         </p:blipFill>
         <p:spPr bwMode="auto">
           <a:xfrm>
-            <a:off x="741512" y="3529178"/>
-            <a:ext cx="3514300" cy="2448560"/>
+            <a:off x="136627" y="3429000"/>
+            <a:ext cx="3827906" cy="2721631"/>
           </a:xfrm>
           <a:prstGeom prst="rect">
             <a:avLst/>
@@ -5276,10 +5273,10 @@
       </p:pic>
       <p:pic>
         <p:nvPicPr>
-          <p:cNvPr id="14340" name="Picture 4">
-            <a:extLst>
-              <a:ext uri="{FF2B5EF4-FFF2-40B4-BE49-F238E27FC236}">
-                <a16:creationId xmlns:a16="http://schemas.microsoft.com/office/drawing/2014/main" id="{973BF1F2-B0A5-C39A-17BB-496B4D69C6C8}"/>
+          <p:cNvPr id="11268" name="Picture 4">
+            <a:extLst>
+              <a:ext uri="{FF2B5EF4-FFF2-40B4-BE49-F238E27FC236}">
+                <a16:creationId xmlns:a16="http://schemas.microsoft.com/office/drawing/2014/main" id="{BD9272A8-3735-53FC-87A6-B8D5B8DF19EB}"/>
               </a:ext>
             </a:extLst>
           </p:cNvPr>
@@ -5303,8 +5300,8 @@
         </p:blipFill>
         <p:spPr bwMode="auto">
           <a:xfrm>
-            <a:off x="4338850" y="3529178"/>
-            <a:ext cx="3514300" cy="2448560"/>
+            <a:off x="4182047" y="3428999"/>
+            <a:ext cx="3827906" cy="2721632"/>
           </a:xfrm>
           <a:prstGeom prst="rect">
             <a:avLst/>
@@ -5323,10 +5320,10 @@
       </p:pic>
       <p:pic>
         <p:nvPicPr>
-          <p:cNvPr id="14342" name="Picture 6">
-            <a:extLst>
-              <a:ext uri="{FF2B5EF4-FFF2-40B4-BE49-F238E27FC236}">
-                <a16:creationId xmlns:a16="http://schemas.microsoft.com/office/drawing/2014/main" id="{6F440612-6B61-0515-E994-99A190F0725E}"/>
+          <p:cNvPr id="11270" name="Picture 6">
+            <a:extLst>
+              <a:ext uri="{FF2B5EF4-FFF2-40B4-BE49-F238E27FC236}">
+                <a16:creationId xmlns:a16="http://schemas.microsoft.com/office/drawing/2014/main" id="{70A53AA5-FA86-70FE-4878-658E3AA11D76}"/>
               </a:ext>
             </a:extLst>
           </p:cNvPr>
@@ -5350,8 +5347,8 @@
         </p:blipFill>
         <p:spPr bwMode="auto">
           <a:xfrm>
-            <a:off x="8187423" y="3529178"/>
-            <a:ext cx="3514300" cy="2448560"/>
+            <a:off x="8113470" y="3428999"/>
+            <a:ext cx="3827906" cy="2721632"/>
           </a:xfrm>
           <a:prstGeom prst="rect">
             <a:avLst/>
@@ -5371,7 +5368,7 @@
     </p:spTree>
     <p:extLst>
       <p:ext uri="{BB962C8B-B14F-4D97-AF65-F5344CB8AC3E}">
-        <p14:creationId xmlns:p14="http://schemas.microsoft.com/office/powerpoint/2010/main" val="4084256582"/>
+        <p14:creationId xmlns:p14="http://schemas.microsoft.com/office/powerpoint/2010/main" val="1153257920"/>
       </p:ext>
     </p:extLst>
   </p:cSld>
@@ -5421,7 +5418,7 @@
           <a:p>
             <a:r>
               <a:rPr lang="en-US" dirty="0"/>
-              <a:t>2BU1+1AQ3_Quadruple Mutation – PHI 9.5</a:t>
+              <a:t>2BU1+1U1Y_Quintuple Mutation – PHI 9.5</a:t>
             </a:r>
           </a:p>
         </p:txBody>
@@ -5456,29 +5453,29 @@
           <a:p>
             <a:r>
               <a:rPr lang="en-US" dirty="0"/>
-              <a:t>Pearson rank correlation coefficient: -0.301 </a:t>
+              <a:t>Pearson rank correlation coefficient: -0.837 </a:t>
             </a:r>
           </a:p>
           <a:p>
             <a:r>
               <a:rPr lang="en-US" dirty="0"/>
-              <a:t>Spearman rank correlation coefficient: -0.463 </a:t>
+              <a:t>Spearman rank correlation coefficient: -0.738 </a:t>
             </a:r>
           </a:p>
           <a:p>
             <a:r>
               <a:rPr lang="en-US" dirty="0"/>
-              <a:t>Coefficient of Determination (R^2): 0.090</a:t>
+              <a:t>Coefficient of Determination (R^2): 0.700</a:t>
             </a:r>
           </a:p>
         </p:txBody>
       </p:sp>
       <p:pic>
         <p:nvPicPr>
-          <p:cNvPr id="10242" name="Picture 2">
-            <a:extLst>
-              <a:ext uri="{FF2B5EF4-FFF2-40B4-BE49-F238E27FC236}">
-                <a16:creationId xmlns:a16="http://schemas.microsoft.com/office/drawing/2014/main" id="{406E3F89-3D51-714B-FF25-5D195467541D}"/>
+          <p:cNvPr id="7170" name="Picture 2">
+            <a:extLst>
+              <a:ext uri="{FF2B5EF4-FFF2-40B4-BE49-F238E27FC236}">
+                <a16:creationId xmlns:a16="http://schemas.microsoft.com/office/drawing/2014/main" id="{37C400EC-86ED-381E-9CF9-5267B4B8B272}"/>
               </a:ext>
             </a:extLst>
           </p:cNvPr>
@@ -5502,8 +5499,8 @@
         </p:blipFill>
         <p:spPr bwMode="auto">
           <a:xfrm>
-            <a:off x="469061" y="3429000"/>
-            <a:ext cx="3666683" cy="2593735"/>
+            <a:off x="209524" y="3597905"/>
+            <a:ext cx="3676171" cy="2613747"/>
           </a:xfrm>
           <a:prstGeom prst="rect">
             <a:avLst/>
@@ -5522,10 +5519,10 @@
       </p:pic>
       <p:pic>
         <p:nvPicPr>
-          <p:cNvPr id="10244" name="Picture 4">
-            <a:extLst>
-              <a:ext uri="{FF2B5EF4-FFF2-40B4-BE49-F238E27FC236}">
-                <a16:creationId xmlns:a16="http://schemas.microsoft.com/office/drawing/2014/main" id="{CACB5FD0-2DB3-75A4-E1E9-112B0A6CF01C}"/>
+          <p:cNvPr id="7172" name="Picture 4">
+            <a:extLst>
+              <a:ext uri="{FF2B5EF4-FFF2-40B4-BE49-F238E27FC236}">
+                <a16:creationId xmlns:a16="http://schemas.microsoft.com/office/drawing/2014/main" id="{7B4FA37C-E5F3-4309-6690-F8F379ACED74}"/>
               </a:ext>
             </a:extLst>
           </p:cNvPr>
@@ -5549,8 +5546,8 @@
         </p:blipFill>
         <p:spPr bwMode="auto">
           <a:xfrm>
-            <a:off x="4262658" y="3429000"/>
-            <a:ext cx="3666683" cy="2593735"/>
+            <a:off x="4257914" y="3597905"/>
+            <a:ext cx="3676171" cy="2613748"/>
           </a:xfrm>
           <a:prstGeom prst="rect">
             <a:avLst/>
@@ -5569,10 +5566,10 @@
       </p:pic>
       <p:pic>
         <p:nvPicPr>
-          <p:cNvPr id="10246" name="Picture 6">
-            <a:extLst>
-              <a:ext uri="{FF2B5EF4-FFF2-40B4-BE49-F238E27FC236}">
-                <a16:creationId xmlns:a16="http://schemas.microsoft.com/office/drawing/2014/main" id="{6AF65280-CE99-F7DB-6CE8-8CFAD68A1247}"/>
+          <p:cNvPr id="7174" name="Picture 6">
+            <a:extLst>
+              <a:ext uri="{FF2B5EF4-FFF2-40B4-BE49-F238E27FC236}">
+                <a16:creationId xmlns:a16="http://schemas.microsoft.com/office/drawing/2014/main" id="{0F6493CF-91CB-D6A1-419E-DD1E62A18CD5}"/>
               </a:ext>
             </a:extLst>
           </p:cNvPr>
@@ -5596,8 +5593,8 @@
         </p:blipFill>
         <p:spPr bwMode="auto">
           <a:xfrm>
-            <a:off x="8056256" y="3429000"/>
-            <a:ext cx="3666683" cy="2593735"/>
+            <a:off x="8091696" y="3597905"/>
+            <a:ext cx="3676171" cy="2613748"/>
           </a:xfrm>
           <a:prstGeom prst="rect">
             <a:avLst/>
@@ -5617,7 +5614,7 @@
     </p:spTree>
     <p:extLst>
       <p:ext uri="{BB962C8B-B14F-4D97-AF65-F5344CB8AC3E}">
-        <p14:creationId xmlns:p14="http://schemas.microsoft.com/office/powerpoint/2010/main" val="527691219"/>
+        <p14:creationId xmlns:p14="http://schemas.microsoft.com/office/powerpoint/2010/main" val="2593722877"/>
       </p:ext>
     </p:extLst>
   </p:cSld>
@@ -5649,7 +5646,7 @@
           <p:cNvPr id="2" name="Title 1">
             <a:extLst>
               <a:ext uri="{FF2B5EF4-FFF2-40B4-BE49-F238E27FC236}">
-                <a16:creationId xmlns:a16="http://schemas.microsoft.com/office/drawing/2014/main" id="{1A877E3B-C8DE-F07E-AF0F-4CF353351B7C}"/>
+                <a16:creationId xmlns:a16="http://schemas.microsoft.com/office/drawing/2014/main" id="{82A4BB28-B350-8F6A-5B47-2C7B4FA83426}"/>
               </a:ext>
             </a:extLst>
           </p:cNvPr>
@@ -5665,66 +5662,16 @@
           <a:bodyPr/>
           <a:lstStyle/>
           <a:p>
-            <a:r>
-              <a:rPr lang="en-US" dirty="0"/>
-              <a:t>2BU1_Quintuple Mutation – PHI 9.5</a:t>
-            </a:r>
-          </a:p>
-        </p:txBody>
-      </p:sp>
-      <p:sp>
-        <p:nvSpPr>
-          <p:cNvPr id="4" name="TextBox 3">
-            <a:extLst>
-              <a:ext uri="{FF2B5EF4-FFF2-40B4-BE49-F238E27FC236}">
-                <a16:creationId xmlns:a16="http://schemas.microsoft.com/office/drawing/2014/main" id="{728302CB-C012-00EF-0450-25C9128C2913}"/>
-              </a:ext>
-            </a:extLst>
-          </p:cNvPr>
-          <p:cNvSpPr txBox="1"/>
-          <p:nvPr/>
-        </p:nvSpPr>
-        <p:spPr>
-          <a:xfrm>
-            <a:off x="838200" y="1757723"/>
-            <a:ext cx="6094990" cy="923330"/>
-          </a:xfrm>
-          <a:prstGeom prst="rect">
-            <a:avLst/>
-          </a:prstGeom>
-          <a:noFill/>
-        </p:spPr>
-        <p:txBody>
-          <a:bodyPr wrap="square">
-            <a:spAutoFit/>
-          </a:bodyPr>
-          <a:lstStyle/>
-          <a:p>
-            <a:r>
-              <a:rPr lang="en-US" dirty="0"/>
-              <a:t>Pearson rank correlation coefficient: -0.829 </a:t>
-            </a:r>
-          </a:p>
-          <a:p>
-            <a:r>
-              <a:rPr lang="en-US" dirty="0"/>
-              <a:t>Spearman rank correlation coefficient: -0.738 </a:t>
-            </a:r>
-          </a:p>
-          <a:p>
-            <a:r>
-              <a:rPr lang="en-US" dirty="0"/>
-              <a:t>Coefficient of Determination (R^2): 0.687</a:t>
-            </a:r>
+            <a:endParaRPr lang="en-US"/>
           </a:p>
         </p:txBody>
       </p:sp>
       <p:pic>
         <p:nvPicPr>
-          <p:cNvPr id="3074" name="Picture 2">
-            <a:extLst>
-              <a:ext uri="{FF2B5EF4-FFF2-40B4-BE49-F238E27FC236}">
-                <a16:creationId xmlns:a16="http://schemas.microsoft.com/office/drawing/2014/main" id="{4C55CEF8-1A24-6485-8CFE-B3D192A629AE}"/>
+          <p:cNvPr id="1026" name="Picture 2">
+            <a:extLst>
+              <a:ext uri="{FF2B5EF4-FFF2-40B4-BE49-F238E27FC236}">
+                <a16:creationId xmlns:a16="http://schemas.microsoft.com/office/drawing/2014/main" id="{556A4AEA-540E-58E8-2BD7-5C8C39FC9585}"/>
               </a:ext>
             </a:extLst>
           </p:cNvPr>
@@ -5748,8 +5695,8 @@
         </p:blipFill>
         <p:spPr bwMode="auto">
           <a:xfrm>
-            <a:off x="131822" y="3429000"/>
-            <a:ext cx="3804920" cy="2705288"/>
+            <a:off x="2228849" y="1690688"/>
+            <a:ext cx="7173829" cy="5074617"/>
           </a:xfrm>
           <a:prstGeom prst="rect">
             <a:avLst/>
@@ -5766,104 +5713,10 @@
           </a:extLst>
         </p:spPr>
       </p:pic>
-      <p:pic>
-        <p:nvPicPr>
-          <p:cNvPr id="3076" name="Picture 4">
-            <a:extLst>
-              <a:ext uri="{FF2B5EF4-FFF2-40B4-BE49-F238E27FC236}">
-                <a16:creationId xmlns:a16="http://schemas.microsoft.com/office/drawing/2014/main" id="{521454F7-1595-FB76-4F98-74EF384FAABB}"/>
-              </a:ext>
-            </a:extLst>
-          </p:cNvPr>
-          <p:cNvPicPr>
-            <a:picLocks noChangeAspect="1" noChangeArrowheads="1"/>
-          </p:cNvPicPr>
-          <p:nvPr/>
-        </p:nvPicPr>
-        <p:blipFill>
-          <a:blip r:embed="rId3">
-            <a:extLst>
-              <a:ext uri="{28A0092B-C50C-407E-A947-70E740481C1C}">
-                <a14:useLocalDpi xmlns:a14="http://schemas.microsoft.com/office/drawing/2010/main" val="0"/>
-              </a:ext>
-            </a:extLst>
-          </a:blip>
-          <a:srcRect/>
-          <a:stretch>
-            <a:fillRect/>
-          </a:stretch>
-        </p:blipFill>
-        <p:spPr bwMode="auto">
-          <a:xfrm>
-            <a:off x="4193540" y="3429000"/>
-            <a:ext cx="3804919" cy="2705288"/>
-          </a:xfrm>
-          <a:prstGeom prst="rect">
-            <a:avLst/>
-          </a:prstGeom>
-          <a:noFill/>
-          <a:extLst>
-            <a:ext uri="{909E8E84-426E-40DD-AFC4-6F175D3DCCD1}">
-              <a14:hiddenFill xmlns:a14="http://schemas.microsoft.com/office/drawing/2010/main">
-                <a:solidFill>
-                  <a:srgbClr val="FFFFFF"/>
-                </a:solidFill>
-              </a14:hiddenFill>
-            </a:ext>
-          </a:extLst>
-        </p:spPr>
-      </p:pic>
-      <p:pic>
-        <p:nvPicPr>
-          <p:cNvPr id="3078" name="Picture 6">
-            <a:extLst>
-              <a:ext uri="{FF2B5EF4-FFF2-40B4-BE49-F238E27FC236}">
-                <a16:creationId xmlns:a16="http://schemas.microsoft.com/office/drawing/2014/main" id="{FBC26BC3-3AF3-0FBD-D3EA-AF4E82D23DD5}"/>
-              </a:ext>
-            </a:extLst>
-          </p:cNvPr>
-          <p:cNvPicPr>
-            <a:picLocks noChangeAspect="1" noChangeArrowheads="1"/>
-          </p:cNvPicPr>
-          <p:nvPr/>
-        </p:nvPicPr>
-        <p:blipFill>
-          <a:blip r:embed="rId4">
-            <a:extLst>
-              <a:ext uri="{28A0092B-C50C-407E-A947-70E740481C1C}">
-                <a14:useLocalDpi xmlns:a14="http://schemas.microsoft.com/office/drawing/2010/main" val="0"/>
-              </a:ext>
-            </a:extLst>
-          </a:blip>
-          <a:srcRect/>
-          <a:stretch>
-            <a:fillRect/>
-          </a:stretch>
-        </p:blipFill>
-        <p:spPr bwMode="auto">
-          <a:xfrm>
-            <a:off x="8255259" y="3429000"/>
-            <a:ext cx="3804919" cy="2705288"/>
-          </a:xfrm>
-          <a:prstGeom prst="rect">
-            <a:avLst/>
-          </a:prstGeom>
-          <a:noFill/>
-          <a:extLst>
-            <a:ext uri="{909E8E84-426E-40DD-AFC4-6F175D3DCCD1}">
-              <a14:hiddenFill xmlns:a14="http://schemas.microsoft.com/office/drawing/2010/main">
-                <a:solidFill>
-                  <a:srgbClr val="FFFFFF"/>
-                </a:solidFill>
-              </a14:hiddenFill>
-            </a:ext>
-          </a:extLst>
-        </p:spPr>
-      </p:pic>
     </p:spTree>
     <p:extLst>
       <p:ext uri="{BB962C8B-B14F-4D97-AF65-F5344CB8AC3E}">
-        <p14:creationId xmlns:p14="http://schemas.microsoft.com/office/powerpoint/2010/main" val="1814979600"/>
+        <p14:creationId xmlns:p14="http://schemas.microsoft.com/office/powerpoint/2010/main" val="3586080886"/>
       </p:ext>
     </p:extLst>
   </p:cSld>
@@ -5895,7 +5748,7 @@
           <p:cNvPr id="2" name="Title 1">
             <a:extLst>
               <a:ext uri="{FF2B5EF4-FFF2-40B4-BE49-F238E27FC236}">
-                <a16:creationId xmlns:a16="http://schemas.microsoft.com/office/drawing/2014/main" id="{55181F93-39F6-0360-A88F-BC19D6B6529C}"/>
+                <a16:creationId xmlns:a16="http://schemas.microsoft.com/office/drawing/2014/main" id="{6BDAB852-1ACC-74C7-6228-9D23450376E0}"/>
               </a:ext>
             </a:extLst>
           </p:cNvPr>
@@ -5913,7 +5766,7 @@
           <a:p>
             <a:r>
               <a:rPr lang="en-US" dirty="0"/>
-              <a:t>1-3 Mutations – PHI 9.5</a:t>
+              <a:t>2bu1 Phi &amp; Gamma Graphs</a:t>
             </a:r>
           </a:p>
         </p:txBody>
@@ -5923,7 +5776,7 @@
           <p:cNvPr id="5" name="TextBox 4">
             <a:extLst>
               <a:ext uri="{FF2B5EF4-FFF2-40B4-BE49-F238E27FC236}">
-                <a16:creationId xmlns:a16="http://schemas.microsoft.com/office/drawing/2014/main" id="{3627D03B-5F7A-8092-5D82-9CF16F263DDE}"/>
+                <a16:creationId xmlns:a16="http://schemas.microsoft.com/office/drawing/2014/main" id="{B105CE69-AD9E-B41F-3C2D-429C7D534E7E}"/>
               </a:ext>
             </a:extLst>
           </p:cNvPr>
@@ -5932,8 +5785,8 @@
         </p:nvSpPr>
         <p:spPr>
           <a:xfrm>
-            <a:off x="710022" y="1921225"/>
-            <a:ext cx="6094990" cy="923330"/>
+            <a:off x="741872" y="2251494"/>
+            <a:ext cx="2539221" cy="369332"/>
           </a:xfrm>
           <a:prstGeom prst="rect">
             <a:avLst/>
@@ -5941,36 +5794,94 @@
           <a:noFill/>
         </p:spPr>
         <p:txBody>
-          <a:bodyPr wrap="square">
+          <a:bodyPr wrap="none" rtlCol="0">
             <a:spAutoFit/>
           </a:bodyPr>
           <a:lstStyle/>
           <a:p>
             <a:r>
               <a:rPr lang="en-US" dirty="0"/>
-              <a:t>Pearson rank correlation coefficient: 0.503 </a:t>
-            </a:r>
-          </a:p>
+              <a:t>Gamma Randomization</a:t>
+            </a:r>
+          </a:p>
+        </p:txBody>
+      </p:sp>
+      <p:sp>
+        <p:nvSpPr>
+          <p:cNvPr id="6" name="TextBox 5">
+            <a:extLst>
+              <a:ext uri="{FF2B5EF4-FFF2-40B4-BE49-F238E27FC236}">
+                <a16:creationId xmlns:a16="http://schemas.microsoft.com/office/drawing/2014/main" id="{04EB601B-F26A-FA8B-BB61-73D43C5F55B0}"/>
+              </a:ext>
+            </a:extLst>
+          </p:cNvPr>
+          <p:cNvSpPr txBox="1"/>
+          <p:nvPr/>
+        </p:nvSpPr>
+        <p:spPr>
+          <a:xfrm>
+            <a:off x="4548116" y="2251494"/>
+            <a:ext cx="1342547" cy="369332"/>
+          </a:xfrm>
+          <a:prstGeom prst="rect">
+            <a:avLst/>
+          </a:prstGeom>
+          <a:noFill/>
+        </p:spPr>
+        <p:txBody>
+          <a:bodyPr wrap="none" rtlCol="0">
+            <a:spAutoFit/>
+          </a:bodyPr>
+          <a:lstStyle/>
           <a:p>
             <a:r>
               <a:rPr lang="en-US" dirty="0"/>
-              <a:t>Spearman rank correlation coefficient: 0.489 </a:t>
-            </a:r>
-          </a:p>
+              <a:t>Phis Native</a:t>
+            </a:r>
+          </a:p>
+        </p:txBody>
+      </p:sp>
+      <p:sp>
+        <p:nvSpPr>
+          <p:cNvPr id="7" name="TextBox 6">
+            <a:extLst>
+              <a:ext uri="{FF2B5EF4-FFF2-40B4-BE49-F238E27FC236}">
+                <a16:creationId xmlns:a16="http://schemas.microsoft.com/office/drawing/2014/main" id="{A2439339-BB0C-1909-D306-569CB9330556}"/>
+              </a:ext>
+            </a:extLst>
+          </p:cNvPr>
+          <p:cNvSpPr txBox="1"/>
+          <p:nvPr/>
+        </p:nvSpPr>
+        <p:spPr>
+          <a:xfrm>
+            <a:off x="8582403" y="2251494"/>
+            <a:ext cx="1288494" cy="369332"/>
+          </a:xfrm>
+          <a:prstGeom prst="rect">
+            <a:avLst/>
+          </a:prstGeom>
+          <a:noFill/>
+        </p:spPr>
+        <p:txBody>
+          <a:bodyPr wrap="none" rtlCol="0">
+            <a:spAutoFit/>
+          </a:bodyPr>
+          <a:lstStyle/>
           <a:p>
             <a:r>
               <a:rPr lang="en-US" dirty="0"/>
-              <a:t>Coefficient of Determination (R^2): 0.253</a:t>
+              <a:t>Phis Decoy</a:t>
             </a:r>
           </a:p>
         </p:txBody>
       </p:sp>
       <p:pic>
         <p:nvPicPr>
-          <p:cNvPr id="5122" name="Picture 2">
-            <a:extLst>
-              <a:ext uri="{FF2B5EF4-FFF2-40B4-BE49-F238E27FC236}">
-                <a16:creationId xmlns:a16="http://schemas.microsoft.com/office/drawing/2014/main" id="{9303A800-0042-0379-D253-BB837B3F4B9A}"/>
+          <p:cNvPr id="11266" name="Picture 2">
+            <a:extLst>
+              <a:ext uri="{FF2B5EF4-FFF2-40B4-BE49-F238E27FC236}">
+                <a16:creationId xmlns:a16="http://schemas.microsoft.com/office/drawing/2014/main" id="{25B1818C-8430-AD68-B698-BDC5EF17997F}"/>
               </a:ext>
             </a:extLst>
           </p:cNvPr>
@@ -5994,8 +5905,8 @@
         </p:blipFill>
         <p:spPr bwMode="auto">
           <a:xfrm>
-            <a:off x="459500" y="3590813"/>
-            <a:ext cx="3532947" cy="2511916"/>
+            <a:off x="267034" y="2959768"/>
+            <a:ext cx="3297152" cy="2733424"/>
           </a:xfrm>
           <a:prstGeom prst="rect">
             <a:avLst/>
@@ -6014,10 +5925,10 @@
       </p:pic>
       <p:pic>
         <p:nvPicPr>
-          <p:cNvPr id="5124" name="Picture 4">
-            <a:extLst>
-              <a:ext uri="{FF2B5EF4-FFF2-40B4-BE49-F238E27FC236}">
-                <a16:creationId xmlns:a16="http://schemas.microsoft.com/office/drawing/2014/main" id="{0AA2A7BC-7A79-F9EE-401B-65192331A566}"/>
+          <p:cNvPr id="11270" name="Picture 6">
+            <a:extLst>
+              <a:ext uri="{FF2B5EF4-FFF2-40B4-BE49-F238E27FC236}">
+                <a16:creationId xmlns:a16="http://schemas.microsoft.com/office/drawing/2014/main" id="{B3196352-BBA7-678D-D7A9-FAA265BDEDE8}"/>
               </a:ext>
             </a:extLst>
           </p:cNvPr>
@@ -6041,8 +5952,8 @@
         </p:blipFill>
         <p:spPr bwMode="auto">
           <a:xfrm>
-            <a:off x="4329526" y="3590811"/>
-            <a:ext cx="3532948" cy="2511917"/>
+            <a:off x="8222320" y="2959766"/>
+            <a:ext cx="3297152" cy="2733425"/>
           </a:xfrm>
           <a:prstGeom prst="rect">
             <a:avLst/>
@@ -6061,10 +5972,10 @@
       </p:pic>
       <p:pic>
         <p:nvPicPr>
-          <p:cNvPr id="5126" name="Picture 6">
-            <a:extLst>
-              <a:ext uri="{FF2B5EF4-FFF2-40B4-BE49-F238E27FC236}">
-                <a16:creationId xmlns:a16="http://schemas.microsoft.com/office/drawing/2014/main" id="{CA3DF125-0A31-04A8-0F7D-53F2025AE601}"/>
+          <p:cNvPr id="11272" name="Picture 8">
+            <a:extLst>
+              <a:ext uri="{FF2B5EF4-FFF2-40B4-BE49-F238E27FC236}">
+                <a16:creationId xmlns:a16="http://schemas.microsoft.com/office/drawing/2014/main" id="{32E9CBBD-BC17-9817-8891-C3227AB3042B}"/>
               </a:ext>
             </a:extLst>
           </p:cNvPr>
@@ -6088,8 +5999,8 @@
         </p:blipFill>
         <p:spPr bwMode="auto">
           <a:xfrm>
-            <a:off x="8020833" y="3590811"/>
-            <a:ext cx="3532948" cy="2511917"/>
+            <a:off x="4244677" y="2959767"/>
+            <a:ext cx="3297152" cy="2733424"/>
           </a:xfrm>
           <a:prstGeom prst="rect">
             <a:avLst/>
@@ -6106,780 +6017,10 @@
           </a:extLst>
         </p:spPr>
       </p:pic>
-      <p:sp>
-        <p:nvSpPr>
-          <p:cNvPr id="6" name="TextBox 5">
-            <a:extLst>
-              <a:ext uri="{FF2B5EF4-FFF2-40B4-BE49-F238E27FC236}">
-                <a16:creationId xmlns:a16="http://schemas.microsoft.com/office/drawing/2014/main" id="{5A2CDBDD-2442-A319-0B67-33DB8920D3E0}"/>
-              </a:ext>
-            </a:extLst>
-          </p:cNvPr>
-          <p:cNvSpPr txBox="1"/>
-          <p:nvPr/>
-        </p:nvSpPr>
-        <p:spPr>
-          <a:xfrm>
-            <a:off x="8849638" y="1847589"/>
-            <a:ext cx="184731" cy="369332"/>
-          </a:xfrm>
-          <a:prstGeom prst="rect">
-            <a:avLst/>
-          </a:prstGeom>
-          <a:noFill/>
-        </p:spPr>
-        <p:txBody>
-          <a:bodyPr wrap="none" rtlCol="0">
-            <a:spAutoFit/>
-          </a:bodyPr>
-          <a:lstStyle/>
-          <a:p>
-            <a:endParaRPr lang="en-US"/>
-          </a:p>
-        </p:txBody>
-      </p:sp>
     </p:spTree>
     <p:extLst>
       <p:ext uri="{BB962C8B-B14F-4D97-AF65-F5344CB8AC3E}">
-        <p14:creationId xmlns:p14="http://schemas.microsoft.com/office/powerpoint/2010/main" val="1421889998"/>
-      </p:ext>
-    </p:extLst>
-  </p:cSld>
-  <p:clrMapOvr>
-    <a:masterClrMapping/>
-  </p:clrMapOvr>
-</p:sld>
-</file>
-
-<file path=ppt/slides/slide20.xml><?xml version="1.0" encoding="utf-8"?>
-<p:sld xmlns:a="http://schemas.openxmlformats.org/drawingml/2006/main" xmlns:r="http://schemas.openxmlformats.org/officeDocument/2006/relationships" xmlns:p="http://schemas.openxmlformats.org/presentationml/2006/main">
-  <p:cSld>
-    <p:spTree>
-      <p:nvGrpSpPr>
-        <p:cNvPr id="1" name=""/>
-        <p:cNvGrpSpPr/>
-        <p:nvPr/>
-      </p:nvGrpSpPr>
-      <p:grpSpPr>
-        <a:xfrm>
-          <a:off x="0" y="0"/>
-          <a:ext cx="0" cy="0"/>
-          <a:chOff x="0" y="0"/>
-          <a:chExt cx="0" cy="0"/>
-        </a:xfrm>
-      </p:grpSpPr>
-      <p:sp>
-        <p:nvSpPr>
-          <p:cNvPr id="2" name="Title 1">
-            <a:extLst>
-              <a:ext uri="{FF2B5EF4-FFF2-40B4-BE49-F238E27FC236}">
-                <a16:creationId xmlns:a16="http://schemas.microsoft.com/office/drawing/2014/main" id="{1A877E3B-C8DE-F07E-AF0F-4CF353351B7C}"/>
-              </a:ext>
-            </a:extLst>
-          </p:cNvPr>
-          <p:cNvSpPr>
-            <a:spLocks noGrp="1"/>
-          </p:cNvSpPr>
-          <p:nvPr>
-            <p:ph type="title"/>
-          </p:nvPr>
-        </p:nvSpPr>
-        <p:spPr/>
-        <p:txBody>
-          <a:bodyPr/>
-          <a:lstStyle/>
-          <a:p>
-            <a:r>
-              <a:rPr lang="en-US" dirty="0"/>
-              <a:t>1AQ3_Quintuple Mutation – PHI 9.5</a:t>
-            </a:r>
-          </a:p>
-        </p:txBody>
-      </p:sp>
-      <p:sp>
-        <p:nvSpPr>
-          <p:cNvPr id="4" name="TextBox 3">
-            <a:extLst>
-              <a:ext uri="{FF2B5EF4-FFF2-40B4-BE49-F238E27FC236}">
-                <a16:creationId xmlns:a16="http://schemas.microsoft.com/office/drawing/2014/main" id="{728302CB-C012-00EF-0450-25C9128C2913}"/>
-              </a:ext>
-            </a:extLst>
-          </p:cNvPr>
-          <p:cNvSpPr txBox="1"/>
-          <p:nvPr/>
-        </p:nvSpPr>
-        <p:spPr>
-          <a:xfrm>
-            <a:off x="838200" y="1757723"/>
-            <a:ext cx="6094990" cy="923330"/>
-          </a:xfrm>
-          <a:prstGeom prst="rect">
-            <a:avLst/>
-          </a:prstGeom>
-          <a:noFill/>
-        </p:spPr>
-        <p:txBody>
-          <a:bodyPr wrap="square">
-            <a:spAutoFit/>
-          </a:bodyPr>
-          <a:lstStyle/>
-          <a:p>
-            <a:r>
-              <a:rPr lang="en-US" dirty="0"/>
-              <a:t>Pearson rank correlation coefficient: -0.205 </a:t>
-            </a:r>
-          </a:p>
-          <a:p>
-            <a:r>
-              <a:rPr lang="en-US" dirty="0"/>
-              <a:t>Spearman rank correlation coefficient: -0.077 </a:t>
-            </a:r>
-          </a:p>
-          <a:p>
-            <a:r>
-              <a:rPr lang="en-US" dirty="0"/>
-              <a:t>Coefficient of Determination (R^2): 0.042</a:t>
-            </a:r>
-          </a:p>
-        </p:txBody>
-      </p:sp>
-      <p:pic>
-        <p:nvPicPr>
-          <p:cNvPr id="5122" name="Picture 2">
-            <a:extLst>
-              <a:ext uri="{FF2B5EF4-FFF2-40B4-BE49-F238E27FC236}">
-                <a16:creationId xmlns:a16="http://schemas.microsoft.com/office/drawing/2014/main" id="{4A1BDCF4-33C0-0F60-B341-64F8B7B0A3B9}"/>
-              </a:ext>
-            </a:extLst>
-          </p:cNvPr>
-          <p:cNvPicPr>
-            <a:picLocks noChangeAspect="1" noChangeArrowheads="1"/>
-          </p:cNvPicPr>
-          <p:nvPr/>
-        </p:nvPicPr>
-        <p:blipFill>
-          <a:blip r:embed="rId2">
-            <a:extLst>
-              <a:ext uri="{28A0092B-C50C-407E-A947-70E740481C1C}">
-                <a14:useLocalDpi xmlns:a14="http://schemas.microsoft.com/office/drawing/2010/main" val="0"/>
-              </a:ext>
-            </a:extLst>
-          </a:blip>
-          <a:srcRect/>
-          <a:stretch>
-            <a:fillRect/>
-          </a:stretch>
-        </p:blipFill>
-        <p:spPr bwMode="auto">
-          <a:xfrm>
-            <a:off x="318781" y="3429000"/>
-            <a:ext cx="3550726" cy="2524557"/>
-          </a:xfrm>
-          <a:prstGeom prst="rect">
-            <a:avLst/>
-          </a:prstGeom>
-          <a:noFill/>
-          <a:extLst>
-            <a:ext uri="{909E8E84-426E-40DD-AFC4-6F175D3DCCD1}">
-              <a14:hiddenFill xmlns:a14="http://schemas.microsoft.com/office/drawing/2010/main">
-                <a:solidFill>
-                  <a:srgbClr val="FFFFFF"/>
-                </a:solidFill>
-              </a14:hiddenFill>
-            </a:ext>
-          </a:extLst>
-        </p:spPr>
-      </p:pic>
-      <p:pic>
-        <p:nvPicPr>
-          <p:cNvPr id="5124" name="Picture 4">
-            <a:extLst>
-              <a:ext uri="{FF2B5EF4-FFF2-40B4-BE49-F238E27FC236}">
-                <a16:creationId xmlns:a16="http://schemas.microsoft.com/office/drawing/2014/main" id="{8E779D71-E7B3-29FD-1BFB-045C5A8ABB2B}"/>
-              </a:ext>
-            </a:extLst>
-          </p:cNvPr>
-          <p:cNvPicPr>
-            <a:picLocks noChangeAspect="1" noChangeArrowheads="1"/>
-          </p:cNvPicPr>
-          <p:nvPr/>
-        </p:nvPicPr>
-        <p:blipFill>
-          <a:blip r:embed="rId3">
-            <a:extLst>
-              <a:ext uri="{28A0092B-C50C-407E-A947-70E740481C1C}">
-                <a14:useLocalDpi xmlns:a14="http://schemas.microsoft.com/office/drawing/2010/main" val="0"/>
-              </a:ext>
-            </a:extLst>
-          </a:blip>
-          <a:srcRect/>
-          <a:stretch>
-            <a:fillRect/>
-          </a:stretch>
-        </p:blipFill>
-        <p:spPr bwMode="auto">
-          <a:xfrm>
-            <a:off x="4320637" y="3428997"/>
-            <a:ext cx="3550726" cy="2524557"/>
-          </a:xfrm>
-          <a:prstGeom prst="rect">
-            <a:avLst/>
-          </a:prstGeom>
-          <a:noFill/>
-          <a:extLst>
-            <a:ext uri="{909E8E84-426E-40DD-AFC4-6F175D3DCCD1}">
-              <a14:hiddenFill xmlns:a14="http://schemas.microsoft.com/office/drawing/2010/main">
-                <a:solidFill>
-                  <a:srgbClr val="FFFFFF"/>
-                </a:solidFill>
-              </a14:hiddenFill>
-            </a:ext>
-          </a:extLst>
-        </p:spPr>
-      </p:pic>
-      <p:pic>
-        <p:nvPicPr>
-          <p:cNvPr id="5126" name="Picture 6">
-            <a:extLst>
-              <a:ext uri="{FF2B5EF4-FFF2-40B4-BE49-F238E27FC236}">
-                <a16:creationId xmlns:a16="http://schemas.microsoft.com/office/drawing/2014/main" id="{682F1343-9F17-7DA7-DF9D-5FEDF79A7C25}"/>
-              </a:ext>
-            </a:extLst>
-          </p:cNvPr>
-          <p:cNvPicPr>
-            <a:picLocks noChangeAspect="1" noChangeArrowheads="1"/>
-          </p:cNvPicPr>
-          <p:nvPr/>
-        </p:nvPicPr>
-        <p:blipFill>
-          <a:blip r:embed="rId4">
-            <a:extLst>
-              <a:ext uri="{28A0092B-C50C-407E-A947-70E740481C1C}">
-                <a14:useLocalDpi xmlns:a14="http://schemas.microsoft.com/office/drawing/2010/main" val="0"/>
-              </a:ext>
-            </a:extLst>
-          </a:blip>
-          <a:srcRect/>
-          <a:stretch>
-            <a:fillRect/>
-          </a:stretch>
-        </p:blipFill>
-        <p:spPr bwMode="auto">
-          <a:xfrm>
-            <a:off x="8183374" y="3428998"/>
-            <a:ext cx="3550726" cy="2524557"/>
-          </a:xfrm>
-          <a:prstGeom prst="rect">
-            <a:avLst/>
-          </a:prstGeom>
-          <a:noFill/>
-          <a:extLst>
-            <a:ext uri="{909E8E84-426E-40DD-AFC4-6F175D3DCCD1}">
-              <a14:hiddenFill xmlns:a14="http://schemas.microsoft.com/office/drawing/2010/main">
-                <a:solidFill>
-                  <a:srgbClr val="FFFFFF"/>
-                </a:solidFill>
-              </a14:hiddenFill>
-            </a:ext>
-          </a:extLst>
-        </p:spPr>
-      </p:pic>
-    </p:spTree>
-    <p:extLst>
-      <p:ext uri="{BB962C8B-B14F-4D97-AF65-F5344CB8AC3E}">
-        <p14:creationId xmlns:p14="http://schemas.microsoft.com/office/powerpoint/2010/main" val="2009011295"/>
-      </p:ext>
-    </p:extLst>
-  </p:cSld>
-  <p:clrMapOvr>
-    <a:masterClrMapping/>
-  </p:clrMapOvr>
-</p:sld>
-</file>
-
-<file path=ppt/slides/slide21.xml><?xml version="1.0" encoding="utf-8"?>
-<p:sld xmlns:a="http://schemas.openxmlformats.org/drawingml/2006/main" xmlns:r="http://schemas.openxmlformats.org/officeDocument/2006/relationships" xmlns:p="http://schemas.openxmlformats.org/presentationml/2006/main">
-  <p:cSld>
-    <p:spTree>
-      <p:nvGrpSpPr>
-        <p:cNvPr id="1" name=""/>
-        <p:cNvGrpSpPr/>
-        <p:nvPr/>
-      </p:nvGrpSpPr>
-      <p:grpSpPr>
-        <a:xfrm>
-          <a:off x="0" y="0"/>
-          <a:ext cx="0" cy="0"/>
-          <a:chOff x="0" y="0"/>
-          <a:chExt cx="0" cy="0"/>
-        </a:xfrm>
-      </p:grpSpPr>
-      <p:sp>
-        <p:nvSpPr>
-          <p:cNvPr id="2" name="Title 1">
-            <a:extLst>
-              <a:ext uri="{FF2B5EF4-FFF2-40B4-BE49-F238E27FC236}">
-                <a16:creationId xmlns:a16="http://schemas.microsoft.com/office/drawing/2014/main" id="{1A877E3B-C8DE-F07E-AF0F-4CF353351B7C}"/>
-              </a:ext>
-            </a:extLst>
-          </p:cNvPr>
-          <p:cNvSpPr>
-            <a:spLocks noGrp="1"/>
-          </p:cNvSpPr>
-          <p:nvPr>
-            <p:ph type="title"/>
-          </p:nvPr>
-        </p:nvSpPr>
-        <p:spPr/>
-        <p:txBody>
-          <a:bodyPr/>
-          <a:lstStyle/>
-          <a:p>
-            <a:r>
-              <a:rPr lang="en-US" dirty="0"/>
-              <a:t>1AQ3(AS)_Quintuple Mutation – PHI 9.5</a:t>
-            </a:r>
-          </a:p>
-        </p:txBody>
-      </p:sp>
-      <p:sp>
-        <p:nvSpPr>
-          <p:cNvPr id="4" name="TextBox 3">
-            <a:extLst>
-              <a:ext uri="{FF2B5EF4-FFF2-40B4-BE49-F238E27FC236}">
-                <a16:creationId xmlns:a16="http://schemas.microsoft.com/office/drawing/2014/main" id="{728302CB-C012-00EF-0450-25C9128C2913}"/>
-              </a:ext>
-            </a:extLst>
-          </p:cNvPr>
-          <p:cNvSpPr txBox="1"/>
-          <p:nvPr/>
-        </p:nvSpPr>
-        <p:spPr>
-          <a:xfrm>
-            <a:off x="838200" y="1757723"/>
-            <a:ext cx="6094990" cy="923330"/>
-          </a:xfrm>
-          <a:prstGeom prst="rect">
-            <a:avLst/>
-          </a:prstGeom>
-          <a:noFill/>
-        </p:spPr>
-        <p:txBody>
-          <a:bodyPr wrap="square">
-            <a:spAutoFit/>
-          </a:bodyPr>
-          <a:lstStyle/>
-          <a:p>
-            <a:r>
-              <a:rPr lang="en-US" dirty="0"/>
-              <a:t>Pearson rank correlation coefficient: 0.547 </a:t>
-            </a:r>
-          </a:p>
-          <a:p>
-            <a:r>
-              <a:rPr lang="en-US" dirty="0"/>
-              <a:t>Spearman rank correlation coefficient: 0.513 </a:t>
-            </a:r>
-          </a:p>
-          <a:p>
-            <a:r>
-              <a:rPr lang="en-US" dirty="0"/>
-              <a:t>Coefficient of Determination (R^2): 0.300</a:t>
-            </a:r>
-          </a:p>
-        </p:txBody>
-      </p:sp>
-      <p:pic>
-        <p:nvPicPr>
-          <p:cNvPr id="13314" name="Picture 2">
-            <a:extLst>
-              <a:ext uri="{FF2B5EF4-FFF2-40B4-BE49-F238E27FC236}">
-                <a16:creationId xmlns:a16="http://schemas.microsoft.com/office/drawing/2014/main" id="{07E761D4-4B9A-7402-55A0-AD209346C66E}"/>
-              </a:ext>
-            </a:extLst>
-          </p:cNvPr>
-          <p:cNvPicPr>
-            <a:picLocks noChangeAspect="1" noChangeArrowheads="1"/>
-          </p:cNvPicPr>
-          <p:nvPr/>
-        </p:nvPicPr>
-        <p:blipFill>
-          <a:blip r:embed="rId2">
-            <a:extLst>
-              <a:ext uri="{28A0092B-C50C-407E-A947-70E740481C1C}">
-                <a14:useLocalDpi xmlns:a14="http://schemas.microsoft.com/office/drawing/2010/main" val="0"/>
-              </a:ext>
-            </a:extLst>
-          </a:blip>
-          <a:srcRect/>
-          <a:stretch>
-            <a:fillRect/>
-          </a:stretch>
-        </p:blipFill>
-        <p:spPr bwMode="auto">
-          <a:xfrm>
-            <a:off x="486794" y="3512142"/>
-            <a:ext cx="3498610" cy="2449908"/>
-          </a:xfrm>
-          <a:prstGeom prst="rect">
-            <a:avLst/>
-          </a:prstGeom>
-          <a:noFill/>
-          <a:extLst>
-            <a:ext uri="{909E8E84-426E-40DD-AFC4-6F175D3DCCD1}">
-              <a14:hiddenFill xmlns:a14="http://schemas.microsoft.com/office/drawing/2010/main">
-                <a:solidFill>
-                  <a:srgbClr val="FFFFFF"/>
-                </a:solidFill>
-              </a14:hiddenFill>
-            </a:ext>
-          </a:extLst>
-        </p:spPr>
-      </p:pic>
-      <p:pic>
-        <p:nvPicPr>
-          <p:cNvPr id="13316" name="Picture 4">
-            <a:extLst>
-              <a:ext uri="{FF2B5EF4-FFF2-40B4-BE49-F238E27FC236}">
-                <a16:creationId xmlns:a16="http://schemas.microsoft.com/office/drawing/2014/main" id="{B11B7985-2ADF-DA8A-753F-E8B4D48BAF44}"/>
-              </a:ext>
-            </a:extLst>
-          </p:cNvPr>
-          <p:cNvPicPr>
-            <a:picLocks noChangeAspect="1" noChangeArrowheads="1"/>
-          </p:cNvPicPr>
-          <p:nvPr/>
-        </p:nvPicPr>
-        <p:blipFill>
-          <a:blip r:embed="rId3">
-            <a:extLst>
-              <a:ext uri="{28A0092B-C50C-407E-A947-70E740481C1C}">
-                <a14:useLocalDpi xmlns:a14="http://schemas.microsoft.com/office/drawing/2010/main" val="0"/>
-              </a:ext>
-            </a:extLst>
-          </a:blip>
-          <a:srcRect/>
-          <a:stretch>
-            <a:fillRect/>
-          </a:stretch>
-        </p:blipFill>
-        <p:spPr bwMode="auto">
-          <a:xfrm>
-            <a:off x="4346695" y="3512142"/>
-            <a:ext cx="3498610" cy="2449908"/>
-          </a:xfrm>
-          <a:prstGeom prst="rect">
-            <a:avLst/>
-          </a:prstGeom>
-          <a:noFill/>
-          <a:extLst>
-            <a:ext uri="{909E8E84-426E-40DD-AFC4-6F175D3DCCD1}">
-              <a14:hiddenFill xmlns:a14="http://schemas.microsoft.com/office/drawing/2010/main">
-                <a:solidFill>
-                  <a:srgbClr val="FFFFFF"/>
-                </a:solidFill>
-              </a14:hiddenFill>
-            </a:ext>
-          </a:extLst>
-        </p:spPr>
-      </p:pic>
-      <p:pic>
-        <p:nvPicPr>
-          <p:cNvPr id="13318" name="Picture 6">
-            <a:extLst>
-              <a:ext uri="{FF2B5EF4-FFF2-40B4-BE49-F238E27FC236}">
-                <a16:creationId xmlns:a16="http://schemas.microsoft.com/office/drawing/2014/main" id="{463A1213-D604-35AE-3DC5-BD868C47366F}"/>
-              </a:ext>
-            </a:extLst>
-          </p:cNvPr>
-          <p:cNvPicPr>
-            <a:picLocks noChangeAspect="1" noChangeArrowheads="1"/>
-          </p:cNvPicPr>
-          <p:nvPr/>
-        </p:nvPicPr>
-        <p:blipFill>
-          <a:blip r:embed="rId4">
-            <a:extLst>
-              <a:ext uri="{28A0092B-C50C-407E-A947-70E740481C1C}">
-                <a14:useLocalDpi xmlns:a14="http://schemas.microsoft.com/office/drawing/2010/main" val="0"/>
-              </a:ext>
-            </a:extLst>
-          </a:blip>
-          <a:srcRect/>
-          <a:stretch>
-            <a:fillRect/>
-          </a:stretch>
-        </p:blipFill>
-        <p:spPr bwMode="auto">
-          <a:xfrm>
-            <a:off x="8206596" y="3512142"/>
-            <a:ext cx="3498610" cy="2449908"/>
-          </a:xfrm>
-          <a:prstGeom prst="rect">
-            <a:avLst/>
-          </a:prstGeom>
-          <a:noFill/>
-          <a:extLst>
-            <a:ext uri="{909E8E84-426E-40DD-AFC4-6F175D3DCCD1}">
-              <a14:hiddenFill xmlns:a14="http://schemas.microsoft.com/office/drawing/2010/main">
-                <a:solidFill>
-                  <a:srgbClr val="FFFFFF"/>
-                </a:solidFill>
-              </a14:hiddenFill>
-            </a:ext>
-          </a:extLst>
-        </p:spPr>
-      </p:pic>
-    </p:spTree>
-    <p:extLst>
-      <p:ext uri="{BB962C8B-B14F-4D97-AF65-F5344CB8AC3E}">
-        <p14:creationId xmlns:p14="http://schemas.microsoft.com/office/powerpoint/2010/main" val="2403494326"/>
-      </p:ext>
-    </p:extLst>
-  </p:cSld>
-  <p:clrMapOvr>
-    <a:masterClrMapping/>
-  </p:clrMapOvr>
-</p:sld>
-</file>
-
-<file path=ppt/slides/slide22.xml><?xml version="1.0" encoding="utf-8"?>
-<p:sld xmlns:a="http://schemas.openxmlformats.org/drawingml/2006/main" xmlns:r="http://schemas.openxmlformats.org/officeDocument/2006/relationships" xmlns:p="http://schemas.openxmlformats.org/presentationml/2006/main">
-  <p:cSld>
-    <p:spTree>
-      <p:nvGrpSpPr>
-        <p:cNvPr id="1" name=""/>
-        <p:cNvGrpSpPr/>
-        <p:nvPr/>
-      </p:nvGrpSpPr>
-      <p:grpSpPr>
-        <a:xfrm>
-          <a:off x="0" y="0"/>
-          <a:ext cx="0" cy="0"/>
-          <a:chOff x="0" y="0"/>
-          <a:chExt cx="0" cy="0"/>
-        </a:xfrm>
-      </p:grpSpPr>
-      <p:sp>
-        <p:nvSpPr>
-          <p:cNvPr id="2" name="Title 1">
-            <a:extLst>
-              <a:ext uri="{FF2B5EF4-FFF2-40B4-BE49-F238E27FC236}">
-                <a16:creationId xmlns:a16="http://schemas.microsoft.com/office/drawing/2014/main" id="{1A877E3B-C8DE-F07E-AF0F-4CF353351B7C}"/>
-              </a:ext>
-            </a:extLst>
-          </p:cNvPr>
-          <p:cNvSpPr>
-            <a:spLocks noGrp="1"/>
-          </p:cNvSpPr>
-          <p:nvPr>
-            <p:ph type="title"/>
-          </p:nvPr>
-        </p:nvSpPr>
-        <p:spPr/>
-        <p:txBody>
-          <a:bodyPr/>
-          <a:lstStyle/>
-          <a:p>
-            <a:r>
-              <a:rPr lang="en-US" dirty="0"/>
-              <a:t>2BU1+1AQ3_Quintuple Mutation – PHI 9.5</a:t>
-            </a:r>
-          </a:p>
-        </p:txBody>
-      </p:sp>
-      <p:sp>
-        <p:nvSpPr>
-          <p:cNvPr id="4" name="TextBox 3">
-            <a:extLst>
-              <a:ext uri="{FF2B5EF4-FFF2-40B4-BE49-F238E27FC236}">
-                <a16:creationId xmlns:a16="http://schemas.microsoft.com/office/drawing/2014/main" id="{728302CB-C012-00EF-0450-25C9128C2913}"/>
-              </a:ext>
-            </a:extLst>
-          </p:cNvPr>
-          <p:cNvSpPr txBox="1"/>
-          <p:nvPr/>
-        </p:nvSpPr>
-        <p:spPr>
-          <a:xfrm>
-            <a:off x="838200" y="1757723"/>
-            <a:ext cx="6094990" cy="923330"/>
-          </a:xfrm>
-          <a:prstGeom prst="rect">
-            <a:avLst/>
-          </a:prstGeom>
-          <a:noFill/>
-        </p:spPr>
-        <p:txBody>
-          <a:bodyPr wrap="square">
-            <a:spAutoFit/>
-          </a:bodyPr>
-          <a:lstStyle/>
-          <a:p>
-            <a:r>
-              <a:rPr lang="en-US" dirty="0"/>
-              <a:t>Pearson rank correlation coefficient: -0.743 </a:t>
-            </a:r>
-          </a:p>
-          <a:p>
-            <a:r>
-              <a:rPr lang="en-US" dirty="0"/>
-              <a:t>Spearman rank correlation coefficient: -0.777 </a:t>
-            </a:r>
-          </a:p>
-          <a:p>
-            <a:r>
-              <a:rPr lang="en-US" dirty="0"/>
-              <a:t>Coefficient of Determination (R^2): 0.552</a:t>
-            </a:r>
-          </a:p>
-        </p:txBody>
-      </p:sp>
-      <p:pic>
-        <p:nvPicPr>
-          <p:cNvPr id="11266" name="Picture 2">
-            <a:extLst>
-              <a:ext uri="{FF2B5EF4-FFF2-40B4-BE49-F238E27FC236}">
-                <a16:creationId xmlns:a16="http://schemas.microsoft.com/office/drawing/2014/main" id="{15FDEF14-DEC2-0599-9591-88A0CB69B03E}"/>
-              </a:ext>
-            </a:extLst>
-          </p:cNvPr>
-          <p:cNvPicPr>
-            <a:picLocks noChangeAspect="1" noChangeArrowheads="1"/>
-          </p:cNvPicPr>
-          <p:nvPr/>
-        </p:nvPicPr>
-        <p:blipFill>
-          <a:blip r:embed="rId2">
-            <a:extLst>
-              <a:ext uri="{28A0092B-C50C-407E-A947-70E740481C1C}">
-                <a14:useLocalDpi xmlns:a14="http://schemas.microsoft.com/office/drawing/2010/main" val="0"/>
-              </a:ext>
-            </a:extLst>
-          </a:blip>
-          <a:srcRect/>
-          <a:stretch>
-            <a:fillRect/>
-          </a:stretch>
-        </p:blipFill>
-        <p:spPr bwMode="auto">
-          <a:xfrm>
-            <a:off x="136627" y="3429000"/>
-            <a:ext cx="3827906" cy="2721631"/>
-          </a:xfrm>
-          <a:prstGeom prst="rect">
-            <a:avLst/>
-          </a:prstGeom>
-          <a:noFill/>
-          <a:extLst>
-            <a:ext uri="{909E8E84-426E-40DD-AFC4-6F175D3DCCD1}">
-              <a14:hiddenFill xmlns:a14="http://schemas.microsoft.com/office/drawing/2010/main">
-                <a:solidFill>
-                  <a:srgbClr val="FFFFFF"/>
-                </a:solidFill>
-              </a14:hiddenFill>
-            </a:ext>
-          </a:extLst>
-        </p:spPr>
-      </p:pic>
-      <p:pic>
-        <p:nvPicPr>
-          <p:cNvPr id="11268" name="Picture 4">
-            <a:extLst>
-              <a:ext uri="{FF2B5EF4-FFF2-40B4-BE49-F238E27FC236}">
-                <a16:creationId xmlns:a16="http://schemas.microsoft.com/office/drawing/2014/main" id="{BD9272A8-3735-53FC-87A6-B8D5B8DF19EB}"/>
-              </a:ext>
-            </a:extLst>
-          </p:cNvPr>
-          <p:cNvPicPr>
-            <a:picLocks noChangeAspect="1" noChangeArrowheads="1"/>
-          </p:cNvPicPr>
-          <p:nvPr/>
-        </p:nvPicPr>
-        <p:blipFill>
-          <a:blip r:embed="rId3">
-            <a:extLst>
-              <a:ext uri="{28A0092B-C50C-407E-A947-70E740481C1C}">
-                <a14:useLocalDpi xmlns:a14="http://schemas.microsoft.com/office/drawing/2010/main" val="0"/>
-              </a:ext>
-            </a:extLst>
-          </a:blip>
-          <a:srcRect/>
-          <a:stretch>
-            <a:fillRect/>
-          </a:stretch>
-        </p:blipFill>
-        <p:spPr bwMode="auto">
-          <a:xfrm>
-            <a:off x="4182047" y="3428999"/>
-            <a:ext cx="3827906" cy="2721632"/>
-          </a:xfrm>
-          <a:prstGeom prst="rect">
-            <a:avLst/>
-          </a:prstGeom>
-          <a:noFill/>
-          <a:extLst>
-            <a:ext uri="{909E8E84-426E-40DD-AFC4-6F175D3DCCD1}">
-              <a14:hiddenFill xmlns:a14="http://schemas.microsoft.com/office/drawing/2010/main">
-                <a:solidFill>
-                  <a:srgbClr val="FFFFFF"/>
-                </a:solidFill>
-              </a14:hiddenFill>
-            </a:ext>
-          </a:extLst>
-        </p:spPr>
-      </p:pic>
-      <p:pic>
-        <p:nvPicPr>
-          <p:cNvPr id="11270" name="Picture 6">
-            <a:extLst>
-              <a:ext uri="{FF2B5EF4-FFF2-40B4-BE49-F238E27FC236}">
-                <a16:creationId xmlns:a16="http://schemas.microsoft.com/office/drawing/2014/main" id="{70A53AA5-FA86-70FE-4878-658E3AA11D76}"/>
-              </a:ext>
-            </a:extLst>
-          </p:cNvPr>
-          <p:cNvPicPr>
-            <a:picLocks noChangeAspect="1" noChangeArrowheads="1"/>
-          </p:cNvPicPr>
-          <p:nvPr/>
-        </p:nvPicPr>
-        <p:blipFill>
-          <a:blip r:embed="rId4">
-            <a:extLst>
-              <a:ext uri="{28A0092B-C50C-407E-A947-70E740481C1C}">
-                <a14:useLocalDpi xmlns:a14="http://schemas.microsoft.com/office/drawing/2010/main" val="0"/>
-              </a:ext>
-            </a:extLst>
-          </a:blip>
-          <a:srcRect/>
-          <a:stretch>
-            <a:fillRect/>
-          </a:stretch>
-        </p:blipFill>
-        <p:spPr bwMode="auto">
-          <a:xfrm>
-            <a:off x="8113470" y="3428999"/>
-            <a:ext cx="3827906" cy="2721632"/>
-          </a:xfrm>
-          <a:prstGeom prst="rect">
-            <a:avLst/>
-          </a:prstGeom>
-          <a:noFill/>
-          <a:extLst>
-            <a:ext uri="{909E8E84-426E-40DD-AFC4-6F175D3DCCD1}">
-              <a14:hiddenFill xmlns:a14="http://schemas.microsoft.com/office/drawing/2010/main">
-                <a:solidFill>
-                  <a:srgbClr val="FFFFFF"/>
-                </a:solidFill>
-              </a14:hiddenFill>
-            </a:ext>
-          </a:extLst>
-        </p:spPr>
-      </p:pic>
-    </p:spTree>
-    <p:extLst>
-      <p:ext uri="{BB962C8B-B14F-4D97-AF65-F5344CB8AC3E}">
-        <p14:creationId xmlns:p14="http://schemas.microsoft.com/office/powerpoint/2010/main" val="1153257920"/>
+        <p14:creationId xmlns:p14="http://schemas.microsoft.com/office/powerpoint/2010/main" val="1584959620"/>
       </p:ext>
     </p:extLst>
   </p:cSld>
@@ -6911,7 +6052,7 @@
           <p:cNvPr id="2" name="Title 1">
             <a:extLst>
               <a:ext uri="{FF2B5EF4-FFF2-40B4-BE49-F238E27FC236}">
-                <a16:creationId xmlns:a16="http://schemas.microsoft.com/office/drawing/2014/main" id="{1A877E3B-C8DE-F07E-AF0F-4CF353351B7C}"/>
+                <a16:creationId xmlns:a16="http://schemas.microsoft.com/office/drawing/2014/main" id="{55181F93-39F6-0360-A88F-BC19D6B6529C}"/>
               </a:ext>
             </a:extLst>
           </p:cNvPr>
@@ -6929,17 +6070,17 @@
           <a:p>
             <a:r>
               <a:rPr lang="en-US" dirty="0"/>
-              <a:t>2BU1_Single Mutation – PHI 9.5</a:t>
-            </a:r>
-          </a:p>
-        </p:txBody>
-      </p:sp>
-      <p:sp>
-        <p:nvSpPr>
-          <p:cNvPr id="6" name="TextBox 5">
-            <a:extLst>
-              <a:ext uri="{FF2B5EF4-FFF2-40B4-BE49-F238E27FC236}">
-                <a16:creationId xmlns:a16="http://schemas.microsoft.com/office/drawing/2014/main" id="{5E886FED-8565-E8AD-0732-902C3367A438}"/>
+              <a:t>1-3 Mutations – PHI 9.5</a:t>
+            </a:r>
+          </a:p>
+        </p:txBody>
+      </p:sp>
+      <p:sp>
+        <p:nvSpPr>
+          <p:cNvPr id="5" name="TextBox 4">
+            <a:extLst>
+              <a:ext uri="{FF2B5EF4-FFF2-40B4-BE49-F238E27FC236}">
+                <a16:creationId xmlns:a16="http://schemas.microsoft.com/office/drawing/2014/main" id="{3627D03B-5F7A-8092-5D82-9CF16F263DDE}"/>
               </a:ext>
             </a:extLst>
           </p:cNvPr>
@@ -6948,8 +6089,8 @@
         </p:nvSpPr>
         <p:spPr>
           <a:xfrm>
-            <a:off x="726243" y="1798936"/>
-            <a:ext cx="6098058" cy="923330"/>
+            <a:off x="710022" y="1921225"/>
+            <a:ext cx="6094990" cy="923330"/>
           </a:xfrm>
           <a:prstGeom prst="rect">
             <a:avLst/>
@@ -6964,29 +6105,29 @@
           <a:p>
             <a:r>
               <a:rPr lang="en-US" dirty="0"/>
-              <a:t>Pearson rank correlation coefficient: 0.606 </a:t>
+              <a:t>Pearson rank correlation coefficient: 0.503 </a:t>
             </a:r>
           </a:p>
           <a:p>
             <a:r>
               <a:rPr lang="en-US" dirty="0"/>
-              <a:t>Spearman rank correlation coefficient: 0.626 </a:t>
+              <a:t>Spearman rank correlation coefficient: 0.489 </a:t>
             </a:r>
           </a:p>
           <a:p>
             <a:r>
               <a:rPr lang="en-US" dirty="0"/>
-              <a:t>Coefficient of Determination (R^2): 0.368</a:t>
+              <a:t>Coefficient of Determination (R^2): 0.253</a:t>
             </a:r>
           </a:p>
         </p:txBody>
       </p:sp>
       <p:pic>
         <p:nvPicPr>
-          <p:cNvPr id="1026" name="Picture 2">
-            <a:extLst>
-              <a:ext uri="{FF2B5EF4-FFF2-40B4-BE49-F238E27FC236}">
-                <a16:creationId xmlns:a16="http://schemas.microsoft.com/office/drawing/2014/main" id="{BB68732D-7ED7-97C2-A287-FD13B404F325}"/>
+          <p:cNvPr id="5122" name="Picture 2">
+            <a:extLst>
+              <a:ext uri="{FF2B5EF4-FFF2-40B4-BE49-F238E27FC236}">
+                <a16:creationId xmlns:a16="http://schemas.microsoft.com/office/drawing/2014/main" id="{9303A800-0042-0379-D253-BB837B3F4B9A}"/>
               </a:ext>
             </a:extLst>
           </p:cNvPr>
@@ -7010,8 +6151,8 @@
         </p:blipFill>
         <p:spPr bwMode="auto">
           <a:xfrm>
-            <a:off x="127022" y="3183412"/>
-            <a:ext cx="3903144" cy="2775125"/>
+            <a:off x="459500" y="3590813"/>
+            <a:ext cx="3532947" cy="2511916"/>
           </a:xfrm>
           <a:prstGeom prst="rect">
             <a:avLst/>
@@ -7030,10 +6171,10 @@
       </p:pic>
       <p:pic>
         <p:nvPicPr>
-          <p:cNvPr id="1028" name="Picture 4">
-            <a:extLst>
-              <a:ext uri="{FF2B5EF4-FFF2-40B4-BE49-F238E27FC236}">
-                <a16:creationId xmlns:a16="http://schemas.microsoft.com/office/drawing/2014/main" id="{B5837E3A-440B-37B4-DAEE-D8A45DC27CF4}"/>
+          <p:cNvPr id="5124" name="Picture 4">
+            <a:extLst>
+              <a:ext uri="{FF2B5EF4-FFF2-40B4-BE49-F238E27FC236}">
+                <a16:creationId xmlns:a16="http://schemas.microsoft.com/office/drawing/2014/main" id="{0AA2A7BC-7A79-F9EE-401B-65192331A566}"/>
               </a:ext>
             </a:extLst>
           </p:cNvPr>
@@ -7057,8 +6198,8 @@
         </p:blipFill>
         <p:spPr bwMode="auto">
           <a:xfrm>
-            <a:off x="4144428" y="3183412"/>
-            <a:ext cx="3903144" cy="2775125"/>
+            <a:off x="4329526" y="3590811"/>
+            <a:ext cx="3532948" cy="2511917"/>
           </a:xfrm>
           <a:prstGeom prst="rect">
             <a:avLst/>
@@ -7077,10 +6218,10 @@
       </p:pic>
       <p:pic>
         <p:nvPicPr>
-          <p:cNvPr id="1030" name="Picture 6">
-            <a:extLst>
-              <a:ext uri="{FF2B5EF4-FFF2-40B4-BE49-F238E27FC236}">
-                <a16:creationId xmlns:a16="http://schemas.microsoft.com/office/drawing/2014/main" id="{7A10008F-5645-1E8E-7ED0-7F252BD20740}"/>
+          <p:cNvPr id="5126" name="Picture 6">
+            <a:extLst>
+              <a:ext uri="{FF2B5EF4-FFF2-40B4-BE49-F238E27FC236}">
+                <a16:creationId xmlns:a16="http://schemas.microsoft.com/office/drawing/2014/main" id="{CA3DF125-0A31-04A8-0F7D-53F2025AE601}"/>
               </a:ext>
             </a:extLst>
           </p:cNvPr>
@@ -7104,8 +6245,8 @@
         </p:blipFill>
         <p:spPr bwMode="auto">
           <a:xfrm>
-            <a:off x="8161835" y="3183412"/>
-            <a:ext cx="3903143" cy="2775125"/>
+            <a:off x="8020833" y="3590811"/>
+            <a:ext cx="3532948" cy="2511917"/>
           </a:xfrm>
           <a:prstGeom prst="rect">
             <a:avLst/>
@@ -7122,10 +6263,42 @@
           </a:extLst>
         </p:spPr>
       </p:pic>
+      <p:sp>
+        <p:nvSpPr>
+          <p:cNvPr id="6" name="TextBox 5">
+            <a:extLst>
+              <a:ext uri="{FF2B5EF4-FFF2-40B4-BE49-F238E27FC236}">
+                <a16:creationId xmlns:a16="http://schemas.microsoft.com/office/drawing/2014/main" id="{5A2CDBDD-2442-A319-0B67-33DB8920D3E0}"/>
+              </a:ext>
+            </a:extLst>
+          </p:cNvPr>
+          <p:cNvSpPr txBox="1"/>
+          <p:nvPr/>
+        </p:nvSpPr>
+        <p:spPr>
+          <a:xfrm>
+            <a:off x="8849638" y="1847589"/>
+            <a:ext cx="184731" cy="369332"/>
+          </a:xfrm>
+          <a:prstGeom prst="rect">
+            <a:avLst/>
+          </a:prstGeom>
+          <a:noFill/>
+        </p:spPr>
+        <p:txBody>
+          <a:bodyPr wrap="none" rtlCol="0">
+            <a:spAutoFit/>
+          </a:bodyPr>
+          <a:lstStyle/>
+          <a:p>
+            <a:endParaRPr lang="en-US"/>
+          </a:p>
+        </p:txBody>
+      </p:sp>
     </p:spTree>
     <p:extLst>
       <p:ext uri="{BB962C8B-B14F-4D97-AF65-F5344CB8AC3E}">
-        <p14:creationId xmlns:p14="http://schemas.microsoft.com/office/powerpoint/2010/main" val="3892038291"/>
+        <p14:creationId xmlns:p14="http://schemas.microsoft.com/office/powerpoint/2010/main" val="1421889998"/>
       </p:ext>
     </p:extLst>
   </p:cSld>
@@ -7175,7 +6348,7 @@
           <a:p>
             <a:r>
               <a:rPr lang="en-US" dirty="0"/>
-              <a:t>1AQ3_Single Mutation – PHI 9.5</a:t>
+              <a:t>2BU1_Single Mutation – PHI 9.5</a:t>
             </a:r>
           </a:p>
         </p:txBody>
@@ -7210,29 +6383,29 @@
           <a:p>
             <a:r>
               <a:rPr lang="en-US" dirty="0"/>
-              <a:t>Pearson rank correlation coefficient: -0.078 </a:t>
+              <a:t>Pearson rank correlation coefficient: 0.606 </a:t>
             </a:r>
           </a:p>
           <a:p>
             <a:r>
               <a:rPr lang="en-US" dirty="0"/>
-              <a:t>Spearman rank correlation coefficient: -0.091 </a:t>
+              <a:t>Spearman rank correlation coefficient: 0.626 </a:t>
             </a:r>
           </a:p>
           <a:p>
             <a:r>
               <a:rPr lang="en-US" dirty="0"/>
-              <a:t>Coefficient of Determination (R^2): 0.006</a:t>
+              <a:t>Coefficient of Determination (R^2): 0.368</a:t>
             </a:r>
           </a:p>
         </p:txBody>
       </p:sp>
       <p:pic>
         <p:nvPicPr>
-          <p:cNvPr id="1034" name="Picture 10">
-            <a:extLst>
-              <a:ext uri="{FF2B5EF4-FFF2-40B4-BE49-F238E27FC236}">
-                <a16:creationId xmlns:a16="http://schemas.microsoft.com/office/drawing/2014/main" id="{ED6EAED4-81D1-6A28-96B9-E4A6D73D9212}"/>
+          <p:cNvPr id="1026" name="Picture 2">
+            <a:extLst>
+              <a:ext uri="{FF2B5EF4-FFF2-40B4-BE49-F238E27FC236}">
+                <a16:creationId xmlns:a16="http://schemas.microsoft.com/office/drawing/2014/main" id="{BB68732D-7ED7-97C2-A287-FD13B404F325}"/>
               </a:ext>
             </a:extLst>
           </p:cNvPr>
@@ -7256,8 +6429,8 @@
         </p:blipFill>
         <p:spPr bwMode="auto">
           <a:xfrm>
-            <a:off x="357756" y="3429000"/>
-            <a:ext cx="3599615" cy="2619615"/>
+            <a:off x="127022" y="3183412"/>
+            <a:ext cx="3903144" cy="2775125"/>
           </a:xfrm>
           <a:prstGeom prst="rect">
             <a:avLst/>
@@ -7276,10 +6449,10 @@
       </p:pic>
       <p:pic>
         <p:nvPicPr>
-          <p:cNvPr id="1036" name="Picture 12">
-            <a:extLst>
-              <a:ext uri="{FF2B5EF4-FFF2-40B4-BE49-F238E27FC236}">
-                <a16:creationId xmlns:a16="http://schemas.microsoft.com/office/drawing/2014/main" id="{169D52E8-44B6-17FC-C431-14EC0D0F96B5}"/>
+          <p:cNvPr id="1028" name="Picture 4">
+            <a:extLst>
+              <a:ext uri="{FF2B5EF4-FFF2-40B4-BE49-F238E27FC236}">
+                <a16:creationId xmlns:a16="http://schemas.microsoft.com/office/drawing/2014/main" id="{B5837E3A-440B-37B4-DAEE-D8A45DC27CF4}"/>
               </a:ext>
             </a:extLst>
           </p:cNvPr>
@@ -7303,8 +6476,8 @@
         </p:blipFill>
         <p:spPr bwMode="auto">
           <a:xfrm>
-            <a:off x="4296192" y="3428997"/>
-            <a:ext cx="3599615" cy="2619615"/>
+            <a:off x="4144428" y="3183412"/>
+            <a:ext cx="3903144" cy="2775125"/>
           </a:xfrm>
           <a:prstGeom prst="rect">
             <a:avLst/>
@@ -7323,10 +6496,10 @@
       </p:pic>
       <p:pic>
         <p:nvPicPr>
-          <p:cNvPr id="1038" name="Picture 14">
-            <a:extLst>
-              <a:ext uri="{FF2B5EF4-FFF2-40B4-BE49-F238E27FC236}">
-                <a16:creationId xmlns:a16="http://schemas.microsoft.com/office/drawing/2014/main" id="{04C954EE-85FC-ED77-227E-3820E1ED0B62}"/>
+          <p:cNvPr id="1030" name="Picture 6">
+            <a:extLst>
+              <a:ext uri="{FF2B5EF4-FFF2-40B4-BE49-F238E27FC236}">
+                <a16:creationId xmlns:a16="http://schemas.microsoft.com/office/drawing/2014/main" id="{7A10008F-5645-1E8E-7ED0-7F252BD20740}"/>
               </a:ext>
             </a:extLst>
           </p:cNvPr>
@@ -7350,8 +6523,8 @@
         </p:blipFill>
         <p:spPr bwMode="auto">
           <a:xfrm>
-            <a:off x="8095651" y="3428997"/>
-            <a:ext cx="3599615" cy="2619615"/>
+            <a:off x="8161835" y="3183412"/>
+            <a:ext cx="3903143" cy="2775125"/>
           </a:xfrm>
           <a:prstGeom prst="rect">
             <a:avLst/>
@@ -7371,7 +6544,7 @@
     </p:spTree>
     <p:extLst>
       <p:ext uri="{BB962C8B-B14F-4D97-AF65-F5344CB8AC3E}">
-        <p14:creationId xmlns:p14="http://schemas.microsoft.com/office/powerpoint/2010/main" val="1422781189"/>
+        <p14:creationId xmlns:p14="http://schemas.microsoft.com/office/powerpoint/2010/main" val="3892038291"/>
       </p:ext>
     </p:extLst>
   </p:cSld>
@@ -7421,7 +6594,7 @@
           <a:p>
             <a:r>
               <a:rPr lang="en-US" dirty="0"/>
-              <a:t>1AQ3(AS)_Single Mutation – PHI 9.5</a:t>
+              <a:t>2BU1+1AQ3_Single Mutation – PHI 9.5</a:t>
             </a:r>
           </a:p>
         </p:txBody>
@@ -7456,29 +6629,29 @@
           <a:p>
             <a:r>
               <a:rPr lang="en-US" dirty="0"/>
-              <a:t>Pearson rank correlation coefficient: -0.240 </a:t>
+              <a:t>Pearson rank correlation coefficient: 0.281 </a:t>
             </a:r>
           </a:p>
           <a:p>
             <a:r>
               <a:rPr lang="en-US" dirty="0"/>
-              <a:t>Spearman rank correlation coefficient: -0.045 </a:t>
+              <a:t>Spearman rank correlation coefficient: 0.281 </a:t>
             </a:r>
           </a:p>
           <a:p>
             <a:r>
               <a:rPr lang="en-US" dirty="0"/>
-              <a:t>Coefficient of Determination (R^2): 0.058</a:t>
+              <a:t>Coefficient of Determination (R^2): 0.079</a:t>
             </a:r>
           </a:p>
         </p:txBody>
       </p:sp>
       <p:pic>
         <p:nvPicPr>
-          <p:cNvPr id="19458" name="Picture 2">
-            <a:extLst>
-              <a:ext uri="{FF2B5EF4-FFF2-40B4-BE49-F238E27FC236}">
-                <a16:creationId xmlns:a16="http://schemas.microsoft.com/office/drawing/2014/main" id="{91215C76-5F40-36F1-D685-D57F7676AC58}"/>
+          <p:cNvPr id="7170" name="Picture 2">
+            <a:extLst>
+              <a:ext uri="{FF2B5EF4-FFF2-40B4-BE49-F238E27FC236}">
+                <a16:creationId xmlns:a16="http://schemas.microsoft.com/office/drawing/2014/main" id="{C44170F2-DD9D-2ABB-92B7-F6D9876D3963}"/>
               </a:ext>
             </a:extLst>
           </p:cNvPr>
@@ -7502,8 +6675,8 @@
         </p:blipFill>
         <p:spPr bwMode="auto">
           <a:xfrm>
-            <a:off x="527888" y="3700732"/>
-            <a:ext cx="3225748" cy="2258836"/>
+            <a:off x="550773" y="3429000"/>
+            <a:ext cx="3598532" cy="2558547"/>
           </a:xfrm>
           <a:prstGeom prst="rect">
             <a:avLst/>
@@ -7522,10 +6695,10 @@
       </p:pic>
       <p:pic>
         <p:nvPicPr>
-          <p:cNvPr id="19460" name="Picture 4">
-            <a:extLst>
-              <a:ext uri="{FF2B5EF4-FFF2-40B4-BE49-F238E27FC236}">
-                <a16:creationId xmlns:a16="http://schemas.microsoft.com/office/drawing/2014/main" id="{C9AC2EFC-0F78-8FED-1CD0-23C527A8583A}"/>
+          <p:cNvPr id="7172" name="Picture 4">
+            <a:extLst>
+              <a:ext uri="{FF2B5EF4-FFF2-40B4-BE49-F238E27FC236}">
+                <a16:creationId xmlns:a16="http://schemas.microsoft.com/office/drawing/2014/main" id="{E0B2983D-5E7C-DAEB-811A-316DACFC4EB3}"/>
               </a:ext>
             </a:extLst>
           </p:cNvPr>
@@ -7549,8 +6722,8 @@
         </p:blipFill>
         <p:spPr bwMode="auto">
           <a:xfrm>
-            <a:off x="4304847" y="3700732"/>
-            <a:ext cx="3225748" cy="2258836"/>
+            <a:off x="4296734" y="3429000"/>
+            <a:ext cx="3598532" cy="2558547"/>
           </a:xfrm>
           <a:prstGeom prst="rect">
             <a:avLst/>
@@ -7569,10 +6742,10 @@
       </p:pic>
       <p:pic>
         <p:nvPicPr>
-          <p:cNvPr id="19462" name="Picture 6">
-            <a:extLst>
-              <a:ext uri="{FF2B5EF4-FFF2-40B4-BE49-F238E27FC236}">
-                <a16:creationId xmlns:a16="http://schemas.microsoft.com/office/drawing/2014/main" id="{F86CBA87-CF40-9C2F-72C1-F33F2AF0C081}"/>
+          <p:cNvPr id="7174" name="Picture 6">
+            <a:extLst>
+              <a:ext uri="{FF2B5EF4-FFF2-40B4-BE49-F238E27FC236}">
+                <a16:creationId xmlns:a16="http://schemas.microsoft.com/office/drawing/2014/main" id="{8B131D8D-0BDD-43F7-226D-C7DC78267D03}"/>
               </a:ext>
             </a:extLst>
           </p:cNvPr>
@@ -7596,8 +6769,8 @@
         </p:blipFill>
         <p:spPr bwMode="auto">
           <a:xfrm>
-            <a:off x="7845210" y="3638588"/>
-            <a:ext cx="3225748" cy="2258836"/>
+            <a:off x="8042695" y="3429000"/>
+            <a:ext cx="3598532" cy="2558547"/>
           </a:xfrm>
           <a:prstGeom prst="rect">
             <a:avLst/>
@@ -7617,7 +6790,7 @@
     </p:spTree>
     <p:extLst>
       <p:ext uri="{BB962C8B-B14F-4D97-AF65-F5344CB8AC3E}">
-        <p14:creationId xmlns:p14="http://schemas.microsoft.com/office/powerpoint/2010/main" val="1420904976"/>
+        <p14:creationId xmlns:p14="http://schemas.microsoft.com/office/powerpoint/2010/main" val="3414593977"/>
       </p:ext>
     </p:extLst>
   </p:cSld>
@@ -7667,17 +6840,17 @@
           <a:p>
             <a:r>
               <a:rPr lang="en-US" dirty="0"/>
-              <a:t>2BU1+1AQ3_Single Mutation – PHI 9.5</a:t>
-            </a:r>
-          </a:p>
-        </p:txBody>
-      </p:sp>
-      <p:sp>
-        <p:nvSpPr>
-          <p:cNvPr id="6" name="TextBox 5">
-            <a:extLst>
-              <a:ext uri="{FF2B5EF4-FFF2-40B4-BE49-F238E27FC236}">
-                <a16:creationId xmlns:a16="http://schemas.microsoft.com/office/drawing/2014/main" id="{5E886FED-8565-E8AD-0732-902C3367A438}"/>
+              <a:t>2BU1+1U1Y_Single Mutation – PHI 9.5</a:t>
+            </a:r>
+          </a:p>
+        </p:txBody>
+      </p:sp>
+      <p:sp>
+        <p:nvSpPr>
+          <p:cNvPr id="4" name="TextBox 3">
+            <a:extLst>
+              <a:ext uri="{FF2B5EF4-FFF2-40B4-BE49-F238E27FC236}">
+                <a16:creationId xmlns:a16="http://schemas.microsoft.com/office/drawing/2014/main" id="{728302CB-C012-00EF-0450-25C9128C2913}"/>
               </a:ext>
             </a:extLst>
           </p:cNvPr>
@@ -7686,8 +6859,8 @@
         </p:nvSpPr>
         <p:spPr>
           <a:xfrm>
-            <a:off x="726243" y="1798936"/>
-            <a:ext cx="6098058" cy="923330"/>
+            <a:off x="838200" y="1757723"/>
+            <a:ext cx="6094990" cy="923330"/>
           </a:xfrm>
           <a:prstGeom prst="rect">
             <a:avLst/>
@@ -7702,29 +6875,29 @@
           <a:p>
             <a:r>
               <a:rPr lang="en-US" dirty="0"/>
-              <a:t>Pearson rank correlation coefficient: 0.281 </a:t>
+              <a:t>Pearson rank correlation coefficient: 0.086 </a:t>
             </a:r>
           </a:p>
           <a:p>
             <a:r>
               <a:rPr lang="en-US" dirty="0"/>
-              <a:t>Spearman rank correlation coefficient: 0.281 </a:t>
+              <a:t>Spearman rank correlation coefficient: -0.058 </a:t>
             </a:r>
           </a:p>
           <a:p>
             <a:r>
               <a:rPr lang="en-US" dirty="0"/>
-              <a:t>Coefficient of Determination (R^2): 0.079</a:t>
+              <a:t>Coefficient of Determination (R^2): 0.007</a:t>
             </a:r>
           </a:p>
         </p:txBody>
       </p:sp>
       <p:pic>
         <p:nvPicPr>
-          <p:cNvPr id="7170" name="Picture 2">
-            <a:extLst>
-              <a:ext uri="{FF2B5EF4-FFF2-40B4-BE49-F238E27FC236}">
-                <a16:creationId xmlns:a16="http://schemas.microsoft.com/office/drawing/2014/main" id="{C44170F2-DD9D-2ABB-92B7-F6D9876D3963}"/>
+          <p:cNvPr id="1026" name="Picture 2">
+            <a:extLst>
+              <a:ext uri="{FF2B5EF4-FFF2-40B4-BE49-F238E27FC236}">
+                <a16:creationId xmlns:a16="http://schemas.microsoft.com/office/drawing/2014/main" id="{37947B81-3496-8F12-3210-961F9D2484D4}"/>
               </a:ext>
             </a:extLst>
           </p:cNvPr>
@@ -7748,8 +6921,8 @@
         </p:blipFill>
         <p:spPr bwMode="auto">
           <a:xfrm>
-            <a:off x="550773" y="3429000"/>
-            <a:ext cx="3598532" cy="2558547"/>
+            <a:off x="249465" y="3235636"/>
+            <a:ext cx="3814862" cy="2712357"/>
           </a:xfrm>
           <a:prstGeom prst="rect">
             <a:avLst/>
@@ -7768,10 +6941,10 @@
       </p:pic>
       <p:pic>
         <p:nvPicPr>
-          <p:cNvPr id="7172" name="Picture 4">
-            <a:extLst>
-              <a:ext uri="{FF2B5EF4-FFF2-40B4-BE49-F238E27FC236}">
-                <a16:creationId xmlns:a16="http://schemas.microsoft.com/office/drawing/2014/main" id="{E0B2983D-5E7C-DAEB-811A-316DACFC4EB3}"/>
+          <p:cNvPr id="1028" name="Picture 4">
+            <a:extLst>
+              <a:ext uri="{FF2B5EF4-FFF2-40B4-BE49-F238E27FC236}">
+                <a16:creationId xmlns:a16="http://schemas.microsoft.com/office/drawing/2014/main" id="{903FF1BE-CABE-E52A-5E36-E9D66EB380F8}"/>
               </a:ext>
             </a:extLst>
           </p:cNvPr>
@@ -7795,8 +6968,8 @@
         </p:blipFill>
         <p:spPr bwMode="auto">
           <a:xfrm>
-            <a:off x="4296734" y="3429000"/>
-            <a:ext cx="3598532" cy="2558547"/>
+            <a:off x="4188569" y="3235636"/>
+            <a:ext cx="3814861" cy="2712356"/>
           </a:xfrm>
           <a:prstGeom prst="rect">
             <a:avLst/>
@@ -7815,10 +6988,10 @@
       </p:pic>
       <p:pic>
         <p:nvPicPr>
-          <p:cNvPr id="7174" name="Picture 6">
-            <a:extLst>
-              <a:ext uri="{FF2B5EF4-FFF2-40B4-BE49-F238E27FC236}">
-                <a16:creationId xmlns:a16="http://schemas.microsoft.com/office/drawing/2014/main" id="{8B131D8D-0BDD-43F7-226D-C7DC78267D03}"/>
+          <p:cNvPr id="1030" name="Picture 6">
+            <a:extLst>
+              <a:ext uri="{FF2B5EF4-FFF2-40B4-BE49-F238E27FC236}">
+                <a16:creationId xmlns:a16="http://schemas.microsoft.com/office/drawing/2014/main" id="{5AA16F07-0C2B-4E11-751D-85C2525B5E8E}"/>
               </a:ext>
             </a:extLst>
           </p:cNvPr>
@@ -7842,8 +7015,8 @@
         </p:blipFill>
         <p:spPr bwMode="auto">
           <a:xfrm>
-            <a:off x="8042695" y="3429000"/>
-            <a:ext cx="3598532" cy="2558547"/>
+            <a:off x="8127672" y="3235636"/>
+            <a:ext cx="3814861" cy="2712356"/>
           </a:xfrm>
           <a:prstGeom prst="rect">
             <a:avLst/>
@@ -7863,7 +7036,7 @@
     </p:spTree>
     <p:extLst>
       <p:ext uri="{BB962C8B-B14F-4D97-AF65-F5344CB8AC3E}">
-        <p14:creationId xmlns:p14="http://schemas.microsoft.com/office/powerpoint/2010/main" val="3414593977"/>
+        <p14:creationId xmlns:p14="http://schemas.microsoft.com/office/powerpoint/2010/main" val="471055836"/>
       </p:ext>
     </p:extLst>
   </p:cSld>
@@ -8160,7 +7333,7 @@
           <a:p>
             <a:r>
               <a:rPr lang="en-US" dirty="0"/>
-              <a:t>1AQ3_Double Mutation – PHI 9.5</a:t>
+              <a:t>2BU1+1AQ3_Double Mutation – PHI 9.5</a:t>
             </a:r>
           </a:p>
         </p:txBody>
@@ -8195,29 +7368,29 @@
           <a:p>
             <a:r>
               <a:rPr lang="en-US" dirty="0"/>
-              <a:t>Pearson rank correlation coefficient: -0.069 </a:t>
+              <a:t>Pearson rank correlation coefficient: 0.329 </a:t>
             </a:r>
           </a:p>
           <a:p>
             <a:r>
               <a:rPr lang="en-US" dirty="0"/>
-              <a:t>Spearman rank correlation coefficient: -0.076 </a:t>
+              <a:t>Spearman rank correlation coefficient: 0.331 </a:t>
             </a:r>
           </a:p>
           <a:p>
             <a:r>
               <a:rPr lang="en-US" dirty="0"/>
-              <a:t>Coefficient of Determination (R^2): 0.005</a:t>
+              <a:t>Coefficient of Determination (R^2): 0.108</a:t>
             </a:r>
           </a:p>
         </p:txBody>
       </p:sp>
       <p:pic>
         <p:nvPicPr>
-          <p:cNvPr id="2056" name="Picture 8">
-            <a:extLst>
-              <a:ext uri="{FF2B5EF4-FFF2-40B4-BE49-F238E27FC236}">
-                <a16:creationId xmlns:a16="http://schemas.microsoft.com/office/drawing/2014/main" id="{586A53B8-17EF-0184-7DAA-A58675573532}"/>
+          <p:cNvPr id="8194" name="Picture 2">
+            <a:extLst>
+              <a:ext uri="{FF2B5EF4-FFF2-40B4-BE49-F238E27FC236}">
+                <a16:creationId xmlns:a16="http://schemas.microsoft.com/office/drawing/2014/main" id="{FFAD9B70-070D-1ECF-E004-963EA22E034A}"/>
               </a:ext>
             </a:extLst>
           </p:cNvPr>
@@ -8241,8 +7414,8 @@
         </p:blipFill>
         <p:spPr bwMode="auto">
           <a:xfrm>
-            <a:off x="386871" y="3377028"/>
-            <a:ext cx="3736556" cy="2656682"/>
+            <a:off x="559400" y="3429000"/>
+            <a:ext cx="3500324" cy="2488721"/>
           </a:xfrm>
           <a:prstGeom prst="rect">
             <a:avLst/>
@@ -8261,10 +7434,10 @@
       </p:pic>
       <p:pic>
         <p:nvPicPr>
-          <p:cNvPr id="2058" name="Picture 10">
-            <a:extLst>
-              <a:ext uri="{FF2B5EF4-FFF2-40B4-BE49-F238E27FC236}">
-                <a16:creationId xmlns:a16="http://schemas.microsoft.com/office/drawing/2014/main" id="{4C3A332F-F766-F726-7D12-E96D233DA3B1}"/>
+          <p:cNvPr id="8196" name="Picture 4">
+            <a:extLst>
+              <a:ext uri="{FF2B5EF4-FFF2-40B4-BE49-F238E27FC236}">
+                <a16:creationId xmlns:a16="http://schemas.microsoft.com/office/drawing/2014/main" id="{85978B57-A9C9-0630-3BD7-B84C312DB07D}"/>
               </a:ext>
             </a:extLst>
           </p:cNvPr>
@@ -8288,8 +7461,8 @@
         </p:blipFill>
         <p:spPr bwMode="auto">
           <a:xfrm>
-            <a:off x="4225625" y="3374250"/>
-            <a:ext cx="3736556" cy="2656682"/>
+            <a:off x="4345838" y="3429000"/>
+            <a:ext cx="3500324" cy="2488721"/>
           </a:xfrm>
           <a:prstGeom prst="rect">
             <a:avLst/>
@@ -8308,10 +7481,10 @@
       </p:pic>
       <p:pic>
         <p:nvPicPr>
-          <p:cNvPr id="2060" name="Picture 12">
-            <a:extLst>
-              <a:ext uri="{FF2B5EF4-FFF2-40B4-BE49-F238E27FC236}">
-                <a16:creationId xmlns:a16="http://schemas.microsoft.com/office/drawing/2014/main" id="{306FF2EF-FB66-2957-BBAC-1EAA23339C09}"/>
+          <p:cNvPr id="8198" name="Picture 6">
+            <a:extLst>
+              <a:ext uri="{FF2B5EF4-FFF2-40B4-BE49-F238E27FC236}">
+                <a16:creationId xmlns:a16="http://schemas.microsoft.com/office/drawing/2014/main" id="{914828D2-7735-4F27-0C42-F728CC861B2B}"/>
               </a:ext>
             </a:extLst>
           </p:cNvPr>
@@ -8335,8 +7508,8 @@
         </p:blipFill>
         <p:spPr bwMode="auto">
           <a:xfrm>
-            <a:off x="8064379" y="3374250"/>
-            <a:ext cx="3736556" cy="2656682"/>
+            <a:off x="8132275" y="3429000"/>
+            <a:ext cx="3500325" cy="2488722"/>
           </a:xfrm>
           <a:prstGeom prst="rect">
             <a:avLst/>
@@ -8356,7 +7529,7 @@
     </p:spTree>
     <p:extLst>
       <p:ext uri="{BB962C8B-B14F-4D97-AF65-F5344CB8AC3E}">
-        <p14:creationId xmlns:p14="http://schemas.microsoft.com/office/powerpoint/2010/main" val="3555706830"/>
+        <p14:creationId xmlns:p14="http://schemas.microsoft.com/office/powerpoint/2010/main" val="452693427"/>
       </p:ext>
     </p:extLst>
   </p:cSld>
@@ -8406,7 +7579,7 @@
           <a:p>
             <a:r>
               <a:rPr lang="en-US" dirty="0"/>
-              <a:t>1AQ3(AS)_Double Mutation – PHI 9.5</a:t>
+              <a:t>2BU1+1U1Y_Double Mutation – PHI 9.5</a:t>
             </a:r>
           </a:p>
         </p:txBody>
@@ -8441,29 +7614,29 @@
           <a:p>
             <a:r>
               <a:rPr lang="en-US" dirty="0"/>
-              <a:t>Pearson rank correlation coefficient: -0.353 </a:t>
+              <a:t>Pearson rank correlation coefficient: 0.015 </a:t>
             </a:r>
           </a:p>
           <a:p>
             <a:r>
               <a:rPr lang="en-US" dirty="0"/>
-              <a:t>Spearman rank correlation coefficient: -0.290 </a:t>
+              <a:t>Spearman rank correlation coefficient: 0.007 </a:t>
             </a:r>
           </a:p>
           <a:p>
             <a:r>
               <a:rPr lang="en-US" dirty="0"/>
-              <a:t>Coefficient of Determination (R^2): 0.125</a:t>
+              <a:t>Coefficient of Determination (R^2): 0.000</a:t>
             </a:r>
           </a:p>
         </p:txBody>
       </p:sp>
       <p:pic>
         <p:nvPicPr>
-          <p:cNvPr id="18434" name="Picture 2">
-            <a:extLst>
-              <a:ext uri="{FF2B5EF4-FFF2-40B4-BE49-F238E27FC236}">
-                <a16:creationId xmlns:a16="http://schemas.microsoft.com/office/drawing/2014/main" id="{67C7C5FA-41D8-B16D-237D-041CB79857B3}"/>
+          <p:cNvPr id="10242" name="Picture 2">
+            <a:extLst>
+              <a:ext uri="{FF2B5EF4-FFF2-40B4-BE49-F238E27FC236}">
+                <a16:creationId xmlns:a16="http://schemas.microsoft.com/office/drawing/2014/main" id="{69F2CB0C-7980-098C-08D3-FFF188C08B08}"/>
               </a:ext>
             </a:extLst>
           </p:cNvPr>
@@ -8487,8 +7660,8 @@
         </p:blipFill>
         <p:spPr bwMode="auto">
           <a:xfrm>
-            <a:off x="573058" y="3316026"/>
-            <a:ext cx="3429599" cy="2401583"/>
+            <a:off x="378245" y="3345818"/>
+            <a:ext cx="3676170" cy="2613747"/>
           </a:xfrm>
           <a:prstGeom prst="rect">
             <a:avLst/>
@@ -8507,10 +7680,10 @@
       </p:pic>
       <p:pic>
         <p:nvPicPr>
-          <p:cNvPr id="18436" name="Picture 4">
-            <a:extLst>
-              <a:ext uri="{FF2B5EF4-FFF2-40B4-BE49-F238E27FC236}">
-                <a16:creationId xmlns:a16="http://schemas.microsoft.com/office/drawing/2014/main" id="{2C0353F1-9E03-B9A0-7340-872689936544}"/>
+          <p:cNvPr id="10244" name="Picture 4">
+            <a:extLst>
+              <a:ext uri="{FF2B5EF4-FFF2-40B4-BE49-F238E27FC236}">
+                <a16:creationId xmlns:a16="http://schemas.microsoft.com/office/drawing/2014/main" id="{508BEF57-EAFA-BF39-1EF3-42729B62E13F}"/>
               </a:ext>
             </a:extLst>
           </p:cNvPr>
@@ -8534,8 +7707,8 @@
         </p:blipFill>
         <p:spPr bwMode="auto">
           <a:xfrm>
-            <a:off x="4381200" y="3316026"/>
-            <a:ext cx="3429599" cy="2401583"/>
+            <a:off x="4257915" y="3345818"/>
+            <a:ext cx="3676170" cy="2613747"/>
           </a:xfrm>
           <a:prstGeom prst="rect">
             <a:avLst/>
@@ -8554,10 +7727,10 @@
       </p:pic>
       <p:pic>
         <p:nvPicPr>
-          <p:cNvPr id="18438" name="Picture 6">
-            <a:extLst>
-              <a:ext uri="{FF2B5EF4-FFF2-40B4-BE49-F238E27FC236}">
-                <a16:creationId xmlns:a16="http://schemas.microsoft.com/office/drawing/2014/main" id="{7EC8EC56-7E61-BA8B-AF36-EB07B9026F7E}"/>
+          <p:cNvPr id="10246" name="Picture 6">
+            <a:extLst>
+              <a:ext uri="{FF2B5EF4-FFF2-40B4-BE49-F238E27FC236}">
+                <a16:creationId xmlns:a16="http://schemas.microsoft.com/office/drawing/2014/main" id="{D97757E7-2922-84A4-A804-3AA648FA5D01}"/>
               </a:ext>
             </a:extLst>
           </p:cNvPr>
@@ -8581,8 +7754,8 @@
         </p:blipFill>
         <p:spPr bwMode="auto">
           <a:xfrm>
-            <a:off x="7986996" y="3316026"/>
-            <a:ext cx="3429599" cy="2401583"/>
+            <a:off x="7934085" y="3345818"/>
+            <a:ext cx="3676171" cy="2613748"/>
           </a:xfrm>
           <a:prstGeom prst="rect">
             <a:avLst/>
@@ -8602,7 +7775,7 @@
     </p:spTree>
     <p:extLst>
       <p:ext uri="{BB962C8B-B14F-4D97-AF65-F5344CB8AC3E}">
-        <p14:creationId xmlns:p14="http://schemas.microsoft.com/office/powerpoint/2010/main" val="2471331368"/>
+        <p14:creationId xmlns:p14="http://schemas.microsoft.com/office/powerpoint/2010/main" val="4072741431"/>
       </p:ext>
     </p:extLst>
   </p:cSld>

--- a/graphs/2bu1_Mutation_Graphs.pptx
+++ b/graphs/2bu1_Mutation_Graphs.pptx
@@ -18,12 +18,13 @@
     <p:sldId id="271" r:id="rId12"/>
     <p:sldId id="287" r:id="rId13"/>
     <p:sldId id="262" r:id="rId14"/>
-    <p:sldId id="272" r:id="rId15"/>
-    <p:sldId id="286" r:id="rId16"/>
-    <p:sldId id="263" r:id="rId17"/>
-    <p:sldId id="273" r:id="rId18"/>
-    <p:sldId id="285" r:id="rId19"/>
-    <p:sldId id="289" r:id="rId20"/>
+    <p:sldId id="290" r:id="rId15"/>
+    <p:sldId id="272" r:id="rId16"/>
+    <p:sldId id="286" r:id="rId17"/>
+    <p:sldId id="263" r:id="rId18"/>
+    <p:sldId id="273" r:id="rId19"/>
+    <p:sldId id="285" r:id="rId20"/>
+    <p:sldId id="289" r:id="rId21"/>
   </p:sldIdLst>
   <p:sldSz cx="12192000" cy="6858000"/>
   <p:notesSz cx="6858000" cy="9144000"/>
@@ -277,7 +278,7 @@
           <a:p>
             <a:fld id="{EF639EA0-F1F0-6945-A897-517B500ABEA6}" type="datetimeFigureOut">
               <a:rPr lang="en-US" smtClean="0"/>
-              <a:t>6/10/24</a:t>
+              <a:t>6/21/24</a:t>
             </a:fld>
             <a:endParaRPr lang="en-US"/>
           </a:p>
@@ -475,7 +476,7 @@
           <a:p>
             <a:fld id="{EF639EA0-F1F0-6945-A897-517B500ABEA6}" type="datetimeFigureOut">
               <a:rPr lang="en-US" smtClean="0"/>
-              <a:t>6/10/24</a:t>
+              <a:t>6/21/24</a:t>
             </a:fld>
             <a:endParaRPr lang="en-US"/>
           </a:p>
@@ -683,7 +684,7 @@
           <a:p>
             <a:fld id="{EF639EA0-F1F0-6945-A897-517B500ABEA6}" type="datetimeFigureOut">
               <a:rPr lang="en-US" smtClean="0"/>
-              <a:t>6/10/24</a:t>
+              <a:t>6/21/24</a:t>
             </a:fld>
             <a:endParaRPr lang="en-US"/>
           </a:p>
@@ -881,7 +882,7 @@
           <a:p>
             <a:fld id="{EF639EA0-F1F0-6945-A897-517B500ABEA6}" type="datetimeFigureOut">
               <a:rPr lang="en-US" smtClean="0"/>
-              <a:t>6/10/24</a:t>
+              <a:t>6/21/24</a:t>
             </a:fld>
             <a:endParaRPr lang="en-US"/>
           </a:p>
@@ -1156,7 +1157,7 @@
           <a:p>
             <a:fld id="{EF639EA0-F1F0-6945-A897-517B500ABEA6}" type="datetimeFigureOut">
               <a:rPr lang="en-US" smtClean="0"/>
-              <a:t>6/10/24</a:t>
+              <a:t>6/21/24</a:t>
             </a:fld>
             <a:endParaRPr lang="en-US"/>
           </a:p>
@@ -1421,7 +1422,7 @@
           <a:p>
             <a:fld id="{EF639EA0-F1F0-6945-A897-517B500ABEA6}" type="datetimeFigureOut">
               <a:rPr lang="en-US" smtClean="0"/>
-              <a:t>6/10/24</a:t>
+              <a:t>6/21/24</a:t>
             </a:fld>
             <a:endParaRPr lang="en-US"/>
           </a:p>
@@ -1833,7 +1834,7 @@
           <a:p>
             <a:fld id="{EF639EA0-F1F0-6945-A897-517B500ABEA6}" type="datetimeFigureOut">
               <a:rPr lang="en-US" smtClean="0"/>
-              <a:t>6/10/24</a:t>
+              <a:t>6/21/24</a:t>
             </a:fld>
             <a:endParaRPr lang="en-US"/>
           </a:p>
@@ -1974,7 +1975,7 @@
           <a:p>
             <a:fld id="{EF639EA0-F1F0-6945-A897-517B500ABEA6}" type="datetimeFigureOut">
               <a:rPr lang="en-US" smtClean="0"/>
-              <a:t>6/10/24</a:t>
+              <a:t>6/21/24</a:t>
             </a:fld>
             <a:endParaRPr lang="en-US"/>
           </a:p>
@@ -2087,7 +2088,7 @@
           <a:p>
             <a:fld id="{EF639EA0-F1F0-6945-A897-517B500ABEA6}" type="datetimeFigureOut">
               <a:rPr lang="en-US" smtClean="0"/>
-              <a:t>6/10/24</a:t>
+              <a:t>6/21/24</a:t>
             </a:fld>
             <a:endParaRPr lang="en-US"/>
           </a:p>
@@ -2398,7 +2399,7 @@
           <a:p>
             <a:fld id="{EF639EA0-F1F0-6945-A897-517B500ABEA6}" type="datetimeFigureOut">
               <a:rPr lang="en-US" smtClean="0"/>
-              <a:t>6/10/24</a:t>
+              <a:t>6/21/24</a:t>
             </a:fld>
             <a:endParaRPr lang="en-US"/>
           </a:p>
@@ -2686,7 +2687,7 @@
           <a:p>
             <a:fld id="{EF639EA0-F1F0-6945-A897-517B500ABEA6}" type="datetimeFigureOut">
               <a:rPr lang="en-US" smtClean="0"/>
-              <a:t>6/10/24</a:t>
+              <a:t>6/21/24</a:t>
             </a:fld>
             <a:endParaRPr lang="en-US"/>
           </a:p>
@@ -2927,7 +2928,7 @@
           <a:p>
             <a:fld id="{EF639EA0-F1F0-6945-A897-517B500ABEA6}" type="datetimeFigureOut">
               <a:rPr lang="en-US" smtClean="0"/>
-              <a:t>6/10/24</a:t>
+              <a:t>6/21/24</a:t>
             </a:fld>
             <a:endParaRPr lang="en-US"/>
           </a:p>
@@ -4434,7 +4435,7 @@
           <a:p>
             <a:r>
               <a:rPr lang="en-US" dirty="0"/>
-              <a:t>2BU1+1AQ3_Quadruple Mutation – PHI 9.5</a:t>
+              <a:t>2BU1_AF_Quadruple Mutation – PHI 9.5</a:t>
             </a:r>
           </a:p>
         </p:txBody>
@@ -4469,29 +4470,29 @@
           <a:p>
             <a:r>
               <a:rPr lang="en-US" dirty="0"/>
-              <a:t>Pearson rank correlation coefficient: -0.301 </a:t>
+              <a:t>Pearson rank correlation coefficient: 0.059 </a:t>
             </a:r>
           </a:p>
           <a:p>
             <a:r>
               <a:rPr lang="en-US" dirty="0"/>
-              <a:t>Spearman rank correlation coefficient: -0.463 </a:t>
+              <a:t>Spearman rank correlation coefficient: 0.077 </a:t>
             </a:r>
           </a:p>
           <a:p>
             <a:r>
               <a:rPr lang="en-US" dirty="0"/>
-              <a:t>Coefficient of Determination (R^2): 0.090</a:t>
+              <a:t>Coefficient of Determination (R^2): 0.003</a:t>
             </a:r>
           </a:p>
         </p:txBody>
       </p:sp>
       <p:pic>
         <p:nvPicPr>
-          <p:cNvPr id="10242" name="Picture 2">
-            <a:extLst>
-              <a:ext uri="{FF2B5EF4-FFF2-40B4-BE49-F238E27FC236}">
-                <a16:creationId xmlns:a16="http://schemas.microsoft.com/office/drawing/2014/main" id="{406E3F89-3D51-714B-FF25-5D195467541D}"/>
+          <p:cNvPr id="1026" name="Picture 2">
+            <a:extLst>
+              <a:ext uri="{FF2B5EF4-FFF2-40B4-BE49-F238E27FC236}">
+                <a16:creationId xmlns:a16="http://schemas.microsoft.com/office/drawing/2014/main" id="{0A8021B8-2F09-9AE6-70ED-66A4F63EAA5F}"/>
               </a:ext>
             </a:extLst>
           </p:cNvPr>
@@ -4515,8 +4516,8 @@
         </p:blipFill>
         <p:spPr bwMode="auto">
           <a:xfrm>
-            <a:off x="469061" y="3429000"/>
-            <a:ext cx="3666683" cy="2593735"/>
+            <a:off x="68848" y="3740985"/>
+            <a:ext cx="3900161" cy="2751890"/>
           </a:xfrm>
           <a:prstGeom prst="rect">
             <a:avLst/>
@@ -4535,10 +4536,10 @@
       </p:pic>
       <p:pic>
         <p:nvPicPr>
-          <p:cNvPr id="10244" name="Picture 4">
-            <a:extLst>
-              <a:ext uri="{FF2B5EF4-FFF2-40B4-BE49-F238E27FC236}">
-                <a16:creationId xmlns:a16="http://schemas.microsoft.com/office/drawing/2014/main" id="{CACB5FD0-2DB3-75A4-E1E9-112B0A6CF01C}"/>
+          <p:cNvPr id="1028" name="Picture 4">
+            <a:extLst>
+              <a:ext uri="{FF2B5EF4-FFF2-40B4-BE49-F238E27FC236}">
+                <a16:creationId xmlns:a16="http://schemas.microsoft.com/office/drawing/2014/main" id="{F41544FD-B666-F8E2-0B1F-E2EB2A906414}"/>
               </a:ext>
             </a:extLst>
           </p:cNvPr>
@@ -4562,8 +4563,8 @@
         </p:blipFill>
         <p:spPr bwMode="auto">
           <a:xfrm>
-            <a:off x="4262658" y="3429000"/>
-            <a:ext cx="3666683" cy="2593735"/>
+            <a:off x="4145919" y="3740985"/>
+            <a:ext cx="3900161" cy="2751890"/>
           </a:xfrm>
           <a:prstGeom prst="rect">
             <a:avLst/>
@@ -4582,10 +4583,10 @@
       </p:pic>
       <p:pic>
         <p:nvPicPr>
-          <p:cNvPr id="10246" name="Picture 6">
-            <a:extLst>
-              <a:ext uri="{FF2B5EF4-FFF2-40B4-BE49-F238E27FC236}">
-                <a16:creationId xmlns:a16="http://schemas.microsoft.com/office/drawing/2014/main" id="{6AF65280-CE99-F7DB-6CE8-8CFAD68A1247}"/>
+          <p:cNvPr id="1030" name="Picture 6">
+            <a:extLst>
+              <a:ext uri="{FF2B5EF4-FFF2-40B4-BE49-F238E27FC236}">
+                <a16:creationId xmlns:a16="http://schemas.microsoft.com/office/drawing/2014/main" id="{8A138C9C-AD18-07A4-940A-922B954B1430}"/>
               </a:ext>
             </a:extLst>
           </p:cNvPr>
@@ -4609,8 +4610,8 @@
         </p:blipFill>
         <p:spPr bwMode="auto">
           <a:xfrm>
-            <a:off x="8056256" y="3429000"/>
-            <a:ext cx="3666683" cy="2593735"/>
+            <a:off x="8222991" y="3783931"/>
+            <a:ext cx="3900161" cy="2751890"/>
           </a:xfrm>
           <a:prstGeom prst="rect">
             <a:avLst/>
@@ -4630,7 +4631,7 @@
     </p:spTree>
     <p:extLst>
       <p:ext uri="{BB962C8B-B14F-4D97-AF65-F5344CB8AC3E}">
-        <p14:creationId xmlns:p14="http://schemas.microsoft.com/office/powerpoint/2010/main" val="527691219"/>
+        <p14:creationId xmlns:p14="http://schemas.microsoft.com/office/powerpoint/2010/main" val="3811455824"/>
       </p:ext>
     </p:extLst>
   </p:cSld>
@@ -4680,7 +4681,7 @@
           <a:p>
             <a:r>
               <a:rPr lang="en-US" dirty="0"/>
-              <a:t>2BU1+1U1Y_Quadruple Mutation – PHI 9.5</a:t>
+              <a:t>2BU1+1AQ3_Quadruple Mutation – PHI 9.5</a:t>
             </a:r>
           </a:p>
         </p:txBody>
@@ -4715,29 +4716,29 @@
           <a:p>
             <a:r>
               <a:rPr lang="en-US" dirty="0"/>
-              <a:t>Pearson rank correlation coefficient: -0.148 </a:t>
+              <a:t>Pearson rank correlation coefficient: -0.301 </a:t>
             </a:r>
           </a:p>
           <a:p>
             <a:r>
               <a:rPr lang="en-US" dirty="0"/>
-              <a:t>Spearman rank correlation coefficient: -0.133 </a:t>
+              <a:t>Spearman rank correlation coefficient: -0.463 </a:t>
             </a:r>
           </a:p>
           <a:p>
             <a:r>
               <a:rPr lang="en-US" dirty="0"/>
-              <a:t>Coefficient of Determination (R^2): 0.022</a:t>
+              <a:t>Coefficient of Determination (R^2): 0.090</a:t>
             </a:r>
           </a:p>
         </p:txBody>
       </p:sp>
       <p:pic>
         <p:nvPicPr>
-          <p:cNvPr id="8194" name="Picture 2">
-            <a:extLst>
-              <a:ext uri="{FF2B5EF4-FFF2-40B4-BE49-F238E27FC236}">
-                <a16:creationId xmlns:a16="http://schemas.microsoft.com/office/drawing/2014/main" id="{C816E385-B39F-F376-6090-2446630447D0}"/>
+          <p:cNvPr id="10242" name="Picture 2">
+            <a:extLst>
+              <a:ext uri="{FF2B5EF4-FFF2-40B4-BE49-F238E27FC236}">
+                <a16:creationId xmlns:a16="http://schemas.microsoft.com/office/drawing/2014/main" id="{406E3F89-3D51-714B-FF25-5D195467541D}"/>
               </a:ext>
             </a:extLst>
           </p:cNvPr>
@@ -4761,8 +4762,8 @@
         </p:blipFill>
         <p:spPr bwMode="auto">
           <a:xfrm>
-            <a:off x="475104" y="3797331"/>
-            <a:ext cx="3410591" cy="2412581"/>
+            <a:off x="469061" y="3429000"/>
+            <a:ext cx="3666683" cy="2593735"/>
           </a:xfrm>
           <a:prstGeom prst="rect">
             <a:avLst/>
@@ -4781,10 +4782,10 @@
       </p:pic>
       <p:pic>
         <p:nvPicPr>
-          <p:cNvPr id="8196" name="Picture 4">
-            <a:extLst>
-              <a:ext uri="{FF2B5EF4-FFF2-40B4-BE49-F238E27FC236}">
-                <a16:creationId xmlns:a16="http://schemas.microsoft.com/office/drawing/2014/main" id="{25C34077-E8D6-1449-BED1-D11F8645A7EF}"/>
+          <p:cNvPr id="10244" name="Picture 4">
+            <a:extLst>
+              <a:ext uri="{FF2B5EF4-FFF2-40B4-BE49-F238E27FC236}">
+                <a16:creationId xmlns:a16="http://schemas.microsoft.com/office/drawing/2014/main" id="{CACB5FD0-2DB3-75A4-E1E9-112B0A6CF01C}"/>
               </a:ext>
             </a:extLst>
           </p:cNvPr>
@@ -4808,8 +4809,8 @@
         </p:blipFill>
         <p:spPr bwMode="auto">
           <a:xfrm>
-            <a:off x="4390704" y="3797332"/>
-            <a:ext cx="3410591" cy="2412581"/>
+            <a:off x="4262658" y="3429000"/>
+            <a:ext cx="3666683" cy="2593735"/>
           </a:xfrm>
           <a:prstGeom prst="rect">
             <a:avLst/>
@@ -4828,10 +4829,10 @@
       </p:pic>
       <p:pic>
         <p:nvPicPr>
-          <p:cNvPr id="8198" name="Picture 6">
-            <a:extLst>
-              <a:ext uri="{FF2B5EF4-FFF2-40B4-BE49-F238E27FC236}">
-                <a16:creationId xmlns:a16="http://schemas.microsoft.com/office/drawing/2014/main" id="{EE5CC55D-DABF-6E37-83D5-A5D523DB26FC}"/>
+          <p:cNvPr id="10246" name="Picture 6">
+            <a:extLst>
+              <a:ext uri="{FF2B5EF4-FFF2-40B4-BE49-F238E27FC236}">
+                <a16:creationId xmlns:a16="http://schemas.microsoft.com/office/drawing/2014/main" id="{6AF65280-CE99-F7DB-6CE8-8CFAD68A1247}"/>
               </a:ext>
             </a:extLst>
           </p:cNvPr>
@@ -4855,8 +4856,8 @@
         </p:blipFill>
         <p:spPr bwMode="auto">
           <a:xfrm>
-            <a:off x="8105236" y="3797331"/>
-            <a:ext cx="3410591" cy="2412581"/>
+            <a:off x="8056256" y="3429000"/>
+            <a:ext cx="3666683" cy="2593735"/>
           </a:xfrm>
           <a:prstGeom prst="rect">
             <a:avLst/>
@@ -4876,7 +4877,7 @@
     </p:spTree>
     <p:extLst>
       <p:ext uri="{BB962C8B-B14F-4D97-AF65-F5344CB8AC3E}">
-        <p14:creationId xmlns:p14="http://schemas.microsoft.com/office/powerpoint/2010/main" val="1450221302"/>
+        <p14:creationId xmlns:p14="http://schemas.microsoft.com/office/powerpoint/2010/main" val="527691219"/>
       </p:ext>
     </p:extLst>
   </p:cSld>
@@ -4926,7 +4927,7 @@
           <a:p>
             <a:r>
               <a:rPr lang="en-US" dirty="0"/>
-              <a:t>2BU1_Quintuple Mutation – PHI 9.5</a:t>
+              <a:t>2BU1+1U1Y_Quadruple Mutation – PHI 9.5</a:t>
             </a:r>
           </a:p>
         </p:txBody>
@@ -4961,29 +4962,29 @@
           <a:p>
             <a:r>
               <a:rPr lang="en-US" dirty="0"/>
-              <a:t>Pearson rank correlation coefficient: -0.829 </a:t>
+              <a:t>Pearson rank correlation coefficient: -0.148 </a:t>
             </a:r>
           </a:p>
           <a:p>
             <a:r>
               <a:rPr lang="en-US" dirty="0"/>
-              <a:t>Spearman rank correlation coefficient: -0.738 </a:t>
+              <a:t>Spearman rank correlation coefficient: -0.133 </a:t>
             </a:r>
           </a:p>
           <a:p>
             <a:r>
               <a:rPr lang="en-US" dirty="0"/>
-              <a:t>Coefficient of Determination (R^2): 0.687</a:t>
+              <a:t>Coefficient of Determination (R^2): 0.022</a:t>
             </a:r>
           </a:p>
         </p:txBody>
       </p:sp>
       <p:pic>
         <p:nvPicPr>
-          <p:cNvPr id="3074" name="Picture 2">
-            <a:extLst>
-              <a:ext uri="{FF2B5EF4-FFF2-40B4-BE49-F238E27FC236}">
-                <a16:creationId xmlns:a16="http://schemas.microsoft.com/office/drawing/2014/main" id="{4C55CEF8-1A24-6485-8CFE-B3D192A629AE}"/>
+          <p:cNvPr id="8194" name="Picture 2">
+            <a:extLst>
+              <a:ext uri="{FF2B5EF4-FFF2-40B4-BE49-F238E27FC236}">
+                <a16:creationId xmlns:a16="http://schemas.microsoft.com/office/drawing/2014/main" id="{C816E385-B39F-F376-6090-2446630447D0}"/>
               </a:ext>
             </a:extLst>
           </p:cNvPr>
@@ -5007,8 +5008,8 @@
         </p:blipFill>
         <p:spPr bwMode="auto">
           <a:xfrm>
-            <a:off x="131822" y="3429000"/>
-            <a:ext cx="3804920" cy="2705288"/>
+            <a:off x="475104" y="3797331"/>
+            <a:ext cx="3410591" cy="2412581"/>
           </a:xfrm>
           <a:prstGeom prst="rect">
             <a:avLst/>
@@ -5027,10 +5028,10 @@
       </p:pic>
       <p:pic>
         <p:nvPicPr>
-          <p:cNvPr id="3076" name="Picture 4">
-            <a:extLst>
-              <a:ext uri="{FF2B5EF4-FFF2-40B4-BE49-F238E27FC236}">
-                <a16:creationId xmlns:a16="http://schemas.microsoft.com/office/drawing/2014/main" id="{521454F7-1595-FB76-4F98-74EF384FAABB}"/>
+          <p:cNvPr id="8196" name="Picture 4">
+            <a:extLst>
+              <a:ext uri="{FF2B5EF4-FFF2-40B4-BE49-F238E27FC236}">
+                <a16:creationId xmlns:a16="http://schemas.microsoft.com/office/drawing/2014/main" id="{25C34077-E8D6-1449-BED1-D11F8645A7EF}"/>
               </a:ext>
             </a:extLst>
           </p:cNvPr>
@@ -5054,8 +5055,8 @@
         </p:blipFill>
         <p:spPr bwMode="auto">
           <a:xfrm>
-            <a:off x="4193540" y="3429000"/>
-            <a:ext cx="3804919" cy="2705288"/>
+            <a:off x="4390704" y="3797332"/>
+            <a:ext cx="3410591" cy="2412581"/>
           </a:xfrm>
           <a:prstGeom prst="rect">
             <a:avLst/>
@@ -5074,10 +5075,10 @@
       </p:pic>
       <p:pic>
         <p:nvPicPr>
-          <p:cNvPr id="3078" name="Picture 6">
-            <a:extLst>
-              <a:ext uri="{FF2B5EF4-FFF2-40B4-BE49-F238E27FC236}">
-                <a16:creationId xmlns:a16="http://schemas.microsoft.com/office/drawing/2014/main" id="{FBC26BC3-3AF3-0FBD-D3EA-AF4E82D23DD5}"/>
+          <p:cNvPr id="8198" name="Picture 6">
+            <a:extLst>
+              <a:ext uri="{FF2B5EF4-FFF2-40B4-BE49-F238E27FC236}">
+                <a16:creationId xmlns:a16="http://schemas.microsoft.com/office/drawing/2014/main" id="{EE5CC55D-DABF-6E37-83D5-A5D523DB26FC}"/>
               </a:ext>
             </a:extLst>
           </p:cNvPr>
@@ -5101,8 +5102,8 @@
         </p:blipFill>
         <p:spPr bwMode="auto">
           <a:xfrm>
-            <a:off x="8255259" y="3429000"/>
-            <a:ext cx="3804919" cy="2705288"/>
+            <a:off x="8105236" y="3797331"/>
+            <a:ext cx="3410591" cy="2412581"/>
           </a:xfrm>
           <a:prstGeom prst="rect">
             <a:avLst/>
@@ -5122,7 +5123,7 @@
     </p:spTree>
     <p:extLst>
       <p:ext uri="{BB962C8B-B14F-4D97-AF65-F5344CB8AC3E}">
-        <p14:creationId xmlns:p14="http://schemas.microsoft.com/office/powerpoint/2010/main" val="1814979600"/>
+        <p14:creationId xmlns:p14="http://schemas.microsoft.com/office/powerpoint/2010/main" val="1450221302"/>
       </p:ext>
     </p:extLst>
   </p:cSld>
@@ -5172,7 +5173,7 @@
           <a:p>
             <a:r>
               <a:rPr lang="en-US" dirty="0"/>
-              <a:t>2BU1+1AQ3_Quintuple Mutation – PHI 9.5</a:t>
+              <a:t>2BU1_Quintuple Mutation – PHI 9.5</a:t>
             </a:r>
           </a:p>
         </p:txBody>
@@ -5207,29 +5208,29 @@
           <a:p>
             <a:r>
               <a:rPr lang="en-US" dirty="0"/>
-              <a:t>Pearson rank correlation coefficient: -0.743 </a:t>
+              <a:t>Pearson rank correlation coefficient: -0.829 </a:t>
             </a:r>
           </a:p>
           <a:p>
             <a:r>
               <a:rPr lang="en-US" dirty="0"/>
-              <a:t>Spearman rank correlation coefficient: -0.777 </a:t>
+              <a:t>Spearman rank correlation coefficient: -0.738 </a:t>
             </a:r>
           </a:p>
           <a:p>
             <a:r>
               <a:rPr lang="en-US" dirty="0"/>
-              <a:t>Coefficient of Determination (R^2): 0.552</a:t>
+              <a:t>Coefficient of Determination (R^2): 0.687</a:t>
             </a:r>
           </a:p>
         </p:txBody>
       </p:sp>
       <p:pic>
         <p:nvPicPr>
-          <p:cNvPr id="11266" name="Picture 2">
-            <a:extLst>
-              <a:ext uri="{FF2B5EF4-FFF2-40B4-BE49-F238E27FC236}">
-                <a16:creationId xmlns:a16="http://schemas.microsoft.com/office/drawing/2014/main" id="{15FDEF14-DEC2-0599-9591-88A0CB69B03E}"/>
+          <p:cNvPr id="3074" name="Picture 2">
+            <a:extLst>
+              <a:ext uri="{FF2B5EF4-FFF2-40B4-BE49-F238E27FC236}">
+                <a16:creationId xmlns:a16="http://schemas.microsoft.com/office/drawing/2014/main" id="{4C55CEF8-1A24-6485-8CFE-B3D192A629AE}"/>
               </a:ext>
             </a:extLst>
           </p:cNvPr>
@@ -5253,8 +5254,8 @@
         </p:blipFill>
         <p:spPr bwMode="auto">
           <a:xfrm>
-            <a:off x="136627" y="3429000"/>
-            <a:ext cx="3827906" cy="2721631"/>
+            <a:off x="131822" y="3429000"/>
+            <a:ext cx="3804920" cy="2705288"/>
           </a:xfrm>
           <a:prstGeom prst="rect">
             <a:avLst/>
@@ -5273,10 +5274,10 @@
       </p:pic>
       <p:pic>
         <p:nvPicPr>
-          <p:cNvPr id="11268" name="Picture 4">
-            <a:extLst>
-              <a:ext uri="{FF2B5EF4-FFF2-40B4-BE49-F238E27FC236}">
-                <a16:creationId xmlns:a16="http://schemas.microsoft.com/office/drawing/2014/main" id="{BD9272A8-3735-53FC-87A6-B8D5B8DF19EB}"/>
+          <p:cNvPr id="3076" name="Picture 4">
+            <a:extLst>
+              <a:ext uri="{FF2B5EF4-FFF2-40B4-BE49-F238E27FC236}">
+                <a16:creationId xmlns:a16="http://schemas.microsoft.com/office/drawing/2014/main" id="{521454F7-1595-FB76-4F98-74EF384FAABB}"/>
               </a:ext>
             </a:extLst>
           </p:cNvPr>
@@ -5300,8 +5301,8 @@
         </p:blipFill>
         <p:spPr bwMode="auto">
           <a:xfrm>
-            <a:off x="4182047" y="3428999"/>
-            <a:ext cx="3827906" cy="2721632"/>
+            <a:off x="4193540" y="3429000"/>
+            <a:ext cx="3804919" cy="2705288"/>
           </a:xfrm>
           <a:prstGeom prst="rect">
             <a:avLst/>
@@ -5320,10 +5321,10 @@
       </p:pic>
       <p:pic>
         <p:nvPicPr>
-          <p:cNvPr id="11270" name="Picture 6">
-            <a:extLst>
-              <a:ext uri="{FF2B5EF4-FFF2-40B4-BE49-F238E27FC236}">
-                <a16:creationId xmlns:a16="http://schemas.microsoft.com/office/drawing/2014/main" id="{70A53AA5-FA86-70FE-4878-658E3AA11D76}"/>
+          <p:cNvPr id="3078" name="Picture 6">
+            <a:extLst>
+              <a:ext uri="{FF2B5EF4-FFF2-40B4-BE49-F238E27FC236}">
+                <a16:creationId xmlns:a16="http://schemas.microsoft.com/office/drawing/2014/main" id="{FBC26BC3-3AF3-0FBD-D3EA-AF4E82D23DD5}"/>
               </a:ext>
             </a:extLst>
           </p:cNvPr>
@@ -5347,8 +5348,8 @@
         </p:blipFill>
         <p:spPr bwMode="auto">
           <a:xfrm>
-            <a:off x="8113470" y="3428999"/>
-            <a:ext cx="3827906" cy="2721632"/>
+            <a:off x="8255259" y="3429000"/>
+            <a:ext cx="3804919" cy="2705288"/>
           </a:xfrm>
           <a:prstGeom prst="rect">
             <a:avLst/>
@@ -5368,7 +5369,7 @@
     </p:spTree>
     <p:extLst>
       <p:ext uri="{BB962C8B-B14F-4D97-AF65-F5344CB8AC3E}">
-        <p14:creationId xmlns:p14="http://schemas.microsoft.com/office/powerpoint/2010/main" val="1153257920"/>
+        <p14:creationId xmlns:p14="http://schemas.microsoft.com/office/powerpoint/2010/main" val="1814979600"/>
       </p:ext>
     </p:extLst>
   </p:cSld>
@@ -5418,7 +5419,7 @@
           <a:p>
             <a:r>
               <a:rPr lang="en-US" dirty="0"/>
-              <a:t>2BU1+1U1Y_Quintuple Mutation – PHI 9.5</a:t>
+              <a:t>2BU1+1AQ3_Quintuple Mutation – PHI 9.5</a:t>
             </a:r>
           </a:p>
         </p:txBody>
@@ -5453,29 +5454,29 @@
           <a:p>
             <a:r>
               <a:rPr lang="en-US" dirty="0"/>
-              <a:t>Pearson rank correlation coefficient: -0.837 </a:t>
+              <a:t>Pearson rank correlation coefficient: -0.743 </a:t>
             </a:r>
           </a:p>
           <a:p>
             <a:r>
               <a:rPr lang="en-US" dirty="0"/>
-              <a:t>Spearman rank correlation coefficient: -0.738 </a:t>
+              <a:t>Spearman rank correlation coefficient: -0.777 </a:t>
             </a:r>
           </a:p>
           <a:p>
             <a:r>
               <a:rPr lang="en-US" dirty="0"/>
-              <a:t>Coefficient of Determination (R^2): 0.700</a:t>
+              <a:t>Coefficient of Determination (R^2): 0.552</a:t>
             </a:r>
           </a:p>
         </p:txBody>
       </p:sp>
       <p:pic>
         <p:nvPicPr>
-          <p:cNvPr id="7170" name="Picture 2">
-            <a:extLst>
-              <a:ext uri="{FF2B5EF4-FFF2-40B4-BE49-F238E27FC236}">
-                <a16:creationId xmlns:a16="http://schemas.microsoft.com/office/drawing/2014/main" id="{37C400EC-86ED-381E-9CF9-5267B4B8B272}"/>
+          <p:cNvPr id="11266" name="Picture 2">
+            <a:extLst>
+              <a:ext uri="{FF2B5EF4-FFF2-40B4-BE49-F238E27FC236}">
+                <a16:creationId xmlns:a16="http://schemas.microsoft.com/office/drawing/2014/main" id="{15FDEF14-DEC2-0599-9591-88A0CB69B03E}"/>
               </a:ext>
             </a:extLst>
           </p:cNvPr>
@@ -5499,8 +5500,8 @@
         </p:blipFill>
         <p:spPr bwMode="auto">
           <a:xfrm>
-            <a:off x="209524" y="3597905"/>
-            <a:ext cx="3676171" cy="2613747"/>
+            <a:off x="136627" y="3429000"/>
+            <a:ext cx="3827906" cy="2721631"/>
           </a:xfrm>
           <a:prstGeom prst="rect">
             <a:avLst/>
@@ -5519,10 +5520,10 @@
       </p:pic>
       <p:pic>
         <p:nvPicPr>
-          <p:cNvPr id="7172" name="Picture 4">
-            <a:extLst>
-              <a:ext uri="{FF2B5EF4-FFF2-40B4-BE49-F238E27FC236}">
-                <a16:creationId xmlns:a16="http://schemas.microsoft.com/office/drawing/2014/main" id="{7B4FA37C-E5F3-4309-6690-F8F379ACED74}"/>
+          <p:cNvPr id="11268" name="Picture 4">
+            <a:extLst>
+              <a:ext uri="{FF2B5EF4-FFF2-40B4-BE49-F238E27FC236}">
+                <a16:creationId xmlns:a16="http://schemas.microsoft.com/office/drawing/2014/main" id="{BD9272A8-3735-53FC-87A6-B8D5B8DF19EB}"/>
               </a:ext>
             </a:extLst>
           </p:cNvPr>
@@ -5546,8 +5547,8 @@
         </p:blipFill>
         <p:spPr bwMode="auto">
           <a:xfrm>
-            <a:off x="4257914" y="3597905"/>
-            <a:ext cx="3676171" cy="2613748"/>
+            <a:off x="4182047" y="3428999"/>
+            <a:ext cx="3827906" cy="2721632"/>
           </a:xfrm>
           <a:prstGeom prst="rect">
             <a:avLst/>
@@ -5566,10 +5567,10 @@
       </p:pic>
       <p:pic>
         <p:nvPicPr>
-          <p:cNvPr id="7174" name="Picture 6">
-            <a:extLst>
-              <a:ext uri="{FF2B5EF4-FFF2-40B4-BE49-F238E27FC236}">
-                <a16:creationId xmlns:a16="http://schemas.microsoft.com/office/drawing/2014/main" id="{0F6493CF-91CB-D6A1-419E-DD1E62A18CD5}"/>
+          <p:cNvPr id="11270" name="Picture 6">
+            <a:extLst>
+              <a:ext uri="{FF2B5EF4-FFF2-40B4-BE49-F238E27FC236}">
+                <a16:creationId xmlns:a16="http://schemas.microsoft.com/office/drawing/2014/main" id="{70A53AA5-FA86-70FE-4878-658E3AA11D76}"/>
               </a:ext>
             </a:extLst>
           </p:cNvPr>
@@ -5593,8 +5594,8 @@
         </p:blipFill>
         <p:spPr bwMode="auto">
           <a:xfrm>
-            <a:off x="8091696" y="3597905"/>
-            <a:ext cx="3676171" cy="2613748"/>
+            <a:off x="8113470" y="3428999"/>
+            <a:ext cx="3827906" cy="2721632"/>
           </a:xfrm>
           <a:prstGeom prst="rect">
             <a:avLst/>
@@ -5614,7 +5615,7 @@
     </p:spTree>
     <p:extLst>
       <p:ext uri="{BB962C8B-B14F-4D97-AF65-F5344CB8AC3E}">
-        <p14:creationId xmlns:p14="http://schemas.microsoft.com/office/powerpoint/2010/main" val="2593722877"/>
+        <p14:creationId xmlns:p14="http://schemas.microsoft.com/office/powerpoint/2010/main" val="1153257920"/>
       </p:ext>
     </p:extLst>
   </p:cSld>
@@ -5646,7 +5647,7 @@
           <p:cNvPr id="2" name="Title 1">
             <a:extLst>
               <a:ext uri="{FF2B5EF4-FFF2-40B4-BE49-F238E27FC236}">
-                <a16:creationId xmlns:a16="http://schemas.microsoft.com/office/drawing/2014/main" id="{82A4BB28-B350-8F6A-5B47-2C7B4FA83426}"/>
+                <a16:creationId xmlns:a16="http://schemas.microsoft.com/office/drawing/2014/main" id="{1A877E3B-C8DE-F07E-AF0F-4CF353351B7C}"/>
               </a:ext>
             </a:extLst>
           </p:cNvPr>
@@ -5662,16 +5663,66 @@
           <a:bodyPr/>
           <a:lstStyle/>
           <a:p>
-            <a:endParaRPr lang="en-US"/>
+            <a:r>
+              <a:rPr lang="en-US" dirty="0"/>
+              <a:t>2BU1+1U1Y_Quintuple Mutation – PHI 9.5</a:t>
+            </a:r>
+          </a:p>
+        </p:txBody>
+      </p:sp>
+      <p:sp>
+        <p:nvSpPr>
+          <p:cNvPr id="4" name="TextBox 3">
+            <a:extLst>
+              <a:ext uri="{FF2B5EF4-FFF2-40B4-BE49-F238E27FC236}">
+                <a16:creationId xmlns:a16="http://schemas.microsoft.com/office/drawing/2014/main" id="{728302CB-C012-00EF-0450-25C9128C2913}"/>
+              </a:ext>
+            </a:extLst>
+          </p:cNvPr>
+          <p:cNvSpPr txBox="1"/>
+          <p:nvPr/>
+        </p:nvSpPr>
+        <p:spPr>
+          <a:xfrm>
+            <a:off x="838200" y="1757723"/>
+            <a:ext cx="6094990" cy="923330"/>
+          </a:xfrm>
+          <a:prstGeom prst="rect">
+            <a:avLst/>
+          </a:prstGeom>
+          <a:noFill/>
+        </p:spPr>
+        <p:txBody>
+          <a:bodyPr wrap="square">
+            <a:spAutoFit/>
+          </a:bodyPr>
+          <a:lstStyle/>
+          <a:p>
+            <a:r>
+              <a:rPr lang="en-US" dirty="0"/>
+              <a:t>Pearson rank correlation coefficient: -0.837 </a:t>
+            </a:r>
+          </a:p>
+          <a:p>
+            <a:r>
+              <a:rPr lang="en-US" dirty="0"/>
+              <a:t>Spearman rank correlation coefficient: -0.738 </a:t>
+            </a:r>
+          </a:p>
+          <a:p>
+            <a:r>
+              <a:rPr lang="en-US" dirty="0"/>
+              <a:t>Coefficient of Determination (R^2): 0.700</a:t>
+            </a:r>
           </a:p>
         </p:txBody>
       </p:sp>
       <p:pic>
         <p:nvPicPr>
-          <p:cNvPr id="1026" name="Picture 2">
-            <a:extLst>
-              <a:ext uri="{FF2B5EF4-FFF2-40B4-BE49-F238E27FC236}">
-                <a16:creationId xmlns:a16="http://schemas.microsoft.com/office/drawing/2014/main" id="{556A4AEA-540E-58E8-2BD7-5C8C39FC9585}"/>
+          <p:cNvPr id="7170" name="Picture 2">
+            <a:extLst>
+              <a:ext uri="{FF2B5EF4-FFF2-40B4-BE49-F238E27FC236}">
+                <a16:creationId xmlns:a16="http://schemas.microsoft.com/office/drawing/2014/main" id="{37C400EC-86ED-381E-9CF9-5267B4B8B272}"/>
               </a:ext>
             </a:extLst>
           </p:cNvPr>
@@ -5695,8 +5746,8 @@
         </p:blipFill>
         <p:spPr bwMode="auto">
           <a:xfrm>
-            <a:off x="2228849" y="1690688"/>
-            <a:ext cx="7173829" cy="5074617"/>
+            <a:off x="209524" y="3597905"/>
+            <a:ext cx="3676171" cy="2613747"/>
           </a:xfrm>
           <a:prstGeom prst="rect">
             <a:avLst/>
@@ -5713,10 +5764,104 @@
           </a:extLst>
         </p:spPr>
       </p:pic>
+      <p:pic>
+        <p:nvPicPr>
+          <p:cNvPr id="7172" name="Picture 4">
+            <a:extLst>
+              <a:ext uri="{FF2B5EF4-FFF2-40B4-BE49-F238E27FC236}">
+                <a16:creationId xmlns:a16="http://schemas.microsoft.com/office/drawing/2014/main" id="{7B4FA37C-E5F3-4309-6690-F8F379ACED74}"/>
+              </a:ext>
+            </a:extLst>
+          </p:cNvPr>
+          <p:cNvPicPr>
+            <a:picLocks noChangeAspect="1" noChangeArrowheads="1"/>
+          </p:cNvPicPr>
+          <p:nvPr/>
+        </p:nvPicPr>
+        <p:blipFill>
+          <a:blip r:embed="rId3">
+            <a:extLst>
+              <a:ext uri="{28A0092B-C50C-407E-A947-70E740481C1C}">
+                <a14:useLocalDpi xmlns:a14="http://schemas.microsoft.com/office/drawing/2010/main" val="0"/>
+              </a:ext>
+            </a:extLst>
+          </a:blip>
+          <a:srcRect/>
+          <a:stretch>
+            <a:fillRect/>
+          </a:stretch>
+        </p:blipFill>
+        <p:spPr bwMode="auto">
+          <a:xfrm>
+            <a:off x="4257914" y="3597905"/>
+            <a:ext cx="3676171" cy="2613748"/>
+          </a:xfrm>
+          <a:prstGeom prst="rect">
+            <a:avLst/>
+          </a:prstGeom>
+          <a:noFill/>
+          <a:extLst>
+            <a:ext uri="{909E8E84-426E-40DD-AFC4-6F175D3DCCD1}">
+              <a14:hiddenFill xmlns:a14="http://schemas.microsoft.com/office/drawing/2010/main">
+                <a:solidFill>
+                  <a:srgbClr val="FFFFFF"/>
+                </a:solidFill>
+              </a14:hiddenFill>
+            </a:ext>
+          </a:extLst>
+        </p:spPr>
+      </p:pic>
+      <p:pic>
+        <p:nvPicPr>
+          <p:cNvPr id="7174" name="Picture 6">
+            <a:extLst>
+              <a:ext uri="{FF2B5EF4-FFF2-40B4-BE49-F238E27FC236}">
+                <a16:creationId xmlns:a16="http://schemas.microsoft.com/office/drawing/2014/main" id="{0F6493CF-91CB-D6A1-419E-DD1E62A18CD5}"/>
+              </a:ext>
+            </a:extLst>
+          </p:cNvPr>
+          <p:cNvPicPr>
+            <a:picLocks noChangeAspect="1" noChangeArrowheads="1"/>
+          </p:cNvPicPr>
+          <p:nvPr/>
+        </p:nvPicPr>
+        <p:blipFill>
+          <a:blip r:embed="rId4">
+            <a:extLst>
+              <a:ext uri="{28A0092B-C50C-407E-A947-70E740481C1C}">
+                <a14:useLocalDpi xmlns:a14="http://schemas.microsoft.com/office/drawing/2010/main" val="0"/>
+              </a:ext>
+            </a:extLst>
+          </a:blip>
+          <a:srcRect/>
+          <a:stretch>
+            <a:fillRect/>
+          </a:stretch>
+        </p:blipFill>
+        <p:spPr bwMode="auto">
+          <a:xfrm>
+            <a:off x="8091696" y="3597905"/>
+            <a:ext cx="3676171" cy="2613748"/>
+          </a:xfrm>
+          <a:prstGeom prst="rect">
+            <a:avLst/>
+          </a:prstGeom>
+          <a:noFill/>
+          <a:extLst>
+            <a:ext uri="{909E8E84-426E-40DD-AFC4-6F175D3DCCD1}">
+              <a14:hiddenFill xmlns:a14="http://schemas.microsoft.com/office/drawing/2010/main">
+                <a:solidFill>
+                  <a:srgbClr val="FFFFFF"/>
+                </a:solidFill>
+              </a14:hiddenFill>
+            </a:ext>
+          </a:extLst>
+        </p:spPr>
+      </p:pic>
     </p:spTree>
     <p:extLst>
       <p:ext uri="{BB962C8B-B14F-4D97-AF65-F5344CB8AC3E}">
-        <p14:creationId xmlns:p14="http://schemas.microsoft.com/office/powerpoint/2010/main" val="3586080886"/>
+        <p14:creationId xmlns:p14="http://schemas.microsoft.com/office/powerpoint/2010/main" val="2593722877"/>
       </p:ext>
     </p:extLst>
   </p:cSld>
@@ -6021,6 +6166,108 @@
     <p:extLst>
       <p:ext uri="{BB962C8B-B14F-4D97-AF65-F5344CB8AC3E}">
         <p14:creationId xmlns:p14="http://schemas.microsoft.com/office/powerpoint/2010/main" val="1584959620"/>
+      </p:ext>
+    </p:extLst>
+  </p:cSld>
+  <p:clrMapOvr>
+    <a:masterClrMapping/>
+  </p:clrMapOvr>
+</p:sld>
+</file>
+
+<file path=ppt/slides/slide20.xml><?xml version="1.0" encoding="utf-8"?>
+<p:sld xmlns:a="http://schemas.openxmlformats.org/drawingml/2006/main" xmlns:r="http://schemas.openxmlformats.org/officeDocument/2006/relationships" xmlns:p="http://schemas.openxmlformats.org/presentationml/2006/main">
+  <p:cSld>
+    <p:spTree>
+      <p:nvGrpSpPr>
+        <p:cNvPr id="1" name=""/>
+        <p:cNvGrpSpPr/>
+        <p:nvPr/>
+      </p:nvGrpSpPr>
+      <p:grpSpPr>
+        <a:xfrm>
+          <a:off x="0" y="0"/>
+          <a:ext cx="0" cy="0"/>
+          <a:chOff x="0" y="0"/>
+          <a:chExt cx="0" cy="0"/>
+        </a:xfrm>
+      </p:grpSpPr>
+      <p:sp>
+        <p:nvSpPr>
+          <p:cNvPr id="2" name="Title 1">
+            <a:extLst>
+              <a:ext uri="{FF2B5EF4-FFF2-40B4-BE49-F238E27FC236}">
+                <a16:creationId xmlns:a16="http://schemas.microsoft.com/office/drawing/2014/main" id="{82A4BB28-B350-8F6A-5B47-2C7B4FA83426}"/>
+              </a:ext>
+            </a:extLst>
+          </p:cNvPr>
+          <p:cNvSpPr>
+            <a:spLocks noGrp="1"/>
+          </p:cNvSpPr>
+          <p:nvPr>
+            <p:ph type="title"/>
+          </p:nvPr>
+        </p:nvSpPr>
+        <p:spPr/>
+        <p:txBody>
+          <a:bodyPr/>
+          <a:lstStyle/>
+          <a:p>
+            <a:endParaRPr lang="en-US"/>
+          </a:p>
+        </p:txBody>
+      </p:sp>
+      <p:pic>
+        <p:nvPicPr>
+          <p:cNvPr id="1026" name="Picture 2">
+            <a:extLst>
+              <a:ext uri="{FF2B5EF4-FFF2-40B4-BE49-F238E27FC236}">
+                <a16:creationId xmlns:a16="http://schemas.microsoft.com/office/drawing/2014/main" id="{556A4AEA-540E-58E8-2BD7-5C8C39FC9585}"/>
+              </a:ext>
+            </a:extLst>
+          </p:cNvPr>
+          <p:cNvPicPr>
+            <a:picLocks noChangeAspect="1" noChangeArrowheads="1"/>
+          </p:cNvPicPr>
+          <p:nvPr/>
+        </p:nvPicPr>
+        <p:blipFill>
+          <a:blip r:embed="rId2">
+            <a:extLst>
+              <a:ext uri="{28A0092B-C50C-407E-A947-70E740481C1C}">
+                <a14:useLocalDpi xmlns:a14="http://schemas.microsoft.com/office/drawing/2010/main" val="0"/>
+              </a:ext>
+            </a:extLst>
+          </a:blip>
+          <a:srcRect/>
+          <a:stretch>
+            <a:fillRect/>
+          </a:stretch>
+        </p:blipFill>
+        <p:spPr bwMode="auto">
+          <a:xfrm>
+            <a:off x="2228849" y="1690688"/>
+            <a:ext cx="7173829" cy="5074617"/>
+          </a:xfrm>
+          <a:prstGeom prst="rect">
+            <a:avLst/>
+          </a:prstGeom>
+          <a:noFill/>
+          <a:extLst>
+            <a:ext uri="{909E8E84-426E-40DD-AFC4-6F175D3DCCD1}">
+              <a14:hiddenFill xmlns:a14="http://schemas.microsoft.com/office/drawing/2010/main">
+                <a:solidFill>
+                  <a:srgbClr val="FFFFFF"/>
+                </a:solidFill>
+              </a14:hiddenFill>
+            </a:ext>
+          </a:extLst>
+        </p:spPr>
+      </p:pic>
+    </p:spTree>
+    <p:extLst>
+      <p:ext uri="{BB962C8B-B14F-4D97-AF65-F5344CB8AC3E}">
+        <p14:creationId xmlns:p14="http://schemas.microsoft.com/office/powerpoint/2010/main" val="3586080886"/>
       </p:ext>
     </p:extLst>
   </p:cSld>

--- a/graphs/2bu1_Mutation_Graphs.pptx
+++ b/graphs/2bu1_Mutation_Graphs.pptx
@@ -278,7 +278,7 @@
           <a:p>
             <a:fld id="{EF639EA0-F1F0-6945-A897-517B500ABEA6}" type="datetimeFigureOut">
               <a:rPr lang="en-US" smtClean="0"/>
-              <a:t>6/21/24</a:t>
+              <a:t>7/9/24</a:t>
             </a:fld>
             <a:endParaRPr lang="en-US"/>
           </a:p>
@@ -476,7 +476,7 @@
           <a:p>
             <a:fld id="{EF639EA0-F1F0-6945-A897-517B500ABEA6}" type="datetimeFigureOut">
               <a:rPr lang="en-US" smtClean="0"/>
-              <a:t>6/21/24</a:t>
+              <a:t>7/9/24</a:t>
             </a:fld>
             <a:endParaRPr lang="en-US"/>
           </a:p>
@@ -684,7 +684,7 @@
           <a:p>
             <a:fld id="{EF639EA0-F1F0-6945-A897-517B500ABEA6}" type="datetimeFigureOut">
               <a:rPr lang="en-US" smtClean="0"/>
-              <a:t>6/21/24</a:t>
+              <a:t>7/9/24</a:t>
             </a:fld>
             <a:endParaRPr lang="en-US"/>
           </a:p>
@@ -882,7 +882,7 @@
           <a:p>
             <a:fld id="{EF639EA0-F1F0-6945-A897-517B500ABEA6}" type="datetimeFigureOut">
               <a:rPr lang="en-US" smtClean="0"/>
-              <a:t>6/21/24</a:t>
+              <a:t>7/9/24</a:t>
             </a:fld>
             <a:endParaRPr lang="en-US"/>
           </a:p>
@@ -1157,7 +1157,7 @@
           <a:p>
             <a:fld id="{EF639EA0-F1F0-6945-A897-517B500ABEA6}" type="datetimeFigureOut">
               <a:rPr lang="en-US" smtClean="0"/>
-              <a:t>6/21/24</a:t>
+              <a:t>7/9/24</a:t>
             </a:fld>
             <a:endParaRPr lang="en-US"/>
           </a:p>
@@ -1422,7 +1422,7 @@
           <a:p>
             <a:fld id="{EF639EA0-F1F0-6945-A897-517B500ABEA6}" type="datetimeFigureOut">
               <a:rPr lang="en-US" smtClean="0"/>
-              <a:t>6/21/24</a:t>
+              <a:t>7/9/24</a:t>
             </a:fld>
             <a:endParaRPr lang="en-US"/>
           </a:p>
@@ -1834,7 +1834,7 @@
           <a:p>
             <a:fld id="{EF639EA0-F1F0-6945-A897-517B500ABEA6}" type="datetimeFigureOut">
               <a:rPr lang="en-US" smtClean="0"/>
-              <a:t>6/21/24</a:t>
+              <a:t>7/9/24</a:t>
             </a:fld>
             <a:endParaRPr lang="en-US"/>
           </a:p>
@@ -1975,7 +1975,7 @@
           <a:p>
             <a:fld id="{EF639EA0-F1F0-6945-A897-517B500ABEA6}" type="datetimeFigureOut">
               <a:rPr lang="en-US" smtClean="0"/>
-              <a:t>6/21/24</a:t>
+              <a:t>7/9/24</a:t>
             </a:fld>
             <a:endParaRPr lang="en-US"/>
           </a:p>
@@ -2088,7 +2088,7 @@
           <a:p>
             <a:fld id="{EF639EA0-F1F0-6945-A897-517B500ABEA6}" type="datetimeFigureOut">
               <a:rPr lang="en-US" smtClean="0"/>
-              <a:t>6/21/24</a:t>
+              <a:t>7/9/24</a:t>
             </a:fld>
             <a:endParaRPr lang="en-US"/>
           </a:p>
@@ -2399,7 +2399,7 @@
           <a:p>
             <a:fld id="{EF639EA0-F1F0-6945-A897-517B500ABEA6}" type="datetimeFigureOut">
               <a:rPr lang="en-US" smtClean="0"/>
-              <a:t>6/21/24</a:t>
+              <a:t>7/9/24</a:t>
             </a:fld>
             <a:endParaRPr lang="en-US"/>
           </a:p>
@@ -2687,7 +2687,7 @@
           <a:p>
             <a:fld id="{EF639EA0-F1F0-6945-A897-517B500ABEA6}" type="datetimeFigureOut">
               <a:rPr lang="en-US" smtClean="0"/>
-              <a:t>6/21/24</a:t>
+              <a:t>7/9/24</a:t>
             </a:fld>
             <a:endParaRPr lang="en-US"/>
           </a:p>
@@ -2928,7 +2928,7 @@
           <a:p>
             <a:fld id="{EF639EA0-F1F0-6945-A897-517B500ABEA6}" type="datetimeFigureOut">
               <a:rPr lang="en-US" smtClean="0"/>
-              <a:t>6/21/24</a:t>
+              <a:t>7/9/24</a:t>
             </a:fld>
             <a:endParaRPr lang="en-US"/>
           </a:p>
@@ -3368,7 +3368,7 @@
           <a:p>
             <a:r>
               <a:rPr lang="en-US" dirty="0"/>
-              <a:t>Mutation Graphs</a:t>
+              <a:t>2BU1 RNA-Protein Complex</a:t>
             </a:r>
           </a:p>
         </p:txBody>
@@ -3394,7 +3394,7 @@
           <a:bodyPr/>
           <a:lstStyle/>
           <a:p>
-            <a:endParaRPr lang="en-US"/>
+            <a:endParaRPr lang="en-US" dirty="0"/>
           </a:p>
         </p:txBody>
       </p:sp>

--- a/graphs/2bu1_Mutation_Graphs.pptx
+++ b/graphs/2bu1_Mutation_Graphs.pptx
@@ -4,27 +4,23 @@
   <p:sldMasterIdLst>
     <p:sldMasterId id="2147483648" r:id="rId1"/>
   </p:sldMasterIdLst>
+  <p:notesMasterIdLst>
+    <p:notesMasterId r:id="rId15"/>
+  </p:notesMasterIdLst>
   <p:sldIdLst>
     <p:sldId id="256" r:id="rId2"/>
     <p:sldId id="281" r:id="rId3"/>
     <p:sldId id="261" r:id="rId4"/>
     <p:sldId id="257" r:id="rId5"/>
-    <p:sldId id="269" r:id="rId6"/>
-    <p:sldId id="279" r:id="rId7"/>
+    <p:sldId id="291" r:id="rId6"/>
+    <p:sldId id="292" r:id="rId7"/>
     <p:sldId id="258" r:id="rId8"/>
-    <p:sldId id="270" r:id="rId9"/>
-    <p:sldId id="288" r:id="rId10"/>
-    <p:sldId id="260" r:id="rId11"/>
-    <p:sldId id="271" r:id="rId12"/>
-    <p:sldId id="287" r:id="rId13"/>
-    <p:sldId id="262" r:id="rId14"/>
-    <p:sldId id="290" r:id="rId15"/>
-    <p:sldId id="272" r:id="rId16"/>
-    <p:sldId id="286" r:id="rId17"/>
-    <p:sldId id="263" r:id="rId18"/>
-    <p:sldId id="273" r:id="rId19"/>
-    <p:sldId id="285" r:id="rId20"/>
-    <p:sldId id="289" r:id="rId21"/>
+    <p:sldId id="260" r:id="rId9"/>
+    <p:sldId id="293" r:id="rId10"/>
+    <p:sldId id="262" r:id="rId11"/>
+    <p:sldId id="290" r:id="rId12"/>
+    <p:sldId id="263" r:id="rId13"/>
+    <p:sldId id="289" r:id="rId14"/>
   </p:sldIdLst>
   <p:sldSz cx="12192000" cy="6858000"/>
   <p:notesSz cx="6858000" cy="9144000"/>
@@ -131,6 +127,439 @@
 </p:presentation>
 </file>
 
+<file path=ppt/notesMasters/notesMaster1.xml><?xml version="1.0" encoding="utf-8"?>
+<p:notesMaster xmlns:a="http://schemas.openxmlformats.org/drawingml/2006/main" xmlns:r="http://schemas.openxmlformats.org/officeDocument/2006/relationships" xmlns:p="http://schemas.openxmlformats.org/presentationml/2006/main">
+  <p:cSld>
+    <p:bg>
+      <p:bgRef idx="1001">
+        <a:schemeClr val="bg1"/>
+      </p:bgRef>
+    </p:bg>
+    <p:spTree>
+      <p:nvGrpSpPr>
+        <p:cNvPr id="1" name=""/>
+        <p:cNvGrpSpPr/>
+        <p:nvPr/>
+      </p:nvGrpSpPr>
+      <p:grpSpPr>
+        <a:xfrm>
+          <a:off x="0" y="0"/>
+          <a:ext cx="0" cy="0"/>
+          <a:chOff x="0" y="0"/>
+          <a:chExt cx="0" cy="0"/>
+        </a:xfrm>
+      </p:grpSpPr>
+      <p:sp>
+        <p:nvSpPr>
+          <p:cNvPr id="2" name="Header Placeholder 1"/>
+          <p:cNvSpPr>
+            <a:spLocks noGrp="1"/>
+          </p:cNvSpPr>
+          <p:nvPr>
+            <p:ph type="hdr" sz="quarter"/>
+          </p:nvPr>
+        </p:nvSpPr>
+        <p:spPr>
+          <a:xfrm>
+            <a:off x="0" y="0"/>
+            <a:ext cx="2971800" cy="458788"/>
+          </a:xfrm>
+          <a:prstGeom prst="rect">
+            <a:avLst/>
+          </a:prstGeom>
+        </p:spPr>
+        <p:txBody>
+          <a:bodyPr vert="horz" lIns="91440" tIns="45720" rIns="91440" bIns="45720" rtlCol="0"/>
+          <a:lstStyle>
+            <a:lvl1pPr algn="l">
+              <a:defRPr sz="1200"/>
+            </a:lvl1pPr>
+          </a:lstStyle>
+          <a:p>
+            <a:endParaRPr lang="en-US"/>
+          </a:p>
+        </p:txBody>
+      </p:sp>
+      <p:sp>
+        <p:nvSpPr>
+          <p:cNvPr id="3" name="Date Placeholder 2"/>
+          <p:cNvSpPr>
+            <a:spLocks noGrp="1"/>
+          </p:cNvSpPr>
+          <p:nvPr>
+            <p:ph type="dt" idx="1"/>
+          </p:nvPr>
+        </p:nvSpPr>
+        <p:spPr>
+          <a:xfrm>
+            <a:off x="3884613" y="0"/>
+            <a:ext cx="2971800" cy="458788"/>
+          </a:xfrm>
+          <a:prstGeom prst="rect">
+            <a:avLst/>
+          </a:prstGeom>
+        </p:spPr>
+        <p:txBody>
+          <a:bodyPr vert="horz" lIns="91440" tIns="45720" rIns="91440" bIns="45720" rtlCol="0"/>
+          <a:lstStyle>
+            <a:lvl1pPr algn="r">
+              <a:defRPr sz="1200"/>
+            </a:lvl1pPr>
+          </a:lstStyle>
+          <a:p>
+            <a:fld id="{56849368-99C1-7541-BFC8-25F3442D726D}" type="datetimeFigureOut">
+              <a:rPr lang="en-US" smtClean="0"/>
+              <a:t>7/16/24</a:t>
+            </a:fld>
+            <a:endParaRPr lang="en-US"/>
+          </a:p>
+        </p:txBody>
+      </p:sp>
+      <p:sp>
+        <p:nvSpPr>
+          <p:cNvPr id="4" name="Slide Image Placeholder 3"/>
+          <p:cNvSpPr>
+            <a:spLocks noGrp="1" noRot="1" noChangeAspect="1"/>
+          </p:cNvSpPr>
+          <p:nvPr>
+            <p:ph type="sldImg" idx="2"/>
+          </p:nvPr>
+        </p:nvSpPr>
+        <p:spPr>
+          <a:xfrm>
+            <a:off x="685800" y="1143000"/>
+            <a:ext cx="5486400" cy="3086100"/>
+          </a:xfrm>
+          <a:prstGeom prst="rect">
+            <a:avLst/>
+          </a:prstGeom>
+          <a:noFill/>
+          <a:ln w="12700">
+            <a:solidFill>
+              <a:prstClr val="black"/>
+            </a:solidFill>
+          </a:ln>
+        </p:spPr>
+        <p:txBody>
+          <a:bodyPr vert="horz" lIns="91440" tIns="45720" rIns="91440" bIns="45720" rtlCol="0" anchor="ctr"/>
+          <a:lstStyle/>
+          <a:p>
+            <a:endParaRPr lang="en-US"/>
+          </a:p>
+        </p:txBody>
+      </p:sp>
+      <p:sp>
+        <p:nvSpPr>
+          <p:cNvPr id="5" name="Notes Placeholder 4"/>
+          <p:cNvSpPr>
+            <a:spLocks noGrp="1"/>
+          </p:cNvSpPr>
+          <p:nvPr>
+            <p:ph type="body" sz="quarter" idx="3"/>
+          </p:nvPr>
+        </p:nvSpPr>
+        <p:spPr>
+          <a:xfrm>
+            <a:off x="685800" y="4400550"/>
+            <a:ext cx="5486400" cy="3600450"/>
+          </a:xfrm>
+          <a:prstGeom prst="rect">
+            <a:avLst/>
+          </a:prstGeom>
+        </p:spPr>
+        <p:txBody>
+          <a:bodyPr vert="horz" lIns="91440" tIns="45720" rIns="91440" bIns="45720" rtlCol="0"/>
+          <a:lstStyle/>
+          <a:p>
+            <a:pPr lvl="0"/>
+            <a:r>
+              <a:rPr lang="en-US"/>
+              <a:t>Click to edit Master text styles</a:t>
+            </a:r>
+          </a:p>
+          <a:p>
+            <a:pPr lvl="1"/>
+            <a:r>
+              <a:rPr lang="en-US"/>
+              <a:t>Second level</a:t>
+            </a:r>
+          </a:p>
+          <a:p>
+            <a:pPr lvl="2"/>
+            <a:r>
+              <a:rPr lang="en-US"/>
+              <a:t>Third level</a:t>
+            </a:r>
+          </a:p>
+          <a:p>
+            <a:pPr lvl="3"/>
+            <a:r>
+              <a:rPr lang="en-US"/>
+              <a:t>Fourth level</a:t>
+            </a:r>
+          </a:p>
+          <a:p>
+            <a:pPr lvl="4"/>
+            <a:r>
+              <a:rPr lang="en-US"/>
+              <a:t>Fifth level</a:t>
+            </a:r>
+          </a:p>
+        </p:txBody>
+      </p:sp>
+      <p:sp>
+        <p:nvSpPr>
+          <p:cNvPr id="6" name="Footer Placeholder 5"/>
+          <p:cNvSpPr>
+            <a:spLocks noGrp="1"/>
+          </p:cNvSpPr>
+          <p:nvPr>
+            <p:ph type="ftr" sz="quarter" idx="4"/>
+          </p:nvPr>
+        </p:nvSpPr>
+        <p:spPr>
+          <a:xfrm>
+            <a:off x="0" y="8685213"/>
+            <a:ext cx="2971800" cy="458787"/>
+          </a:xfrm>
+          <a:prstGeom prst="rect">
+            <a:avLst/>
+          </a:prstGeom>
+        </p:spPr>
+        <p:txBody>
+          <a:bodyPr vert="horz" lIns="91440" tIns="45720" rIns="91440" bIns="45720" rtlCol="0" anchor="b"/>
+          <a:lstStyle>
+            <a:lvl1pPr algn="l">
+              <a:defRPr sz="1200"/>
+            </a:lvl1pPr>
+          </a:lstStyle>
+          <a:p>
+            <a:endParaRPr lang="en-US"/>
+          </a:p>
+        </p:txBody>
+      </p:sp>
+      <p:sp>
+        <p:nvSpPr>
+          <p:cNvPr id="7" name="Slide Number Placeholder 6"/>
+          <p:cNvSpPr>
+            <a:spLocks noGrp="1"/>
+          </p:cNvSpPr>
+          <p:nvPr>
+            <p:ph type="sldNum" sz="quarter" idx="5"/>
+          </p:nvPr>
+        </p:nvSpPr>
+        <p:spPr>
+          <a:xfrm>
+            <a:off x="3884613" y="8685213"/>
+            <a:ext cx="2971800" cy="458787"/>
+          </a:xfrm>
+          <a:prstGeom prst="rect">
+            <a:avLst/>
+          </a:prstGeom>
+        </p:spPr>
+        <p:txBody>
+          <a:bodyPr vert="horz" lIns="91440" tIns="45720" rIns="91440" bIns="45720" rtlCol="0" anchor="b"/>
+          <a:lstStyle>
+            <a:lvl1pPr algn="r">
+              <a:defRPr sz="1200"/>
+            </a:lvl1pPr>
+          </a:lstStyle>
+          <a:p>
+            <a:fld id="{337DD649-BB4E-D44E-AFB8-DE3C98B1D0CB}" type="slidenum">
+              <a:rPr lang="en-US" smtClean="0"/>
+              <a:t>‹#›</a:t>
+            </a:fld>
+            <a:endParaRPr lang="en-US"/>
+          </a:p>
+        </p:txBody>
+      </p:sp>
+    </p:spTree>
+    <p:extLst>
+      <p:ext uri="{BB962C8B-B14F-4D97-AF65-F5344CB8AC3E}">
+        <p14:creationId xmlns:p14="http://schemas.microsoft.com/office/powerpoint/2010/main" val="780989136"/>
+      </p:ext>
+    </p:extLst>
+  </p:cSld>
+  <p:clrMap bg1="lt1" tx1="dk1" bg2="lt2" tx2="dk2" accent1="accent1" accent2="accent2" accent3="accent3" accent4="accent4" accent5="accent5" accent6="accent6" hlink="hlink" folHlink="folHlink"/>
+  <p:notesStyle>
+    <a:lvl1pPr marL="0" algn="l" defTabSz="914400" rtl="0" eaLnBrk="1" latinLnBrk="0" hangingPunct="1">
+      <a:defRPr sz="1200" kern="1200">
+        <a:solidFill>
+          <a:schemeClr val="tx1"/>
+        </a:solidFill>
+        <a:latin typeface="+mn-lt"/>
+        <a:ea typeface="+mn-ea"/>
+        <a:cs typeface="+mn-cs"/>
+      </a:defRPr>
+    </a:lvl1pPr>
+    <a:lvl2pPr marL="457200" algn="l" defTabSz="914400" rtl="0" eaLnBrk="1" latinLnBrk="0" hangingPunct="1">
+      <a:defRPr sz="1200" kern="1200">
+        <a:solidFill>
+          <a:schemeClr val="tx1"/>
+        </a:solidFill>
+        <a:latin typeface="+mn-lt"/>
+        <a:ea typeface="+mn-ea"/>
+        <a:cs typeface="+mn-cs"/>
+      </a:defRPr>
+    </a:lvl2pPr>
+    <a:lvl3pPr marL="914400" algn="l" defTabSz="914400" rtl="0" eaLnBrk="1" latinLnBrk="0" hangingPunct="1">
+      <a:defRPr sz="1200" kern="1200">
+        <a:solidFill>
+          <a:schemeClr val="tx1"/>
+        </a:solidFill>
+        <a:latin typeface="+mn-lt"/>
+        <a:ea typeface="+mn-ea"/>
+        <a:cs typeface="+mn-cs"/>
+      </a:defRPr>
+    </a:lvl3pPr>
+    <a:lvl4pPr marL="1371600" algn="l" defTabSz="914400" rtl="0" eaLnBrk="1" latinLnBrk="0" hangingPunct="1">
+      <a:defRPr sz="1200" kern="1200">
+        <a:solidFill>
+          <a:schemeClr val="tx1"/>
+        </a:solidFill>
+        <a:latin typeface="+mn-lt"/>
+        <a:ea typeface="+mn-ea"/>
+        <a:cs typeface="+mn-cs"/>
+      </a:defRPr>
+    </a:lvl4pPr>
+    <a:lvl5pPr marL="1828800" algn="l" defTabSz="914400" rtl="0" eaLnBrk="1" latinLnBrk="0" hangingPunct="1">
+      <a:defRPr sz="1200" kern="1200">
+        <a:solidFill>
+          <a:schemeClr val="tx1"/>
+        </a:solidFill>
+        <a:latin typeface="+mn-lt"/>
+        <a:ea typeface="+mn-ea"/>
+        <a:cs typeface="+mn-cs"/>
+      </a:defRPr>
+    </a:lvl5pPr>
+    <a:lvl6pPr marL="2286000" algn="l" defTabSz="914400" rtl="0" eaLnBrk="1" latinLnBrk="0" hangingPunct="1">
+      <a:defRPr sz="1200" kern="1200">
+        <a:solidFill>
+          <a:schemeClr val="tx1"/>
+        </a:solidFill>
+        <a:latin typeface="+mn-lt"/>
+        <a:ea typeface="+mn-ea"/>
+        <a:cs typeface="+mn-cs"/>
+      </a:defRPr>
+    </a:lvl6pPr>
+    <a:lvl7pPr marL="2743200" algn="l" defTabSz="914400" rtl="0" eaLnBrk="1" latinLnBrk="0" hangingPunct="1">
+      <a:defRPr sz="1200" kern="1200">
+        <a:solidFill>
+          <a:schemeClr val="tx1"/>
+        </a:solidFill>
+        <a:latin typeface="+mn-lt"/>
+        <a:ea typeface="+mn-ea"/>
+        <a:cs typeface="+mn-cs"/>
+      </a:defRPr>
+    </a:lvl7pPr>
+    <a:lvl8pPr marL="3200400" algn="l" defTabSz="914400" rtl="0" eaLnBrk="1" latinLnBrk="0" hangingPunct="1">
+      <a:defRPr sz="1200" kern="1200">
+        <a:solidFill>
+          <a:schemeClr val="tx1"/>
+        </a:solidFill>
+        <a:latin typeface="+mn-lt"/>
+        <a:ea typeface="+mn-ea"/>
+        <a:cs typeface="+mn-cs"/>
+      </a:defRPr>
+    </a:lvl8pPr>
+    <a:lvl9pPr marL="3657600" algn="l" defTabSz="914400" rtl="0" eaLnBrk="1" latinLnBrk="0" hangingPunct="1">
+      <a:defRPr sz="1200" kern="1200">
+        <a:solidFill>
+          <a:schemeClr val="tx1"/>
+        </a:solidFill>
+        <a:latin typeface="+mn-lt"/>
+        <a:ea typeface="+mn-ea"/>
+        <a:cs typeface="+mn-cs"/>
+      </a:defRPr>
+    </a:lvl9pPr>
+  </p:notesStyle>
+</p:notesMaster>
+</file>
+
+<file path=ppt/notesSlides/notesSlide1.xml><?xml version="1.0" encoding="utf-8"?>
+<p:notes xmlns:a="http://schemas.openxmlformats.org/drawingml/2006/main" xmlns:r="http://schemas.openxmlformats.org/officeDocument/2006/relationships" xmlns:p="http://schemas.openxmlformats.org/presentationml/2006/main">
+  <p:cSld>
+    <p:spTree>
+      <p:nvGrpSpPr>
+        <p:cNvPr id="1" name=""/>
+        <p:cNvGrpSpPr/>
+        <p:nvPr/>
+      </p:nvGrpSpPr>
+      <p:grpSpPr>
+        <a:xfrm>
+          <a:off x="0" y="0"/>
+          <a:ext cx="0" cy="0"/>
+          <a:chOff x="0" y="0"/>
+          <a:chExt cx="0" cy="0"/>
+        </a:xfrm>
+      </p:grpSpPr>
+      <p:sp>
+        <p:nvSpPr>
+          <p:cNvPr id="2" name="Slide Image Placeholder 1"/>
+          <p:cNvSpPr>
+            <a:spLocks noGrp="1" noRot="1" noChangeAspect="1"/>
+          </p:cNvSpPr>
+          <p:nvPr>
+            <p:ph type="sldImg"/>
+          </p:nvPr>
+        </p:nvSpPr>
+        <p:spPr/>
+      </p:sp>
+      <p:sp>
+        <p:nvSpPr>
+          <p:cNvPr id="3" name="Notes Placeholder 2"/>
+          <p:cNvSpPr>
+            <a:spLocks noGrp="1"/>
+          </p:cNvSpPr>
+          <p:nvPr>
+            <p:ph type="body" idx="1"/>
+          </p:nvPr>
+        </p:nvSpPr>
+        <p:spPr/>
+        <p:txBody>
+          <a:bodyPr/>
+          <a:lstStyle/>
+          <a:p>
+            <a:endParaRPr lang="en-US" dirty="0"/>
+          </a:p>
+        </p:txBody>
+      </p:sp>
+      <p:sp>
+        <p:nvSpPr>
+          <p:cNvPr id="4" name="Slide Number Placeholder 3"/>
+          <p:cNvSpPr>
+            <a:spLocks noGrp="1"/>
+          </p:cNvSpPr>
+          <p:nvPr>
+            <p:ph type="sldNum" sz="quarter" idx="5"/>
+          </p:nvPr>
+        </p:nvSpPr>
+        <p:spPr/>
+        <p:txBody>
+          <a:bodyPr/>
+          <a:lstStyle/>
+          <a:p>
+            <a:fld id="{337DD649-BB4E-D44E-AFB8-DE3C98B1D0CB}" type="slidenum">
+              <a:rPr lang="en-US" smtClean="0"/>
+              <a:t>4</a:t>
+            </a:fld>
+            <a:endParaRPr lang="en-US"/>
+          </a:p>
+        </p:txBody>
+      </p:sp>
+    </p:spTree>
+    <p:extLst>
+      <p:ext uri="{BB962C8B-B14F-4D97-AF65-F5344CB8AC3E}">
+        <p14:creationId xmlns:p14="http://schemas.microsoft.com/office/powerpoint/2010/main" val="1650293373"/>
+      </p:ext>
+    </p:extLst>
+  </p:cSld>
+  <p:clrMapOvr>
+    <a:masterClrMapping/>
+  </p:clrMapOvr>
+</p:notes>
+</file>
+
 <file path=ppt/slideLayouts/slideLayout1.xml><?xml version="1.0" encoding="utf-8"?>
 <p:sldLayout xmlns:a="http://schemas.openxmlformats.org/drawingml/2006/main" xmlns:r="http://schemas.openxmlformats.org/officeDocument/2006/relationships" xmlns:p="http://schemas.openxmlformats.org/presentationml/2006/main" type="title" preserve="1">
   <p:cSld name="Title Slide">
@@ -278,7 +707,7 @@
           <a:p>
             <a:fld id="{EF639EA0-F1F0-6945-A897-517B500ABEA6}" type="datetimeFigureOut">
               <a:rPr lang="en-US" smtClean="0"/>
-              <a:t>7/9/24</a:t>
+              <a:t>7/15/24</a:t>
             </a:fld>
             <a:endParaRPr lang="en-US"/>
           </a:p>
@@ -476,7 +905,7 @@
           <a:p>
             <a:fld id="{EF639EA0-F1F0-6945-A897-517B500ABEA6}" type="datetimeFigureOut">
               <a:rPr lang="en-US" smtClean="0"/>
-              <a:t>7/9/24</a:t>
+              <a:t>7/15/24</a:t>
             </a:fld>
             <a:endParaRPr lang="en-US"/>
           </a:p>
@@ -684,7 +1113,7 @@
           <a:p>
             <a:fld id="{EF639EA0-F1F0-6945-A897-517B500ABEA6}" type="datetimeFigureOut">
               <a:rPr lang="en-US" smtClean="0"/>
-              <a:t>7/9/24</a:t>
+              <a:t>7/15/24</a:t>
             </a:fld>
             <a:endParaRPr lang="en-US"/>
           </a:p>
@@ -882,7 +1311,7 @@
           <a:p>
             <a:fld id="{EF639EA0-F1F0-6945-A897-517B500ABEA6}" type="datetimeFigureOut">
               <a:rPr lang="en-US" smtClean="0"/>
-              <a:t>7/9/24</a:t>
+              <a:t>7/15/24</a:t>
             </a:fld>
             <a:endParaRPr lang="en-US"/>
           </a:p>
@@ -1157,7 +1586,7 @@
           <a:p>
             <a:fld id="{EF639EA0-F1F0-6945-A897-517B500ABEA6}" type="datetimeFigureOut">
               <a:rPr lang="en-US" smtClean="0"/>
-              <a:t>7/9/24</a:t>
+              <a:t>7/15/24</a:t>
             </a:fld>
             <a:endParaRPr lang="en-US"/>
           </a:p>
@@ -1422,7 +1851,7 @@
           <a:p>
             <a:fld id="{EF639EA0-F1F0-6945-A897-517B500ABEA6}" type="datetimeFigureOut">
               <a:rPr lang="en-US" smtClean="0"/>
-              <a:t>7/9/24</a:t>
+              <a:t>7/15/24</a:t>
             </a:fld>
             <a:endParaRPr lang="en-US"/>
           </a:p>
@@ -1834,7 +2263,7 @@
           <a:p>
             <a:fld id="{EF639EA0-F1F0-6945-A897-517B500ABEA6}" type="datetimeFigureOut">
               <a:rPr lang="en-US" smtClean="0"/>
-              <a:t>7/9/24</a:t>
+              <a:t>7/15/24</a:t>
             </a:fld>
             <a:endParaRPr lang="en-US"/>
           </a:p>
@@ -1975,7 +2404,7 @@
           <a:p>
             <a:fld id="{EF639EA0-F1F0-6945-A897-517B500ABEA6}" type="datetimeFigureOut">
               <a:rPr lang="en-US" smtClean="0"/>
-              <a:t>7/9/24</a:t>
+              <a:t>7/15/24</a:t>
             </a:fld>
             <a:endParaRPr lang="en-US"/>
           </a:p>
@@ -2088,7 +2517,7 @@
           <a:p>
             <a:fld id="{EF639EA0-F1F0-6945-A897-517B500ABEA6}" type="datetimeFigureOut">
               <a:rPr lang="en-US" smtClean="0"/>
-              <a:t>7/9/24</a:t>
+              <a:t>7/15/24</a:t>
             </a:fld>
             <a:endParaRPr lang="en-US"/>
           </a:p>
@@ -2399,7 +2828,7 @@
           <a:p>
             <a:fld id="{EF639EA0-F1F0-6945-A897-517B500ABEA6}" type="datetimeFigureOut">
               <a:rPr lang="en-US" smtClean="0"/>
-              <a:t>7/9/24</a:t>
+              <a:t>7/15/24</a:t>
             </a:fld>
             <a:endParaRPr lang="en-US"/>
           </a:p>
@@ -2687,7 +3116,7 @@
           <a:p>
             <a:fld id="{EF639EA0-F1F0-6945-A897-517B500ABEA6}" type="datetimeFigureOut">
               <a:rPr lang="en-US" smtClean="0"/>
-              <a:t>7/9/24</a:t>
+              <a:t>7/15/24</a:t>
             </a:fld>
             <a:endParaRPr lang="en-US"/>
           </a:p>
@@ -2928,7 +3357,7 @@
           <a:p>
             <a:fld id="{EF639EA0-F1F0-6945-A897-517B500ABEA6}" type="datetimeFigureOut">
               <a:rPr lang="en-US" smtClean="0"/>
-              <a:t>7/9/24</a:t>
+              <a:t>7/15/24</a:t>
             </a:fld>
             <a:endParaRPr lang="en-US"/>
           </a:p>
@@ -3451,7 +3880,7 @@
           <a:p>
             <a:r>
               <a:rPr lang="en-US" dirty="0"/>
-              <a:t>2BU1_Triple Mutation – PHI 9.5</a:t>
+              <a:t>2BU1_Quadruple Mutation – PHI 9.5</a:t>
             </a:r>
           </a:p>
         </p:txBody>
@@ -3486,29 +3915,29 @@
           <a:p>
             <a:r>
               <a:rPr lang="en-US" dirty="0"/>
-              <a:t>Pearson rank correlation coefficient: 0.534 </a:t>
+              <a:t>Pearson rank correlation coefficient: -0.547 </a:t>
             </a:r>
           </a:p>
           <a:p>
             <a:r>
               <a:rPr lang="en-US" dirty="0"/>
-              <a:t>Spearman rank correlation coefficient: 0.564 </a:t>
+              <a:t>Spearman rank correlation coefficient: -0.683 </a:t>
             </a:r>
           </a:p>
           <a:p>
             <a:r>
               <a:rPr lang="en-US" dirty="0"/>
-              <a:t>Coefficient of Determination (R^2): 0.285</a:t>
+              <a:t>Coefficient of Determination (R^2): 0.300</a:t>
             </a:r>
           </a:p>
         </p:txBody>
       </p:sp>
       <p:pic>
         <p:nvPicPr>
-          <p:cNvPr id="2056" name="Picture 8">
-            <a:extLst>
-              <a:ext uri="{FF2B5EF4-FFF2-40B4-BE49-F238E27FC236}">
-                <a16:creationId xmlns:a16="http://schemas.microsoft.com/office/drawing/2014/main" id="{2F085580-2FB3-EBD0-07C5-BBF1047EA761}"/>
+          <p:cNvPr id="4098" name="Picture 2">
+            <a:extLst>
+              <a:ext uri="{FF2B5EF4-FFF2-40B4-BE49-F238E27FC236}">
+                <a16:creationId xmlns:a16="http://schemas.microsoft.com/office/drawing/2014/main" id="{A24F51CE-4CFA-F28D-8773-F0E86FC6405F}"/>
               </a:ext>
             </a:extLst>
           </p:cNvPr>
@@ -3532,8 +3961,8 @@
         </p:blipFill>
         <p:spPr bwMode="auto">
           <a:xfrm>
-            <a:off x="415376" y="3426256"/>
-            <a:ext cx="3470319" cy="2467388"/>
+            <a:off x="339665" y="3429000"/>
+            <a:ext cx="3733333" cy="2640882"/>
           </a:xfrm>
           <a:prstGeom prst="rect">
             <a:avLst/>
@@ -3552,10 +3981,10 @@
       </p:pic>
       <p:pic>
         <p:nvPicPr>
-          <p:cNvPr id="2058" name="Picture 10">
-            <a:extLst>
-              <a:ext uri="{FF2B5EF4-FFF2-40B4-BE49-F238E27FC236}">
-                <a16:creationId xmlns:a16="http://schemas.microsoft.com/office/drawing/2014/main" id="{2FDCCDD0-180B-E8EA-1B16-ECDF06A0D9DE}"/>
+          <p:cNvPr id="4100" name="Picture 4">
+            <a:extLst>
+              <a:ext uri="{FF2B5EF4-FFF2-40B4-BE49-F238E27FC236}">
+                <a16:creationId xmlns:a16="http://schemas.microsoft.com/office/drawing/2014/main" id="{AF20DFF8-3317-1507-1BB8-FF7032EC763A}"/>
               </a:ext>
             </a:extLst>
           </p:cNvPr>
@@ -3579,8 +4008,8 @@
         </p:blipFill>
         <p:spPr bwMode="auto">
           <a:xfrm>
-            <a:off x="4360840" y="3426256"/>
-            <a:ext cx="3470319" cy="2467388"/>
+            <a:off x="4195493" y="3429000"/>
+            <a:ext cx="3733333" cy="2640882"/>
           </a:xfrm>
           <a:prstGeom prst="rect">
             <a:avLst/>
@@ -3599,10 +4028,10 @@
       </p:pic>
       <p:pic>
         <p:nvPicPr>
-          <p:cNvPr id="2060" name="Picture 12">
-            <a:extLst>
-              <a:ext uri="{FF2B5EF4-FFF2-40B4-BE49-F238E27FC236}">
-                <a16:creationId xmlns:a16="http://schemas.microsoft.com/office/drawing/2014/main" id="{55CA8150-3530-44F2-F911-5C56265A81DA}"/>
+          <p:cNvPr id="4102" name="Picture 6">
+            <a:extLst>
+              <a:ext uri="{FF2B5EF4-FFF2-40B4-BE49-F238E27FC236}">
+                <a16:creationId xmlns:a16="http://schemas.microsoft.com/office/drawing/2014/main" id="{7FE5D301-EB40-6F83-BA78-A598B51CB6D9}"/>
               </a:ext>
             </a:extLst>
           </p:cNvPr>
@@ -3626,8 +4055,8 @@
         </p:blipFill>
         <p:spPr bwMode="auto">
           <a:xfrm>
-            <a:off x="8306304" y="3426256"/>
-            <a:ext cx="3470319" cy="2467388"/>
+            <a:off x="8051321" y="3429000"/>
+            <a:ext cx="3733333" cy="2640882"/>
           </a:xfrm>
           <a:prstGeom prst="rect">
             <a:avLst/>
@@ -3647,7 +4076,7 @@
     </p:spTree>
     <p:extLst>
       <p:ext uri="{BB962C8B-B14F-4D97-AF65-F5344CB8AC3E}">
-        <p14:creationId xmlns:p14="http://schemas.microsoft.com/office/powerpoint/2010/main" val="2653126709"/>
+        <p14:creationId xmlns:p14="http://schemas.microsoft.com/office/powerpoint/2010/main" val="496056434"/>
       </p:ext>
     </p:extLst>
   </p:cSld>
@@ -3697,7 +4126,7 @@
           <a:p>
             <a:r>
               <a:rPr lang="en-US" dirty="0"/>
-              <a:t>2BU1+1AQ3_Triple Mutation – PHI 9.5</a:t>
+              <a:t>2BU1_AF_Quadruple Mutation – PHI 9.5</a:t>
             </a:r>
           </a:p>
         </p:txBody>
@@ -3732,29 +4161,29 @@
           <a:p>
             <a:r>
               <a:rPr lang="en-US" dirty="0"/>
-              <a:t>Pearson rank correlation coefficient: 0.299 </a:t>
+              <a:t>Pearson rank correlation coefficient: -0.162 </a:t>
             </a:r>
           </a:p>
           <a:p>
             <a:r>
               <a:rPr lang="en-US" dirty="0"/>
-              <a:t>Spearman rank correlation coefficient: 0.299 </a:t>
+              <a:t>Spearman rank correlation coefficient: 0.052 </a:t>
             </a:r>
           </a:p>
           <a:p>
             <a:r>
               <a:rPr lang="en-US" dirty="0"/>
-              <a:t>Coefficient of Determination (R^2): 0.090</a:t>
+              <a:t>Coefficient of Determination (R^2): 0.026</a:t>
             </a:r>
           </a:p>
         </p:txBody>
       </p:sp>
       <p:pic>
         <p:nvPicPr>
-          <p:cNvPr id="9218" name="Picture 2">
-            <a:extLst>
-              <a:ext uri="{FF2B5EF4-FFF2-40B4-BE49-F238E27FC236}">
-                <a16:creationId xmlns:a16="http://schemas.microsoft.com/office/drawing/2014/main" id="{ABA032D6-5602-93B9-E6A4-9AB2EEFFFEBA}"/>
+          <p:cNvPr id="3" name="Picture 2">
+            <a:extLst>
+              <a:ext uri="{FF2B5EF4-FFF2-40B4-BE49-F238E27FC236}">
+                <a16:creationId xmlns:a16="http://schemas.microsoft.com/office/drawing/2014/main" id="{AF28E8B8-4836-7F8B-9985-4BA3582A8A4D}"/>
               </a:ext>
             </a:extLst>
           </p:cNvPr>
@@ -3778,8 +4207,8 @@
         </p:blipFill>
         <p:spPr bwMode="auto">
           <a:xfrm>
-            <a:off x="408395" y="3320249"/>
-            <a:ext cx="3658463" cy="2601158"/>
+            <a:off x="320183" y="3181350"/>
+            <a:ext cx="3879245" cy="2744097"/>
           </a:xfrm>
           <a:prstGeom prst="rect">
             <a:avLst/>
@@ -3798,10 +4227,10 @@
       </p:pic>
       <p:pic>
         <p:nvPicPr>
-          <p:cNvPr id="9220" name="Picture 4">
-            <a:extLst>
-              <a:ext uri="{FF2B5EF4-FFF2-40B4-BE49-F238E27FC236}">
-                <a16:creationId xmlns:a16="http://schemas.microsoft.com/office/drawing/2014/main" id="{12283549-8A16-AE28-EA73-32F3FD6C98FD}"/>
+          <p:cNvPr id="5" name="Picture 4">
+            <a:extLst>
+              <a:ext uri="{FF2B5EF4-FFF2-40B4-BE49-F238E27FC236}">
+                <a16:creationId xmlns:a16="http://schemas.microsoft.com/office/drawing/2014/main" id="{9C568C53-C70B-5941-7238-4E4FF9AC7A58}"/>
               </a:ext>
             </a:extLst>
           </p:cNvPr>
@@ -3825,8 +4254,8 @@
         </p:blipFill>
         <p:spPr bwMode="auto">
           <a:xfrm>
-            <a:off x="4266768" y="3320249"/>
-            <a:ext cx="3658463" cy="2601158"/>
+            <a:off x="4252912" y="3181350"/>
+            <a:ext cx="3879245" cy="2744097"/>
           </a:xfrm>
           <a:prstGeom prst="rect">
             <a:avLst/>
@@ -3845,10 +4274,10 @@
       </p:pic>
       <p:pic>
         <p:nvPicPr>
-          <p:cNvPr id="9222" name="Picture 6">
-            <a:extLst>
-              <a:ext uri="{FF2B5EF4-FFF2-40B4-BE49-F238E27FC236}">
-                <a16:creationId xmlns:a16="http://schemas.microsoft.com/office/drawing/2014/main" id="{BCF84CE1-644A-2C8A-CFA7-C130F3F6FED2}"/>
+          <p:cNvPr id="6" name="Picture 6">
+            <a:extLst>
+              <a:ext uri="{FF2B5EF4-FFF2-40B4-BE49-F238E27FC236}">
+                <a16:creationId xmlns:a16="http://schemas.microsoft.com/office/drawing/2014/main" id="{77CAA93A-4AAE-32A3-5420-21E1A2196EB5}"/>
               </a:ext>
             </a:extLst>
           </p:cNvPr>
@@ -3872,8 +4301,8 @@
         </p:blipFill>
         <p:spPr bwMode="auto">
           <a:xfrm>
-            <a:off x="8125141" y="3320249"/>
-            <a:ext cx="3658463" cy="2601158"/>
+            <a:off x="8239125" y="3181350"/>
+            <a:ext cx="3879245" cy="2744097"/>
           </a:xfrm>
           <a:prstGeom prst="rect">
             <a:avLst/>
@@ -3893,7 +4322,7 @@
     </p:spTree>
     <p:extLst>
       <p:ext uri="{BB962C8B-B14F-4D97-AF65-F5344CB8AC3E}">
-        <p14:creationId xmlns:p14="http://schemas.microsoft.com/office/powerpoint/2010/main" val="2565504471"/>
+        <p14:creationId xmlns:p14="http://schemas.microsoft.com/office/powerpoint/2010/main" val="3811455824"/>
       </p:ext>
     </p:extLst>
   </p:cSld>
@@ -3943,7 +4372,7 @@
           <a:p>
             <a:r>
               <a:rPr lang="en-US" dirty="0"/>
-              <a:t>2BU1+1U1Y_Triple Mutation – PHI 9.5</a:t>
+              <a:t>2BU1_Quintuple Mutation – PHI 9.5</a:t>
             </a:r>
           </a:p>
         </p:txBody>
@@ -3978,29 +4407,29 @@
           <a:p>
             <a:r>
               <a:rPr lang="en-US" dirty="0"/>
-              <a:t>Pearson rank correlation coefficient: -0.053 </a:t>
+              <a:t>Pearson rank correlation coefficient: -0.829 </a:t>
             </a:r>
           </a:p>
           <a:p>
             <a:r>
               <a:rPr lang="en-US" dirty="0"/>
-              <a:t>Spearman rank correlation coefficient: -0.103 </a:t>
+              <a:t>Spearman rank correlation coefficient: -0.738 </a:t>
             </a:r>
           </a:p>
           <a:p>
             <a:r>
               <a:rPr lang="en-US" dirty="0"/>
-              <a:t>Coefficient of Determination (R^2): 0.003</a:t>
+              <a:t>Coefficient of Determination (R^2): 0.687</a:t>
             </a:r>
           </a:p>
         </p:txBody>
       </p:sp>
       <p:pic>
         <p:nvPicPr>
-          <p:cNvPr id="3" name="Picture 2">
-            <a:extLst>
-              <a:ext uri="{FF2B5EF4-FFF2-40B4-BE49-F238E27FC236}">
-                <a16:creationId xmlns:a16="http://schemas.microsoft.com/office/drawing/2014/main" id="{C83109AC-7977-A4B1-6B64-41577FF050C3}"/>
+          <p:cNvPr id="3074" name="Picture 2">
+            <a:extLst>
+              <a:ext uri="{FF2B5EF4-FFF2-40B4-BE49-F238E27FC236}">
+                <a16:creationId xmlns:a16="http://schemas.microsoft.com/office/drawing/2014/main" id="{4C55CEF8-1A24-6485-8CFE-B3D192A629AE}"/>
               </a:ext>
             </a:extLst>
           </p:cNvPr>
@@ -4024,8 +4453,8 @@
         </p:blipFill>
         <p:spPr bwMode="auto">
           <a:xfrm>
-            <a:off x="464508" y="3517169"/>
-            <a:ext cx="3412714" cy="2426431"/>
+            <a:off x="131822" y="3429000"/>
+            <a:ext cx="3804920" cy="2705288"/>
           </a:xfrm>
           <a:prstGeom prst="rect">
             <a:avLst/>
@@ -4044,10 +4473,10 @@
       </p:pic>
       <p:pic>
         <p:nvPicPr>
-          <p:cNvPr id="5" name="Picture 4">
-            <a:extLst>
-              <a:ext uri="{FF2B5EF4-FFF2-40B4-BE49-F238E27FC236}">
-                <a16:creationId xmlns:a16="http://schemas.microsoft.com/office/drawing/2014/main" id="{9E372BD6-4EEC-3C54-EB38-AB504BADCB3C}"/>
+          <p:cNvPr id="3076" name="Picture 4">
+            <a:extLst>
+              <a:ext uri="{FF2B5EF4-FFF2-40B4-BE49-F238E27FC236}">
+                <a16:creationId xmlns:a16="http://schemas.microsoft.com/office/drawing/2014/main" id="{521454F7-1595-FB76-4F98-74EF384FAABB}"/>
               </a:ext>
             </a:extLst>
           </p:cNvPr>
@@ -4071,8 +4500,8 @@
         </p:blipFill>
         <p:spPr bwMode="auto">
           <a:xfrm>
-            <a:off x="4202796" y="3517169"/>
-            <a:ext cx="3412716" cy="2426432"/>
+            <a:off x="4193540" y="3429000"/>
+            <a:ext cx="3804919" cy="2705288"/>
           </a:xfrm>
           <a:prstGeom prst="rect">
             <a:avLst/>
@@ -4091,10 +4520,10 @@
       </p:pic>
       <p:pic>
         <p:nvPicPr>
-          <p:cNvPr id="6" name="Picture 6">
-            <a:extLst>
-              <a:ext uri="{FF2B5EF4-FFF2-40B4-BE49-F238E27FC236}">
-                <a16:creationId xmlns:a16="http://schemas.microsoft.com/office/drawing/2014/main" id="{97DB2025-4725-3AEE-5704-282B8A40D88B}"/>
+          <p:cNvPr id="3078" name="Picture 6">
+            <a:extLst>
+              <a:ext uri="{FF2B5EF4-FFF2-40B4-BE49-F238E27FC236}">
+                <a16:creationId xmlns:a16="http://schemas.microsoft.com/office/drawing/2014/main" id="{FBC26BC3-3AF3-0FBD-D3EA-AF4E82D23DD5}"/>
               </a:ext>
             </a:extLst>
           </p:cNvPr>
@@ -4118,8 +4547,8 @@
         </p:blipFill>
         <p:spPr bwMode="auto">
           <a:xfrm>
-            <a:off x="7941086" y="3517169"/>
-            <a:ext cx="3412714" cy="2426431"/>
+            <a:off x="8255259" y="3429000"/>
+            <a:ext cx="3804919" cy="2705288"/>
           </a:xfrm>
           <a:prstGeom prst="rect">
             <a:avLst/>
@@ -4139,7 +4568,7 @@
     </p:spTree>
     <p:extLst>
       <p:ext uri="{BB962C8B-B14F-4D97-AF65-F5344CB8AC3E}">
-        <p14:creationId xmlns:p14="http://schemas.microsoft.com/office/powerpoint/2010/main" val="1363647688"/>
+        <p14:creationId xmlns:p14="http://schemas.microsoft.com/office/powerpoint/2010/main" val="1814979600"/>
       </p:ext>
     </p:extLst>
   </p:cSld>
@@ -4171,7 +4600,7 @@
           <p:cNvPr id="2" name="Title 1">
             <a:extLst>
               <a:ext uri="{FF2B5EF4-FFF2-40B4-BE49-F238E27FC236}">
-                <a16:creationId xmlns:a16="http://schemas.microsoft.com/office/drawing/2014/main" id="{1A877E3B-C8DE-F07E-AF0F-4CF353351B7C}"/>
+                <a16:creationId xmlns:a16="http://schemas.microsoft.com/office/drawing/2014/main" id="{82A4BB28-B350-8F6A-5B47-2C7B4FA83426}"/>
               </a:ext>
             </a:extLst>
           </p:cNvPr>
@@ -4187,66 +4616,16 @@
           <a:bodyPr/>
           <a:lstStyle/>
           <a:p>
-            <a:r>
-              <a:rPr lang="en-US" dirty="0"/>
-              <a:t>2BU1_Quadruple Mutation – PHI 9.5</a:t>
-            </a:r>
-          </a:p>
-        </p:txBody>
-      </p:sp>
-      <p:sp>
-        <p:nvSpPr>
-          <p:cNvPr id="4" name="TextBox 3">
-            <a:extLst>
-              <a:ext uri="{FF2B5EF4-FFF2-40B4-BE49-F238E27FC236}">
-                <a16:creationId xmlns:a16="http://schemas.microsoft.com/office/drawing/2014/main" id="{728302CB-C012-00EF-0450-25C9128C2913}"/>
-              </a:ext>
-            </a:extLst>
-          </p:cNvPr>
-          <p:cNvSpPr txBox="1"/>
-          <p:nvPr/>
-        </p:nvSpPr>
-        <p:spPr>
-          <a:xfrm>
-            <a:off x="838200" y="1757723"/>
-            <a:ext cx="6094990" cy="923330"/>
-          </a:xfrm>
-          <a:prstGeom prst="rect">
-            <a:avLst/>
-          </a:prstGeom>
-          <a:noFill/>
-        </p:spPr>
-        <p:txBody>
-          <a:bodyPr wrap="square">
-            <a:spAutoFit/>
-          </a:bodyPr>
-          <a:lstStyle/>
-          <a:p>
-            <a:r>
-              <a:rPr lang="en-US" dirty="0"/>
-              <a:t>Pearson rank correlation coefficient: -0.547 </a:t>
-            </a:r>
-          </a:p>
-          <a:p>
-            <a:r>
-              <a:rPr lang="en-US" dirty="0"/>
-              <a:t>Spearman rank correlation coefficient: -0.683 </a:t>
-            </a:r>
-          </a:p>
-          <a:p>
-            <a:r>
-              <a:rPr lang="en-US" dirty="0"/>
-              <a:t>Coefficient of Determination (R^2): 0.300</a:t>
-            </a:r>
+            <a:endParaRPr lang="en-US"/>
           </a:p>
         </p:txBody>
       </p:sp>
       <p:pic>
         <p:nvPicPr>
-          <p:cNvPr id="4098" name="Picture 2">
-            <a:extLst>
-              <a:ext uri="{FF2B5EF4-FFF2-40B4-BE49-F238E27FC236}">
-                <a16:creationId xmlns:a16="http://schemas.microsoft.com/office/drawing/2014/main" id="{A24F51CE-4CFA-F28D-8773-F0E86FC6405F}"/>
+          <p:cNvPr id="1026" name="Picture 2">
+            <a:extLst>
+              <a:ext uri="{FF2B5EF4-FFF2-40B4-BE49-F238E27FC236}">
+                <a16:creationId xmlns:a16="http://schemas.microsoft.com/office/drawing/2014/main" id="{556A4AEA-540E-58E8-2BD7-5C8C39FC9585}"/>
               </a:ext>
             </a:extLst>
           </p:cNvPr>
@@ -4270,8 +4649,8 @@
         </p:blipFill>
         <p:spPr bwMode="auto">
           <a:xfrm>
-            <a:off x="339665" y="3429000"/>
-            <a:ext cx="3733333" cy="2640882"/>
+            <a:off x="2228849" y="1690688"/>
+            <a:ext cx="7173829" cy="5074617"/>
           </a:xfrm>
           <a:prstGeom prst="rect">
             <a:avLst/>
@@ -4288,1580 +4667,10 @@
           </a:extLst>
         </p:spPr>
       </p:pic>
-      <p:pic>
-        <p:nvPicPr>
-          <p:cNvPr id="4100" name="Picture 4">
-            <a:extLst>
-              <a:ext uri="{FF2B5EF4-FFF2-40B4-BE49-F238E27FC236}">
-                <a16:creationId xmlns:a16="http://schemas.microsoft.com/office/drawing/2014/main" id="{AF20DFF8-3317-1507-1BB8-FF7032EC763A}"/>
-              </a:ext>
-            </a:extLst>
-          </p:cNvPr>
-          <p:cNvPicPr>
-            <a:picLocks noChangeAspect="1" noChangeArrowheads="1"/>
-          </p:cNvPicPr>
-          <p:nvPr/>
-        </p:nvPicPr>
-        <p:blipFill>
-          <a:blip r:embed="rId3">
-            <a:extLst>
-              <a:ext uri="{28A0092B-C50C-407E-A947-70E740481C1C}">
-                <a14:useLocalDpi xmlns:a14="http://schemas.microsoft.com/office/drawing/2010/main" val="0"/>
-              </a:ext>
-            </a:extLst>
-          </a:blip>
-          <a:srcRect/>
-          <a:stretch>
-            <a:fillRect/>
-          </a:stretch>
-        </p:blipFill>
-        <p:spPr bwMode="auto">
-          <a:xfrm>
-            <a:off x="4195493" y="3429000"/>
-            <a:ext cx="3733333" cy="2640882"/>
-          </a:xfrm>
-          <a:prstGeom prst="rect">
-            <a:avLst/>
-          </a:prstGeom>
-          <a:noFill/>
-          <a:extLst>
-            <a:ext uri="{909E8E84-426E-40DD-AFC4-6F175D3DCCD1}">
-              <a14:hiddenFill xmlns:a14="http://schemas.microsoft.com/office/drawing/2010/main">
-                <a:solidFill>
-                  <a:srgbClr val="FFFFFF"/>
-                </a:solidFill>
-              </a14:hiddenFill>
-            </a:ext>
-          </a:extLst>
-        </p:spPr>
-      </p:pic>
-      <p:pic>
-        <p:nvPicPr>
-          <p:cNvPr id="4102" name="Picture 6">
-            <a:extLst>
-              <a:ext uri="{FF2B5EF4-FFF2-40B4-BE49-F238E27FC236}">
-                <a16:creationId xmlns:a16="http://schemas.microsoft.com/office/drawing/2014/main" id="{7FE5D301-EB40-6F83-BA78-A598B51CB6D9}"/>
-              </a:ext>
-            </a:extLst>
-          </p:cNvPr>
-          <p:cNvPicPr>
-            <a:picLocks noChangeAspect="1" noChangeArrowheads="1"/>
-          </p:cNvPicPr>
-          <p:nvPr/>
-        </p:nvPicPr>
-        <p:blipFill>
-          <a:blip r:embed="rId4">
-            <a:extLst>
-              <a:ext uri="{28A0092B-C50C-407E-A947-70E740481C1C}">
-                <a14:useLocalDpi xmlns:a14="http://schemas.microsoft.com/office/drawing/2010/main" val="0"/>
-              </a:ext>
-            </a:extLst>
-          </a:blip>
-          <a:srcRect/>
-          <a:stretch>
-            <a:fillRect/>
-          </a:stretch>
-        </p:blipFill>
-        <p:spPr bwMode="auto">
-          <a:xfrm>
-            <a:off x="8051321" y="3429000"/>
-            <a:ext cx="3733333" cy="2640882"/>
-          </a:xfrm>
-          <a:prstGeom prst="rect">
-            <a:avLst/>
-          </a:prstGeom>
-          <a:noFill/>
-          <a:extLst>
-            <a:ext uri="{909E8E84-426E-40DD-AFC4-6F175D3DCCD1}">
-              <a14:hiddenFill xmlns:a14="http://schemas.microsoft.com/office/drawing/2010/main">
-                <a:solidFill>
-                  <a:srgbClr val="FFFFFF"/>
-                </a:solidFill>
-              </a14:hiddenFill>
-            </a:ext>
-          </a:extLst>
-        </p:spPr>
-      </p:pic>
     </p:spTree>
     <p:extLst>
       <p:ext uri="{BB962C8B-B14F-4D97-AF65-F5344CB8AC3E}">
-        <p14:creationId xmlns:p14="http://schemas.microsoft.com/office/powerpoint/2010/main" val="496056434"/>
-      </p:ext>
-    </p:extLst>
-  </p:cSld>
-  <p:clrMapOvr>
-    <a:masterClrMapping/>
-  </p:clrMapOvr>
-</p:sld>
-</file>
-
-<file path=ppt/slides/slide14.xml><?xml version="1.0" encoding="utf-8"?>
-<p:sld xmlns:a="http://schemas.openxmlformats.org/drawingml/2006/main" xmlns:r="http://schemas.openxmlformats.org/officeDocument/2006/relationships" xmlns:p="http://schemas.openxmlformats.org/presentationml/2006/main">
-  <p:cSld>
-    <p:spTree>
-      <p:nvGrpSpPr>
-        <p:cNvPr id="1" name=""/>
-        <p:cNvGrpSpPr/>
-        <p:nvPr/>
-      </p:nvGrpSpPr>
-      <p:grpSpPr>
-        <a:xfrm>
-          <a:off x="0" y="0"/>
-          <a:ext cx="0" cy="0"/>
-          <a:chOff x="0" y="0"/>
-          <a:chExt cx="0" cy="0"/>
-        </a:xfrm>
-      </p:grpSpPr>
-      <p:sp>
-        <p:nvSpPr>
-          <p:cNvPr id="2" name="Title 1">
-            <a:extLst>
-              <a:ext uri="{FF2B5EF4-FFF2-40B4-BE49-F238E27FC236}">
-                <a16:creationId xmlns:a16="http://schemas.microsoft.com/office/drawing/2014/main" id="{1A877E3B-C8DE-F07E-AF0F-4CF353351B7C}"/>
-              </a:ext>
-            </a:extLst>
-          </p:cNvPr>
-          <p:cNvSpPr>
-            <a:spLocks noGrp="1"/>
-          </p:cNvSpPr>
-          <p:nvPr>
-            <p:ph type="title"/>
-          </p:nvPr>
-        </p:nvSpPr>
-        <p:spPr/>
-        <p:txBody>
-          <a:bodyPr/>
-          <a:lstStyle/>
-          <a:p>
-            <a:r>
-              <a:rPr lang="en-US" dirty="0"/>
-              <a:t>2BU1_AF_Quadruple Mutation – PHI 9.5</a:t>
-            </a:r>
-          </a:p>
-        </p:txBody>
-      </p:sp>
-      <p:sp>
-        <p:nvSpPr>
-          <p:cNvPr id="4" name="TextBox 3">
-            <a:extLst>
-              <a:ext uri="{FF2B5EF4-FFF2-40B4-BE49-F238E27FC236}">
-                <a16:creationId xmlns:a16="http://schemas.microsoft.com/office/drawing/2014/main" id="{728302CB-C012-00EF-0450-25C9128C2913}"/>
-              </a:ext>
-            </a:extLst>
-          </p:cNvPr>
-          <p:cNvSpPr txBox="1"/>
-          <p:nvPr/>
-        </p:nvSpPr>
-        <p:spPr>
-          <a:xfrm>
-            <a:off x="838200" y="1757723"/>
-            <a:ext cx="6094990" cy="923330"/>
-          </a:xfrm>
-          <a:prstGeom prst="rect">
-            <a:avLst/>
-          </a:prstGeom>
-          <a:noFill/>
-        </p:spPr>
-        <p:txBody>
-          <a:bodyPr wrap="square">
-            <a:spAutoFit/>
-          </a:bodyPr>
-          <a:lstStyle/>
-          <a:p>
-            <a:r>
-              <a:rPr lang="en-US" dirty="0"/>
-              <a:t>Pearson rank correlation coefficient: 0.059 </a:t>
-            </a:r>
-          </a:p>
-          <a:p>
-            <a:r>
-              <a:rPr lang="en-US" dirty="0"/>
-              <a:t>Spearman rank correlation coefficient: 0.077 </a:t>
-            </a:r>
-          </a:p>
-          <a:p>
-            <a:r>
-              <a:rPr lang="en-US" dirty="0"/>
-              <a:t>Coefficient of Determination (R^2): 0.003</a:t>
-            </a:r>
-          </a:p>
-        </p:txBody>
-      </p:sp>
-      <p:pic>
-        <p:nvPicPr>
-          <p:cNvPr id="1026" name="Picture 2">
-            <a:extLst>
-              <a:ext uri="{FF2B5EF4-FFF2-40B4-BE49-F238E27FC236}">
-                <a16:creationId xmlns:a16="http://schemas.microsoft.com/office/drawing/2014/main" id="{0A8021B8-2F09-9AE6-70ED-66A4F63EAA5F}"/>
-              </a:ext>
-            </a:extLst>
-          </p:cNvPr>
-          <p:cNvPicPr>
-            <a:picLocks noChangeAspect="1" noChangeArrowheads="1"/>
-          </p:cNvPicPr>
-          <p:nvPr/>
-        </p:nvPicPr>
-        <p:blipFill>
-          <a:blip r:embed="rId2">
-            <a:extLst>
-              <a:ext uri="{28A0092B-C50C-407E-A947-70E740481C1C}">
-                <a14:useLocalDpi xmlns:a14="http://schemas.microsoft.com/office/drawing/2010/main" val="0"/>
-              </a:ext>
-            </a:extLst>
-          </a:blip>
-          <a:srcRect/>
-          <a:stretch>
-            <a:fillRect/>
-          </a:stretch>
-        </p:blipFill>
-        <p:spPr bwMode="auto">
-          <a:xfrm>
-            <a:off x="68848" y="3740985"/>
-            <a:ext cx="3900161" cy="2751890"/>
-          </a:xfrm>
-          <a:prstGeom prst="rect">
-            <a:avLst/>
-          </a:prstGeom>
-          <a:noFill/>
-          <a:extLst>
-            <a:ext uri="{909E8E84-426E-40DD-AFC4-6F175D3DCCD1}">
-              <a14:hiddenFill xmlns:a14="http://schemas.microsoft.com/office/drawing/2010/main">
-                <a:solidFill>
-                  <a:srgbClr val="FFFFFF"/>
-                </a:solidFill>
-              </a14:hiddenFill>
-            </a:ext>
-          </a:extLst>
-        </p:spPr>
-      </p:pic>
-      <p:pic>
-        <p:nvPicPr>
-          <p:cNvPr id="1028" name="Picture 4">
-            <a:extLst>
-              <a:ext uri="{FF2B5EF4-FFF2-40B4-BE49-F238E27FC236}">
-                <a16:creationId xmlns:a16="http://schemas.microsoft.com/office/drawing/2014/main" id="{F41544FD-B666-F8E2-0B1F-E2EB2A906414}"/>
-              </a:ext>
-            </a:extLst>
-          </p:cNvPr>
-          <p:cNvPicPr>
-            <a:picLocks noChangeAspect="1" noChangeArrowheads="1"/>
-          </p:cNvPicPr>
-          <p:nvPr/>
-        </p:nvPicPr>
-        <p:blipFill>
-          <a:blip r:embed="rId3">
-            <a:extLst>
-              <a:ext uri="{28A0092B-C50C-407E-A947-70E740481C1C}">
-                <a14:useLocalDpi xmlns:a14="http://schemas.microsoft.com/office/drawing/2010/main" val="0"/>
-              </a:ext>
-            </a:extLst>
-          </a:blip>
-          <a:srcRect/>
-          <a:stretch>
-            <a:fillRect/>
-          </a:stretch>
-        </p:blipFill>
-        <p:spPr bwMode="auto">
-          <a:xfrm>
-            <a:off x="4145919" y="3740985"/>
-            <a:ext cx="3900161" cy="2751890"/>
-          </a:xfrm>
-          <a:prstGeom prst="rect">
-            <a:avLst/>
-          </a:prstGeom>
-          <a:noFill/>
-          <a:extLst>
-            <a:ext uri="{909E8E84-426E-40DD-AFC4-6F175D3DCCD1}">
-              <a14:hiddenFill xmlns:a14="http://schemas.microsoft.com/office/drawing/2010/main">
-                <a:solidFill>
-                  <a:srgbClr val="FFFFFF"/>
-                </a:solidFill>
-              </a14:hiddenFill>
-            </a:ext>
-          </a:extLst>
-        </p:spPr>
-      </p:pic>
-      <p:pic>
-        <p:nvPicPr>
-          <p:cNvPr id="1030" name="Picture 6">
-            <a:extLst>
-              <a:ext uri="{FF2B5EF4-FFF2-40B4-BE49-F238E27FC236}">
-                <a16:creationId xmlns:a16="http://schemas.microsoft.com/office/drawing/2014/main" id="{8A138C9C-AD18-07A4-940A-922B954B1430}"/>
-              </a:ext>
-            </a:extLst>
-          </p:cNvPr>
-          <p:cNvPicPr>
-            <a:picLocks noChangeAspect="1" noChangeArrowheads="1"/>
-          </p:cNvPicPr>
-          <p:nvPr/>
-        </p:nvPicPr>
-        <p:blipFill>
-          <a:blip r:embed="rId4">
-            <a:extLst>
-              <a:ext uri="{28A0092B-C50C-407E-A947-70E740481C1C}">
-                <a14:useLocalDpi xmlns:a14="http://schemas.microsoft.com/office/drawing/2010/main" val="0"/>
-              </a:ext>
-            </a:extLst>
-          </a:blip>
-          <a:srcRect/>
-          <a:stretch>
-            <a:fillRect/>
-          </a:stretch>
-        </p:blipFill>
-        <p:spPr bwMode="auto">
-          <a:xfrm>
-            <a:off x="8222991" y="3783931"/>
-            <a:ext cx="3900161" cy="2751890"/>
-          </a:xfrm>
-          <a:prstGeom prst="rect">
-            <a:avLst/>
-          </a:prstGeom>
-          <a:noFill/>
-          <a:extLst>
-            <a:ext uri="{909E8E84-426E-40DD-AFC4-6F175D3DCCD1}">
-              <a14:hiddenFill xmlns:a14="http://schemas.microsoft.com/office/drawing/2010/main">
-                <a:solidFill>
-                  <a:srgbClr val="FFFFFF"/>
-                </a:solidFill>
-              </a14:hiddenFill>
-            </a:ext>
-          </a:extLst>
-        </p:spPr>
-      </p:pic>
-    </p:spTree>
-    <p:extLst>
-      <p:ext uri="{BB962C8B-B14F-4D97-AF65-F5344CB8AC3E}">
-        <p14:creationId xmlns:p14="http://schemas.microsoft.com/office/powerpoint/2010/main" val="3811455824"/>
-      </p:ext>
-    </p:extLst>
-  </p:cSld>
-  <p:clrMapOvr>
-    <a:masterClrMapping/>
-  </p:clrMapOvr>
-</p:sld>
-</file>
-
-<file path=ppt/slides/slide15.xml><?xml version="1.0" encoding="utf-8"?>
-<p:sld xmlns:a="http://schemas.openxmlformats.org/drawingml/2006/main" xmlns:r="http://schemas.openxmlformats.org/officeDocument/2006/relationships" xmlns:p="http://schemas.openxmlformats.org/presentationml/2006/main">
-  <p:cSld>
-    <p:spTree>
-      <p:nvGrpSpPr>
-        <p:cNvPr id="1" name=""/>
-        <p:cNvGrpSpPr/>
-        <p:nvPr/>
-      </p:nvGrpSpPr>
-      <p:grpSpPr>
-        <a:xfrm>
-          <a:off x="0" y="0"/>
-          <a:ext cx="0" cy="0"/>
-          <a:chOff x="0" y="0"/>
-          <a:chExt cx="0" cy="0"/>
-        </a:xfrm>
-      </p:grpSpPr>
-      <p:sp>
-        <p:nvSpPr>
-          <p:cNvPr id="2" name="Title 1">
-            <a:extLst>
-              <a:ext uri="{FF2B5EF4-FFF2-40B4-BE49-F238E27FC236}">
-                <a16:creationId xmlns:a16="http://schemas.microsoft.com/office/drawing/2014/main" id="{1A877E3B-C8DE-F07E-AF0F-4CF353351B7C}"/>
-              </a:ext>
-            </a:extLst>
-          </p:cNvPr>
-          <p:cNvSpPr>
-            <a:spLocks noGrp="1"/>
-          </p:cNvSpPr>
-          <p:nvPr>
-            <p:ph type="title"/>
-          </p:nvPr>
-        </p:nvSpPr>
-        <p:spPr/>
-        <p:txBody>
-          <a:bodyPr/>
-          <a:lstStyle/>
-          <a:p>
-            <a:r>
-              <a:rPr lang="en-US" dirty="0"/>
-              <a:t>2BU1+1AQ3_Quadruple Mutation – PHI 9.5</a:t>
-            </a:r>
-          </a:p>
-        </p:txBody>
-      </p:sp>
-      <p:sp>
-        <p:nvSpPr>
-          <p:cNvPr id="4" name="TextBox 3">
-            <a:extLst>
-              <a:ext uri="{FF2B5EF4-FFF2-40B4-BE49-F238E27FC236}">
-                <a16:creationId xmlns:a16="http://schemas.microsoft.com/office/drawing/2014/main" id="{728302CB-C012-00EF-0450-25C9128C2913}"/>
-              </a:ext>
-            </a:extLst>
-          </p:cNvPr>
-          <p:cNvSpPr txBox="1"/>
-          <p:nvPr/>
-        </p:nvSpPr>
-        <p:spPr>
-          <a:xfrm>
-            <a:off x="838200" y="1757723"/>
-            <a:ext cx="6094990" cy="923330"/>
-          </a:xfrm>
-          <a:prstGeom prst="rect">
-            <a:avLst/>
-          </a:prstGeom>
-          <a:noFill/>
-        </p:spPr>
-        <p:txBody>
-          <a:bodyPr wrap="square">
-            <a:spAutoFit/>
-          </a:bodyPr>
-          <a:lstStyle/>
-          <a:p>
-            <a:r>
-              <a:rPr lang="en-US" dirty="0"/>
-              <a:t>Pearson rank correlation coefficient: -0.301 </a:t>
-            </a:r>
-          </a:p>
-          <a:p>
-            <a:r>
-              <a:rPr lang="en-US" dirty="0"/>
-              <a:t>Spearman rank correlation coefficient: -0.463 </a:t>
-            </a:r>
-          </a:p>
-          <a:p>
-            <a:r>
-              <a:rPr lang="en-US" dirty="0"/>
-              <a:t>Coefficient of Determination (R^2): 0.090</a:t>
-            </a:r>
-          </a:p>
-        </p:txBody>
-      </p:sp>
-      <p:pic>
-        <p:nvPicPr>
-          <p:cNvPr id="10242" name="Picture 2">
-            <a:extLst>
-              <a:ext uri="{FF2B5EF4-FFF2-40B4-BE49-F238E27FC236}">
-                <a16:creationId xmlns:a16="http://schemas.microsoft.com/office/drawing/2014/main" id="{406E3F89-3D51-714B-FF25-5D195467541D}"/>
-              </a:ext>
-            </a:extLst>
-          </p:cNvPr>
-          <p:cNvPicPr>
-            <a:picLocks noChangeAspect="1" noChangeArrowheads="1"/>
-          </p:cNvPicPr>
-          <p:nvPr/>
-        </p:nvPicPr>
-        <p:blipFill>
-          <a:blip r:embed="rId2">
-            <a:extLst>
-              <a:ext uri="{28A0092B-C50C-407E-A947-70E740481C1C}">
-                <a14:useLocalDpi xmlns:a14="http://schemas.microsoft.com/office/drawing/2010/main" val="0"/>
-              </a:ext>
-            </a:extLst>
-          </a:blip>
-          <a:srcRect/>
-          <a:stretch>
-            <a:fillRect/>
-          </a:stretch>
-        </p:blipFill>
-        <p:spPr bwMode="auto">
-          <a:xfrm>
-            <a:off x="469061" y="3429000"/>
-            <a:ext cx="3666683" cy="2593735"/>
-          </a:xfrm>
-          <a:prstGeom prst="rect">
-            <a:avLst/>
-          </a:prstGeom>
-          <a:noFill/>
-          <a:extLst>
-            <a:ext uri="{909E8E84-426E-40DD-AFC4-6F175D3DCCD1}">
-              <a14:hiddenFill xmlns:a14="http://schemas.microsoft.com/office/drawing/2010/main">
-                <a:solidFill>
-                  <a:srgbClr val="FFFFFF"/>
-                </a:solidFill>
-              </a14:hiddenFill>
-            </a:ext>
-          </a:extLst>
-        </p:spPr>
-      </p:pic>
-      <p:pic>
-        <p:nvPicPr>
-          <p:cNvPr id="10244" name="Picture 4">
-            <a:extLst>
-              <a:ext uri="{FF2B5EF4-FFF2-40B4-BE49-F238E27FC236}">
-                <a16:creationId xmlns:a16="http://schemas.microsoft.com/office/drawing/2014/main" id="{CACB5FD0-2DB3-75A4-E1E9-112B0A6CF01C}"/>
-              </a:ext>
-            </a:extLst>
-          </p:cNvPr>
-          <p:cNvPicPr>
-            <a:picLocks noChangeAspect="1" noChangeArrowheads="1"/>
-          </p:cNvPicPr>
-          <p:nvPr/>
-        </p:nvPicPr>
-        <p:blipFill>
-          <a:blip r:embed="rId3">
-            <a:extLst>
-              <a:ext uri="{28A0092B-C50C-407E-A947-70E740481C1C}">
-                <a14:useLocalDpi xmlns:a14="http://schemas.microsoft.com/office/drawing/2010/main" val="0"/>
-              </a:ext>
-            </a:extLst>
-          </a:blip>
-          <a:srcRect/>
-          <a:stretch>
-            <a:fillRect/>
-          </a:stretch>
-        </p:blipFill>
-        <p:spPr bwMode="auto">
-          <a:xfrm>
-            <a:off x="4262658" y="3429000"/>
-            <a:ext cx="3666683" cy="2593735"/>
-          </a:xfrm>
-          <a:prstGeom prst="rect">
-            <a:avLst/>
-          </a:prstGeom>
-          <a:noFill/>
-          <a:extLst>
-            <a:ext uri="{909E8E84-426E-40DD-AFC4-6F175D3DCCD1}">
-              <a14:hiddenFill xmlns:a14="http://schemas.microsoft.com/office/drawing/2010/main">
-                <a:solidFill>
-                  <a:srgbClr val="FFFFFF"/>
-                </a:solidFill>
-              </a14:hiddenFill>
-            </a:ext>
-          </a:extLst>
-        </p:spPr>
-      </p:pic>
-      <p:pic>
-        <p:nvPicPr>
-          <p:cNvPr id="10246" name="Picture 6">
-            <a:extLst>
-              <a:ext uri="{FF2B5EF4-FFF2-40B4-BE49-F238E27FC236}">
-                <a16:creationId xmlns:a16="http://schemas.microsoft.com/office/drawing/2014/main" id="{6AF65280-CE99-F7DB-6CE8-8CFAD68A1247}"/>
-              </a:ext>
-            </a:extLst>
-          </p:cNvPr>
-          <p:cNvPicPr>
-            <a:picLocks noChangeAspect="1" noChangeArrowheads="1"/>
-          </p:cNvPicPr>
-          <p:nvPr/>
-        </p:nvPicPr>
-        <p:blipFill>
-          <a:blip r:embed="rId4">
-            <a:extLst>
-              <a:ext uri="{28A0092B-C50C-407E-A947-70E740481C1C}">
-                <a14:useLocalDpi xmlns:a14="http://schemas.microsoft.com/office/drawing/2010/main" val="0"/>
-              </a:ext>
-            </a:extLst>
-          </a:blip>
-          <a:srcRect/>
-          <a:stretch>
-            <a:fillRect/>
-          </a:stretch>
-        </p:blipFill>
-        <p:spPr bwMode="auto">
-          <a:xfrm>
-            <a:off x="8056256" y="3429000"/>
-            <a:ext cx="3666683" cy="2593735"/>
-          </a:xfrm>
-          <a:prstGeom prst="rect">
-            <a:avLst/>
-          </a:prstGeom>
-          <a:noFill/>
-          <a:extLst>
-            <a:ext uri="{909E8E84-426E-40DD-AFC4-6F175D3DCCD1}">
-              <a14:hiddenFill xmlns:a14="http://schemas.microsoft.com/office/drawing/2010/main">
-                <a:solidFill>
-                  <a:srgbClr val="FFFFFF"/>
-                </a:solidFill>
-              </a14:hiddenFill>
-            </a:ext>
-          </a:extLst>
-        </p:spPr>
-      </p:pic>
-    </p:spTree>
-    <p:extLst>
-      <p:ext uri="{BB962C8B-B14F-4D97-AF65-F5344CB8AC3E}">
-        <p14:creationId xmlns:p14="http://schemas.microsoft.com/office/powerpoint/2010/main" val="527691219"/>
-      </p:ext>
-    </p:extLst>
-  </p:cSld>
-  <p:clrMapOvr>
-    <a:masterClrMapping/>
-  </p:clrMapOvr>
-</p:sld>
-</file>
-
-<file path=ppt/slides/slide16.xml><?xml version="1.0" encoding="utf-8"?>
-<p:sld xmlns:a="http://schemas.openxmlformats.org/drawingml/2006/main" xmlns:r="http://schemas.openxmlformats.org/officeDocument/2006/relationships" xmlns:p="http://schemas.openxmlformats.org/presentationml/2006/main">
-  <p:cSld>
-    <p:spTree>
-      <p:nvGrpSpPr>
-        <p:cNvPr id="1" name=""/>
-        <p:cNvGrpSpPr/>
-        <p:nvPr/>
-      </p:nvGrpSpPr>
-      <p:grpSpPr>
-        <a:xfrm>
-          <a:off x="0" y="0"/>
-          <a:ext cx="0" cy="0"/>
-          <a:chOff x="0" y="0"/>
-          <a:chExt cx="0" cy="0"/>
-        </a:xfrm>
-      </p:grpSpPr>
-      <p:sp>
-        <p:nvSpPr>
-          <p:cNvPr id="2" name="Title 1">
-            <a:extLst>
-              <a:ext uri="{FF2B5EF4-FFF2-40B4-BE49-F238E27FC236}">
-                <a16:creationId xmlns:a16="http://schemas.microsoft.com/office/drawing/2014/main" id="{1A877E3B-C8DE-F07E-AF0F-4CF353351B7C}"/>
-              </a:ext>
-            </a:extLst>
-          </p:cNvPr>
-          <p:cNvSpPr>
-            <a:spLocks noGrp="1"/>
-          </p:cNvSpPr>
-          <p:nvPr>
-            <p:ph type="title"/>
-          </p:nvPr>
-        </p:nvSpPr>
-        <p:spPr/>
-        <p:txBody>
-          <a:bodyPr/>
-          <a:lstStyle/>
-          <a:p>
-            <a:r>
-              <a:rPr lang="en-US" dirty="0"/>
-              <a:t>2BU1+1U1Y_Quadruple Mutation – PHI 9.5</a:t>
-            </a:r>
-          </a:p>
-        </p:txBody>
-      </p:sp>
-      <p:sp>
-        <p:nvSpPr>
-          <p:cNvPr id="4" name="TextBox 3">
-            <a:extLst>
-              <a:ext uri="{FF2B5EF4-FFF2-40B4-BE49-F238E27FC236}">
-                <a16:creationId xmlns:a16="http://schemas.microsoft.com/office/drawing/2014/main" id="{728302CB-C012-00EF-0450-25C9128C2913}"/>
-              </a:ext>
-            </a:extLst>
-          </p:cNvPr>
-          <p:cNvSpPr txBox="1"/>
-          <p:nvPr/>
-        </p:nvSpPr>
-        <p:spPr>
-          <a:xfrm>
-            <a:off x="838200" y="1757723"/>
-            <a:ext cx="6094990" cy="923330"/>
-          </a:xfrm>
-          <a:prstGeom prst="rect">
-            <a:avLst/>
-          </a:prstGeom>
-          <a:noFill/>
-        </p:spPr>
-        <p:txBody>
-          <a:bodyPr wrap="square">
-            <a:spAutoFit/>
-          </a:bodyPr>
-          <a:lstStyle/>
-          <a:p>
-            <a:r>
-              <a:rPr lang="en-US" dirty="0"/>
-              <a:t>Pearson rank correlation coefficient: -0.148 </a:t>
-            </a:r>
-          </a:p>
-          <a:p>
-            <a:r>
-              <a:rPr lang="en-US" dirty="0"/>
-              <a:t>Spearman rank correlation coefficient: -0.133 </a:t>
-            </a:r>
-          </a:p>
-          <a:p>
-            <a:r>
-              <a:rPr lang="en-US" dirty="0"/>
-              <a:t>Coefficient of Determination (R^2): 0.022</a:t>
-            </a:r>
-          </a:p>
-        </p:txBody>
-      </p:sp>
-      <p:pic>
-        <p:nvPicPr>
-          <p:cNvPr id="8194" name="Picture 2">
-            <a:extLst>
-              <a:ext uri="{FF2B5EF4-FFF2-40B4-BE49-F238E27FC236}">
-                <a16:creationId xmlns:a16="http://schemas.microsoft.com/office/drawing/2014/main" id="{C816E385-B39F-F376-6090-2446630447D0}"/>
-              </a:ext>
-            </a:extLst>
-          </p:cNvPr>
-          <p:cNvPicPr>
-            <a:picLocks noChangeAspect="1" noChangeArrowheads="1"/>
-          </p:cNvPicPr>
-          <p:nvPr/>
-        </p:nvPicPr>
-        <p:blipFill>
-          <a:blip r:embed="rId2">
-            <a:extLst>
-              <a:ext uri="{28A0092B-C50C-407E-A947-70E740481C1C}">
-                <a14:useLocalDpi xmlns:a14="http://schemas.microsoft.com/office/drawing/2010/main" val="0"/>
-              </a:ext>
-            </a:extLst>
-          </a:blip>
-          <a:srcRect/>
-          <a:stretch>
-            <a:fillRect/>
-          </a:stretch>
-        </p:blipFill>
-        <p:spPr bwMode="auto">
-          <a:xfrm>
-            <a:off x="475104" y="3797331"/>
-            <a:ext cx="3410591" cy="2412581"/>
-          </a:xfrm>
-          <a:prstGeom prst="rect">
-            <a:avLst/>
-          </a:prstGeom>
-          <a:noFill/>
-          <a:extLst>
-            <a:ext uri="{909E8E84-426E-40DD-AFC4-6F175D3DCCD1}">
-              <a14:hiddenFill xmlns:a14="http://schemas.microsoft.com/office/drawing/2010/main">
-                <a:solidFill>
-                  <a:srgbClr val="FFFFFF"/>
-                </a:solidFill>
-              </a14:hiddenFill>
-            </a:ext>
-          </a:extLst>
-        </p:spPr>
-      </p:pic>
-      <p:pic>
-        <p:nvPicPr>
-          <p:cNvPr id="8196" name="Picture 4">
-            <a:extLst>
-              <a:ext uri="{FF2B5EF4-FFF2-40B4-BE49-F238E27FC236}">
-                <a16:creationId xmlns:a16="http://schemas.microsoft.com/office/drawing/2014/main" id="{25C34077-E8D6-1449-BED1-D11F8645A7EF}"/>
-              </a:ext>
-            </a:extLst>
-          </p:cNvPr>
-          <p:cNvPicPr>
-            <a:picLocks noChangeAspect="1" noChangeArrowheads="1"/>
-          </p:cNvPicPr>
-          <p:nvPr/>
-        </p:nvPicPr>
-        <p:blipFill>
-          <a:blip r:embed="rId3">
-            <a:extLst>
-              <a:ext uri="{28A0092B-C50C-407E-A947-70E740481C1C}">
-                <a14:useLocalDpi xmlns:a14="http://schemas.microsoft.com/office/drawing/2010/main" val="0"/>
-              </a:ext>
-            </a:extLst>
-          </a:blip>
-          <a:srcRect/>
-          <a:stretch>
-            <a:fillRect/>
-          </a:stretch>
-        </p:blipFill>
-        <p:spPr bwMode="auto">
-          <a:xfrm>
-            <a:off x="4390704" y="3797332"/>
-            <a:ext cx="3410591" cy="2412581"/>
-          </a:xfrm>
-          <a:prstGeom prst="rect">
-            <a:avLst/>
-          </a:prstGeom>
-          <a:noFill/>
-          <a:extLst>
-            <a:ext uri="{909E8E84-426E-40DD-AFC4-6F175D3DCCD1}">
-              <a14:hiddenFill xmlns:a14="http://schemas.microsoft.com/office/drawing/2010/main">
-                <a:solidFill>
-                  <a:srgbClr val="FFFFFF"/>
-                </a:solidFill>
-              </a14:hiddenFill>
-            </a:ext>
-          </a:extLst>
-        </p:spPr>
-      </p:pic>
-      <p:pic>
-        <p:nvPicPr>
-          <p:cNvPr id="8198" name="Picture 6">
-            <a:extLst>
-              <a:ext uri="{FF2B5EF4-FFF2-40B4-BE49-F238E27FC236}">
-                <a16:creationId xmlns:a16="http://schemas.microsoft.com/office/drawing/2014/main" id="{EE5CC55D-DABF-6E37-83D5-A5D523DB26FC}"/>
-              </a:ext>
-            </a:extLst>
-          </p:cNvPr>
-          <p:cNvPicPr>
-            <a:picLocks noChangeAspect="1" noChangeArrowheads="1"/>
-          </p:cNvPicPr>
-          <p:nvPr/>
-        </p:nvPicPr>
-        <p:blipFill>
-          <a:blip r:embed="rId4">
-            <a:extLst>
-              <a:ext uri="{28A0092B-C50C-407E-A947-70E740481C1C}">
-                <a14:useLocalDpi xmlns:a14="http://schemas.microsoft.com/office/drawing/2010/main" val="0"/>
-              </a:ext>
-            </a:extLst>
-          </a:blip>
-          <a:srcRect/>
-          <a:stretch>
-            <a:fillRect/>
-          </a:stretch>
-        </p:blipFill>
-        <p:spPr bwMode="auto">
-          <a:xfrm>
-            <a:off x="8105236" y="3797331"/>
-            <a:ext cx="3410591" cy="2412581"/>
-          </a:xfrm>
-          <a:prstGeom prst="rect">
-            <a:avLst/>
-          </a:prstGeom>
-          <a:noFill/>
-          <a:extLst>
-            <a:ext uri="{909E8E84-426E-40DD-AFC4-6F175D3DCCD1}">
-              <a14:hiddenFill xmlns:a14="http://schemas.microsoft.com/office/drawing/2010/main">
-                <a:solidFill>
-                  <a:srgbClr val="FFFFFF"/>
-                </a:solidFill>
-              </a14:hiddenFill>
-            </a:ext>
-          </a:extLst>
-        </p:spPr>
-      </p:pic>
-    </p:spTree>
-    <p:extLst>
-      <p:ext uri="{BB962C8B-B14F-4D97-AF65-F5344CB8AC3E}">
-        <p14:creationId xmlns:p14="http://schemas.microsoft.com/office/powerpoint/2010/main" val="1450221302"/>
-      </p:ext>
-    </p:extLst>
-  </p:cSld>
-  <p:clrMapOvr>
-    <a:masterClrMapping/>
-  </p:clrMapOvr>
-</p:sld>
-</file>
-
-<file path=ppt/slides/slide17.xml><?xml version="1.0" encoding="utf-8"?>
-<p:sld xmlns:a="http://schemas.openxmlformats.org/drawingml/2006/main" xmlns:r="http://schemas.openxmlformats.org/officeDocument/2006/relationships" xmlns:p="http://schemas.openxmlformats.org/presentationml/2006/main">
-  <p:cSld>
-    <p:spTree>
-      <p:nvGrpSpPr>
-        <p:cNvPr id="1" name=""/>
-        <p:cNvGrpSpPr/>
-        <p:nvPr/>
-      </p:nvGrpSpPr>
-      <p:grpSpPr>
-        <a:xfrm>
-          <a:off x="0" y="0"/>
-          <a:ext cx="0" cy="0"/>
-          <a:chOff x="0" y="0"/>
-          <a:chExt cx="0" cy="0"/>
-        </a:xfrm>
-      </p:grpSpPr>
-      <p:sp>
-        <p:nvSpPr>
-          <p:cNvPr id="2" name="Title 1">
-            <a:extLst>
-              <a:ext uri="{FF2B5EF4-FFF2-40B4-BE49-F238E27FC236}">
-                <a16:creationId xmlns:a16="http://schemas.microsoft.com/office/drawing/2014/main" id="{1A877E3B-C8DE-F07E-AF0F-4CF353351B7C}"/>
-              </a:ext>
-            </a:extLst>
-          </p:cNvPr>
-          <p:cNvSpPr>
-            <a:spLocks noGrp="1"/>
-          </p:cNvSpPr>
-          <p:nvPr>
-            <p:ph type="title"/>
-          </p:nvPr>
-        </p:nvSpPr>
-        <p:spPr/>
-        <p:txBody>
-          <a:bodyPr/>
-          <a:lstStyle/>
-          <a:p>
-            <a:r>
-              <a:rPr lang="en-US" dirty="0"/>
-              <a:t>2BU1_Quintuple Mutation – PHI 9.5</a:t>
-            </a:r>
-          </a:p>
-        </p:txBody>
-      </p:sp>
-      <p:sp>
-        <p:nvSpPr>
-          <p:cNvPr id="4" name="TextBox 3">
-            <a:extLst>
-              <a:ext uri="{FF2B5EF4-FFF2-40B4-BE49-F238E27FC236}">
-                <a16:creationId xmlns:a16="http://schemas.microsoft.com/office/drawing/2014/main" id="{728302CB-C012-00EF-0450-25C9128C2913}"/>
-              </a:ext>
-            </a:extLst>
-          </p:cNvPr>
-          <p:cNvSpPr txBox="1"/>
-          <p:nvPr/>
-        </p:nvSpPr>
-        <p:spPr>
-          <a:xfrm>
-            <a:off x="838200" y="1757723"/>
-            <a:ext cx="6094990" cy="923330"/>
-          </a:xfrm>
-          <a:prstGeom prst="rect">
-            <a:avLst/>
-          </a:prstGeom>
-          <a:noFill/>
-        </p:spPr>
-        <p:txBody>
-          <a:bodyPr wrap="square">
-            <a:spAutoFit/>
-          </a:bodyPr>
-          <a:lstStyle/>
-          <a:p>
-            <a:r>
-              <a:rPr lang="en-US" dirty="0"/>
-              <a:t>Pearson rank correlation coefficient: -0.829 </a:t>
-            </a:r>
-          </a:p>
-          <a:p>
-            <a:r>
-              <a:rPr lang="en-US" dirty="0"/>
-              <a:t>Spearman rank correlation coefficient: -0.738 </a:t>
-            </a:r>
-          </a:p>
-          <a:p>
-            <a:r>
-              <a:rPr lang="en-US" dirty="0"/>
-              <a:t>Coefficient of Determination (R^2): 0.687</a:t>
-            </a:r>
-          </a:p>
-        </p:txBody>
-      </p:sp>
-      <p:pic>
-        <p:nvPicPr>
-          <p:cNvPr id="3074" name="Picture 2">
-            <a:extLst>
-              <a:ext uri="{FF2B5EF4-FFF2-40B4-BE49-F238E27FC236}">
-                <a16:creationId xmlns:a16="http://schemas.microsoft.com/office/drawing/2014/main" id="{4C55CEF8-1A24-6485-8CFE-B3D192A629AE}"/>
-              </a:ext>
-            </a:extLst>
-          </p:cNvPr>
-          <p:cNvPicPr>
-            <a:picLocks noChangeAspect="1" noChangeArrowheads="1"/>
-          </p:cNvPicPr>
-          <p:nvPr/>
-        </p:nvPicPr>
-        <p:blipFill>
-          <a:blip r:embed="rId2">
-            <a:extLst>
-              <a:ext uri="{28A0092B-C50C-407E-A947-70E740481C1C}">
-                <a14:useLocalDpi xmlns:a14="http://schemas.microsoft.com/office/drawing/2010/main" val="0"/>
-              </a:ext>
-            </a:extLst>
-          </a:blip>
-          <a:srcRect/>
-          <a:stretch>
-            <a:fillRect/>
-          </a:stretch>
-        </p:blipFill>
-        <p:spPr bwMode="auto">
-          <a:xfrm>
-            <a:off x="131822" y="3429000"/>
-            <a:ext cx="3804920" cy="2705288"/>
-          </a:xfrm>
-          <a:prstGeom prst="rect">
-            <a:avLst/>
-          </a:prstGeom>
-          <a:noFill/>
-          <a:extLst>
-            <a:ext uri="{909E8E84-426E-40DD-AFC4-6F175D3DCCD1}">
-              <a14:hiddenFill xmlns:a14="http://schemas.microsoft.com/office/drawing/2010/main">
-                <a:solidFill>
-                  <a:srgbClr val="FFFFFF"/>
-                </a:solidFill>
-              </a14:hiddenFill>
-            </a:ext>
-          </a:extLst>
-        </p:spPr>
-      </p:pic>
-      <p:pic>
-        <p:nvPicPr>
-          <p:cNvPr id="3076" name="Picture 4">
-            <a:extLst>
-              <a:ext uri="{FF2B5EF4-FFF2-40B4-BE49-F238E27FC236}">
-                <a16:creationId xmlns:a16="http://schemas.microsoft.com/office/drawing/2014/main" id="{521454F7-1595-FB76-4F98-74EF384FAABB}"/>
-              </a:ext>
-            </a:extLst>
-          </p:cNvPr>
-          <p:cNvPicPr>
-            <a:picLocks noChangeAspect="1" noChangeArrowheads="1"/>
-          </p:cNvPicPr>
-          <p:nvPr/>
-        </p:nvPicPr>
-        <p:blipFill>
-          <a:blip r:embed="rId3">
-            <a:extLst>
-              <a:ext uri="{28A0092B-C50C-407E-A947-70E740481C1C}">
-                <a14:useLocalDpi xmlns:a14="http://schemas.microsoft.com/office/drawing/2010/main" val="0"/>
-              </a:ext>
-            </a:extLst>
-          </a:blip>
-          <a:srcRect/>
-          <a:stretch>
-            <a:fillRect/>
-          </a:stretch>
-        </p:blipFill>
-        <p:spPr bwMode="auto">
-          <a:xfrm>
-            <a:off x="4193540" y="3429000"/>
-            <a:ext cx="3804919" cy="2705288"/>
-          </a:xfrm>
-          <a:prstGeom prst="rect">
-            <a:avLst/>
-          </a:prstGeom>
-          <a:noFill/>
-          <a:extLst>
-            <a:ext uri="{909E8E84-426E-40DD-AFC4-6F175D3DCCD1}">
-              <a14:hiddenFill xmlns:a14="http://schemas.microsoft.com/office/drawing/2010/main">
-                <a:solidFill>
-                  <a:srgbClr val="FFFFFF"/>
-                </a:solidFill>
-              </a14:hiddenFill>
-            </a:ext>
-          </a:extLst>
-        </p:spPr>
-      </p:pic>
-      <p:pic>
-        <p:nvPicPr>
-          <p:cNvPr id="3078" name="Picture 6">
-            <a:extLst>
-              <a:ext uri="{FF2B5EF4-FFF2-40B4-BE49-F238E27FC236}">
-                <a16:creationId xmlns:a16="http://schemas.microsoft.com/office/drawing/2014/main" id="{FBC26BC3-3AF3-0FBD-D3EA-AF4E82D23DD5}"/>
-              </a:ext>
-            </a:extLst>
-          </p:cNvPr>
-          <p:cNvPicPr>
-            <a:picLocks noChangeAspect="1" noChangeArrowheads="1"/>
-          </p:cNvPicPr>
-          <p:nvPr/>
-        </p:nvPicPr>
-        <p:blipFill>
-          <a:blip r:embed="rId4">
-            <a:extLst>
-              <a:ext uri="{28A0092B-C50C-407E-A947-70E740481C1C}">
-                <a14:useLocalDpi xmlns:a14="http://schemas.microsoft.com/office/drawing/2010/main" val="0"/>
-              </a:ext>
-            </a:extLst>
-          </a:blip>
-          <a:srcRect/>
-          <a:stretch>
-            <a:fillRect/>
-          </a:stretch>
-        </p:blipFill>
-        <p:spPr bwMode="auto">
-          <a:xfrm>
-            <a:off x="8255259" y="3429000"/>
-            <a:ext cx="3804919" cy="2705288"/>
-          </a:xfrm>
-          <a:prstGeom prst="rect">
-            <a:avLst/>
-          </a:prstGeom>
-          <a:noFill/>
-          <a:extLst>
-            <a:ext uri="{909E8E84-426E-40DD-AFC4-6F175D3DCCD1}">
-              <a14:hiddenFill xmlns:a14="http://schemas.microsoft.com/office/drawing/2010/main">
-                <a:solidFill>
-                  <a:srgbClr val="FFFFFF"/>
-                </a:solidFill>
-              </a14:hiddenFill>
-            </a:ext>
-          </a:extLst>
-        </p:spPr>
-      </p:pic>
-    </p:spTree>
-    <p:extLst>
-      <p:ext uri="{BB962C8B-B14F-4D97-AF65-F5344CB8AC3E}">
-        <p14:creationId xmlns:p14="http://schemas.microsoft.com/office/powerpoint/2010/main" val="1814979600"/>
-      </p:ext>
-    </p:extLst>
-  </p:cSld>
-  <p:clrMapOvr>
-    <a:masterClrMapping/>
-  </p:clrMapOvr>
-</p:sld>
-</file>
-
-<file path=ppt/slides/slide18.xml><?xml version="1.0" encoding="utf-8"?>
-<p:sld xmlns:a="http://schemas.openxmlformats.org/drawingml/2006/main" xmlns:r="http://schemas.openxmlformats.org/officeDocument/2006/relationships" xmlns:p="http://schemas.openxmlformats.org/presentationml/2006/main">
-  <p:cSld>
-    <p:spTree>
-      <p:nvGrpSpPr>
-        <p:cNvPr id="1" name=""/>
-        <p:cNvGrpSpPr/>
-        <p:nvPr/>
-      </p:nvGrpSpPr>
-      <p:grpSpPr>
-        <a:xfrm>
-          <a:off x="0" y="0"/>
-          <a:ext cx="0" cy="0"/>
-          <a:chOff x="0" y="0"/>
-          <a:chExt cx="0" cy="0"/>
-        </a:xfrm>
-      </p:grpSpPr>
-      <p:sp>
-        <p:nvSpPr>
-          <p:cNvPr id="2" name="Title 1">
-            <a:extLst>
-              <a:ext uri="{FF2B5EF4-FFF2-40B4-BE49-F238E27FC236}">
-                <a16:creationId xmlns:a16="http://schemas.microsoft.com/office/drawing/2014/main" id="{1A877E3B-C8DE-F07E-AF0F-4CF353351B7C}"/>
-              </a:ext>
-            </a:extLst>
-          </p:cNvPr>
-          <p:cNvSpPr>
-            <a:spLocks noGrp="1"/>
-          </p:cNvSpPr>
-          <p:nvPr>
-            <p:ph type="title"/>
-          </p:nvPr>
-        </p:nvSpPr>
-        <p:spPr/>
-        <p:txBody>
-          <a:bodyPr/>
-          <a:lstStyle/>
-          <a:p>
-            <a:r>
-              <a:rPr lang="en-US" dirty="0"/>
-              <a:t>2BU1+1AQ3_Quintuple Mutation – PHI 9.5</a:t>
-            </a:r>
-          </a:p>
-        </p:txBody>
-      </p:sp>
-      <p:sp>
-        <p:nvSpPr>
-          <p:cNvPr id="4" name="TextBox 3">
-            <a:extLst>
-              <a:ext uri="{FF2B5EF4-FFF2-40B4-BE49-F238E27FC236}">
-                <a16:creationId xmlns:a16="http://schemas.microsoft.com/office/drawing/2014/main" id="{728302CB-C012-00EF-0450-25C9128C2913}"/>
-              </a:ext>
-            </a:extLst>
-          </p:cNvPr>
-          <p:cNvSpPr txBox="1"/>
-          <p:nvPr/>
-        </p:nvSpPr>
-        <p:spPr>
-          <a:xfrm>
-            <a:off x="838200" y="1757723"/>
-            <a:ext cx="6094990" cy="923330"/>
-          </a:xfrm>
-          <a:prstGeom prst="rect">
-            <a:avLst/>
-          </a:prstGeom>
-          <a:noFill/>
-        </p:spPr>
-        <p:txBody>
-          <a:bodyPr wrap="square">
-            <a:spAutoFit/>
-          </a:bodyPr>
-          <a:lstStyle/>
-          <a:p>
-            <a:r>
-              <a:rPr lang="en-US" dirty="0"/>
-              <a:t>Pearson rank correlation coefficient: -0.743 </a:t>
-            </a:r>
-          </a:p>
-          <a:p>
-            <a:r>
-              <a:rPr lang="en-US" dirty="0"/>
-              <a:t>Spearman rank correlation coefficient: -0.777 </a:t>
-            </a:r>
-          </a:p>
-          <a:p>
-            <a:r>
-              <a:rPr lang="en-US" dirty="0"/>
-              <a:t>Coefficient of Determination (R^2): 0.552</a:t>
-            </a:r>
-          </a:p>
-        </p:txBody>
-      </p:sp>
-      <p:pic>
-        <p:nvPicPr>
-          <p:cNvPr id="11266" name="Picture 2">
-            <a:extLst>
-              <a:ext uri="{FF2B5EF4-FFF2-40B4-BE49-F238E27FC236}">
-                <a16:creationId xmlns:a16="http://schemas.microsoft.com/office/drawing/2014/main" id="{15FDEF14-DEC2-0599-9591-88A0CB69B03E}"/>
-              </a:ext>
-            </a:extLst>
-          </p:cNvPr>
-          <p:cNvPicPr>
-            <a:picLocks noChangeAspect="1" noChangeArrowheads="1"/>
-          </p:cNvPicPr>
-          <p:nvPr/>
-        </p:nvPicPr>
-        <p:blipFill>
-          <a:blip r:embed="rId2">
-            <a:extLst>
-              <a:ext uri="{28A0092B-C50C-407E-A947-70E740481C1C}">
-                <a14:useLocalDpi xmlns:a14="http://schemas.microsoft.com/office/drawing/2010/main" val="0"/>
-              </a:ext>
-            </a:extLst>
-          </a:blip>
-          <a:srcRect/>
-          <a:stretch>
-            <a:fillRect/>
-          </a:stretch>
-        </p:blipFill>
-        <p:spPr bwMode="auto">
-          <a:xfrm>
-            <a:off x="136627" y="3429000"/>
-            <a:ext cx="3827906" cy="2721631"/>
-          </a:xfrm>
-          <a:prstGeom prst="rect">
-            <a:avLst/>
-          </a:prstGeom>
-          <a:noFill/>
-          <a:extLst>
-            <a:ext uri="{909E8E84-426E-40DD-AFC4-6F175D3DCCD1}">
-              <a14:hiddenFill xmlns:a14="http://schemas.microsoft.com/office/drawing/2010/main">
-                <a:solidFill>
-                  <a:srgbClr val="FFFFFF"/>
-                </a:solidFill>
-              </a14:hiddenFill>
-            </a:ext>
-          </a:extLst>
-        </p:spPr>
-      </p:pic>
-      <p:pic>
-        <p:nvPicPr>
-          <p:cNvPr id="11268" name="Picture 4">
-            <a:extLst>
-              <a:ext uri="{FF2B5EF4-FFF2-40B4-BE49-F238E27FC236}">
-                <a16:creationId xmlns:a16="http://schemas.microsoft.com/office/drawing/2014/main" id="{BD9272A8-3735-53FC-87A6-B8D5B8DF19EB}"/>
-              </a:ext>
-            </a:extLst>
-          </p:cNvPr>
-          <p:cNvPicPr>
-            <a:picLocks noChangeAspect="1" noChangeArrowheads="1"/>
-          </p:cNvPicPr>
-          <p:nvPr/>
-        </p:nvPicPr>
-        <p:blipFill>
-          <a:blip r:embed="rId3">
-            <a:extLst>
-              <a:ext uri="{28A0092B-C50C-407E-A947-70E740481C1C}">
-                <a14:useLocalDpi xmlns:a14="http://schemas.microsoft.com/office/drawing/2010/main" val="0"/>
-              </a:ext>
-            </a:extLst>
-          </a:blip>
-          <a:srcRect/>
-          <a:stretch>
-            <a:fillRect/>
-          </a:stretch>
-        </p:blipFill>
-        <p:spPr bwMode="auto">
-          <a:xfrm>
-            <a:off x="4182047" y="3428999"/>
-            <a:ext cx="3827906" cy="2721632"/>
-          </a:xfrm>
-          <a:prstGeom prst="rect">
-            <a:avLst/>
-          </a:prstGeom>
-          <a:noFill/>
-          <a:extLst>
-            <a:ext uri="{909E8E84-426E-40DD-AFC4-6F175D3DCCD1}">
-              <a14:hiddenFill xmlns:a14="http://schemas.microsoft.com/office/drawing/2010/main">
-                <a:solidFill>
-                  <a:srgbClr val="FFFFFF"/>
-                </a:solidFill>
-              </a14:hiddenFill>
-            </a:ext>
-          </a:extLst>
-        </p:spPr>
-      </p:pic>
-      <p:pic>
-        <p:nvPicPr>
-          <p:cNvPr id="11270" name="Picture 6">
-            <a:extLst>
-              <a:ext uri="{FF2B5EF4-FFF2-40B4-BE49-F238E27FC236}">
-                <a16:creationId xmlns:a16="http://schemas.microsoft.com/office/drawing/2014/main" id="{70A53AA5-FA86-70FE-4878-658E3AA11D76}"/>
-              </a:ext>
-            </a:extLst>
-          </p:cNvPr>
-          <p:cNvPicPr>
-            <a:picLocks noChangeAspect="1" noChangeArrowheads="1"/>
-          </p:cNvPicPr>
-          <p:nvPr/>
-        </p:nvPicPr>
-        <p:blipFill>
-          <a:blip r:embed="rId4">
-            <a:extLst>
-              <a:ext uri="{28A0092B-C50C-407E-A947-70E740481C1C}">
-                <a14:useLocalDpi xmlns:a14="http://schemas.microsoft.com/office/drawing/2010/main" val="0"/>
-              </a:ext>
-            </a:extLst>
-          </a:blip>
-          <a:srcRect/>
-          <a:stretch>
-            <a:fillRect/>
-          </a:stretch>
-        </p:blipFill>
-        <p:spPr bwMode="auto">
-          <a:xfrm>
-            <a:off x="8113470" y="3428999"/>
-            <a:ext cx="3827906" cy="2721632"/>
-          </a:xfrm>
-          <a:prstGeom prst="rect">
-            <a:avLst/>
-          </a:prstGeom>
-          <a:noFill/>
-          <a:extLst>
-            <a:ext uri="{909E8E84-426E-40DD-AFC4-6F175D3DCCD1}">
-              <a14:hiddenFill xmlns:a14="http://schemas.microsoft.com/office/drawing/2010/main">
-                <a:solidFill>
-                  <a:srgbClr val="FFFFFF"/>
-                </a:solidFill>
-              </a14:hiddenFill>
-            </a:ext>
-          </a:extLst>
-        </p:spPr>
-      </p:pic>
-    </p:spTree>
-    <p:extLst>
-      <p:ext uri="{BB962C8B-B14F-4D97-AF65-F5344CB8AC3E}">
-        <p14:creationId xmlns:p14="http://schemas.microsoft.com/office/powerpoint/2010/main" val="1153257920"/>
-      </p:ext>
-    </p:extLst>
-  </p:cSld>
-  <p:clrMapOvr>
-    <a:masterClrMapping/>
-  </p:clrMapOvr>
-</p:sld>
-</file>
-
-<file path=ppt/slides/slide19.xml><?xml version="1.0" encoding="utf-8"?>
-<p:sld xmlns:a="http://schemas.openxmlformats.org/drawingml/2006/main" xmlns:r="http://schemas.openxmlformats.org/officeDocument/2006/relationships" xmlns:p="http://schemas.openxmlformats.org/presentationml/2006/main">
-  <p:cSld>
-    <p:spTree>
-      <p:nvGrpSpPr>
-        <p:cNvPr id="1" name=""/>
-        <p:cNvGrpSpPr/>
-        <p:nvPr/>
-      </p:nvGrpSpPr>
-      <p:grpSpPr>
-        <a:xfrm>
-          <a:off x="0" y="0"/>
-          <a:ext cx="0" cy="0"/>
-          <a:chOff x="0" y="0"/>
-          <a:chExt cx="0" cy="0"/>
-        </a:xfrm>
-      </p:grpSpPr>
-      <p:sp>
-        <p:nvSpPr>
-          <p:cNvPr id="2" name="Title 1">
-            <a:extLst>
-              <a:ext uri="{FF2B5EF4-FFF2-40B4-BE49-F238E27FC236}">
-                <a16:creationId xmlns:a16="http://schemas.microsoft.com/office/drawing/2014/main" id="{1A877E3B-C8DE-F07E-AF0F-4CF353351B7C}"/>
-              </a:ext>
-            </a:extLst>
-          </p:cNvPr>
-          <p:cNvSpPr>
-            <a:spLocks noGrp="1"/>
-          </p:cNvSpPr>
-          <p:nvPr>
-            <p:ph type="title"/>
-          </p:nvPr>
-        </p:nvSpPr>
-        <p:spPr/>
-        <p:txBody>
-          <a:bodyPr/>
-          <a:lstStyle/>
-          <a:p>
-            <a:r>
-              <a:rPr lang="en-US" dirty="0"/>
-              <a:t>2BU1+1U1Y_Quintuple Mutation – PHI 9.5</a:t>
-            </a:r>
-          </a:p>
-        </p:txBody>
-      </p:sp>
-      <p:sp>
-        <p:nvSpPr>
-          <p:cNvPr id="4" name="TextBox 3">
-            <a:extLst>
-              <a:ext uri="{FF2B5EF4-FFF2-40B4-BE49-F238E27FC236}">
-                <a16:creationId xmlns:a16="http://schemas.microsoft.com/office/drawing/2014/main" id="{728302CB-C012-00EF-0450-25C9128C2913}"/>
-              </a:ext>
-            </a:extLst>
-          </p:cNvPr>
-          <p:cNvSpPr txBox="1"/>
-          <p:nvPr/>
-        </p:nvSpPr>
-        <p:spPr>
-          <a:xfrm>
-            <a:off x="838200" y="1757723"/>
-            <a:ext cx="6094990" cy="923330"/>
-          </a:xfrm>
-          <a:prstGeom prst="rect">
-            <a:avLst/>
-          </a:prstGeom>
-          <a:noFill/>
-        </p:spPr>
-        <p:txBody>
-          <a:bodyPr wrap="square">
-            <a:spAutoFit/>
-          </a:bodyPr>
-          <a:lstStyle/>
-          <a:p>
-            <a:r>
-              <a:rPr lang="en-US" dirty="0"/>
-              <a:t>Pearson rank correlation coefficient: -0.837 </a:t>
-            </a:r>
-          </a:p>
-          <a:p>
-            <a:r>
-              <a:rPr lang="en-US" dirty="0"/>
-              <a:t>Spearman rank correlation coefficient: -0.738 </a:t>
-            </a:r>
-          </a:p>
-          <a:p>
-            <a:r>
-              <a:rPr lang="en-US" dirty="0"/>
-              <a:t>Coefficient of Determination (R^2): 0.700</a:t>
-            </a:r>
-          </a:p>
-        </p:txBody>
-      </p:sp>
-      <p:pic>
-        <p:nvPicPr>
-          <p:cNvPr id="7170" name="Picture 2">
-            <a:extLst>
-              <a:ext uri="{FF2B5EF4-FFF2-40B4-BE49-F238E27FC236}">
-                <a16:creationId xmlns:a16="http://schemas.microsoft.com/office/drawing/2014/main" id="{37C400EC-86ED-381E-9CF9-5267B4B8B272}"/>
-              </a:ext>
-            </a:extLst>
-          </p:cNvPr>
-          <p:cNvPicPr>
-            <a:picLocks noChangeAspect="1" noChangeArrowheads="1"/>
-          </p:cNvPicPr>
-          <p:nvPr/>
-        </p:nvPicPr>
-        <p:blipFill>
-          <a:blip r:embed="rId2">
-            <a:extLst>
-              <a:ext uri="{28A0092B-C50C-407E-A947-70E740481C1C}">
-                <a14:useLocalDpi xmlns:a14="http://schemas.microsoft.com/office/drawing/2010/main" val="0"/>
-              </a:ext>
-            </a:extLst>
-          </a:blip>
-          <a:srcRect/>
-          <a:stretch>
-            <a:fillRect/>
-          </a:stretch>
-        </p:blipFill>
-        <p:spPr bwMode="auto">
-          <a:xfrm>
-            <a:off x="209524" y="3597905"/>
-            <a:ext cx="3676171" cy="2613747"/>
-          </a:xfrm>
-          <a:prstGeom prst="rect">
-            <a:avLst/>
-          </a:prstGeom>
-          <a:noFill/>
-          <a:extLst>
-            <a:ext uri="{909E8E84-426E-40DD-AFC4-6F175D3DCCD1}">
-              <a14:hiddenFill xmlns:a14="http://schemas.microsoft.com/office/drawing/2010/main">
-                <a:solidFill>
-                  <a:srgbClr val="FFFFFF"/>
-                </a:solidFill>
-              </a14:hiddenFill>
-            </a:ext>
-          </a:extLst>
-        </p:spPr>
-      </p:pic>
-      <p:pic>
-        <p:nvPicPr>
-          <p:cNvPr id="7172" name="Picture 4">
-            <a:extLst>
-              <a:ext uri="{FF2B5EF4-FFF2-40B4-BE49-F238E27FC236}">
-                <a16:creationId xmlns:a16="http://schemas.microsoft.com/office/drawing/2014/main" id="{7B4FA37C-E5F3-4309-6690-F8F379ACED74}"/>
-              </a:ext>
-            </a:extLst>
-          </p:cNvPr>
-          <p:cNvPicPr>
-            <a:picLocks noChangeAspect="1" noChangeArrowheads="1"/>
-          </p:cNvPicPr>
-          <p:nvPr/>
-        </p:nvPicPr>
-        <p:blipFill>
-          <a:blip r:embed="rId3">
-            <a:extLst>
-              <a:ext uri="{28A0092B-C50C-407E-A947-70E740481C1C}">
-                <a14:useLocalDpi xmlns:a14="http://schemas.microsoft.com/office/drawing/2010/main" val="0"/>
-              </a:ext>
-            </a:extLst>
-          </a:blip>
-          <a:srcRect/>
-          <a:stretch>
-            <a:fillRect/>
-          </a:stretch>
-        </p:blipFill>
-        <p:spPr bwMode="auto">
-          <a:xfrm>
-            <a:off x="4257914" y="3597905"/>
-            <a:ext cx="3676171" cy="2613748"/>
-          </a:xfrm>
-          <a:prstGeom prst="rect">
-            <a:avLst/>
-          </a:prstGeom>
-          <a:noFill/>
-          <a:extLst>
-            <a:ext uri="{909E8E84-426E-40DD-AFC4-6F175D3DCCD1}">
-              <a14:hiddenFill xmlns:a14="http://schemas.microsoft.com/office/drawing/2010/main">
-                <a:solidFill>
-                  <a:srgbClr val="FFFFFF"/>
-                </a:solidFill>
-              </a14:hiddenFill>
-            </a:ext>
-          </a:extLst>
-        </p:spPr>
-      </p:pic>
-      <p:pic>
-        <p:nvPicPr>
-          <p:cNvPr id="7174" name="Picture 6">
-            <a:extLst>
-              <a:ext uri="{FF2B5EF4-FFF2-40B4-BE49-F238E27FC236}">
-                <a16:creationId xmlns:a16="http://schemas.microsoft.com/office/drawing/2014/main" id="{0F6493CF-91CB-D6A1-419E-DD1E62A18CD5}"/>
-              </a:ext>
-            </a:extLst>
-          </p:cNvPr>
-          <p:cNvPicPr>
-            <a:picLocks noChangeAspect="1" noChangeArrowheads="1"/>
-          </p:cNvPicPr>
-          <p:nvPr/>
-        </p:nvPicPr>
-        <p:blipFill>
-          <a:blip r:embed="rId4">
-            <a:extLst>
-              <a:ext uri="{28A0092B-C50C-407E-A947-70E740481C1C}">
-                <a14:useLocalDpi xmlns:a14="http://schemas.microsoft.com/office/drawing/2010/main" val="0"/>
-              </a:ext>
-            </a:extLst>
-          </a:blip>
-          <a:srcRect/>
-          <a:stretch>
-            <a:fillRect/>
-          </a:stretch>
-        </p:blipFill>
-        <p:spPr bwMode="auto">
-          <a:xfrm>
-            <a:off x="8091696" y="3597905"/>
-            <a:ext cx="3676171" cy="2613748"/>
-          </a:xfrm>
-          <a:prstGeom prst="rect">
-            <a:avLst/>
-          </a:prstGeom>
-          <a:noFill/>
-          <a:extLst>
-            <a:ext uri="{909E8E84-426E-40DD-AFC4-6F175D3DCCD1}">
-              <a14:hiddenFill xmlns:a14="http://schemas.microsoft.com/office/drawing/2010/main">
-                <a:solidFill>
-                  <a:srgbClr val="FFFFFF"/>
-                </a:solidFill>
-              </a14:hiddenFill>
-            </a:ext>
-          </a:extLst>
-        </p:spPr>
-      </p:pic>
-    </p:spTree>
-    <p:extLst>
-      <p:ext uri="{BB962C8B-B14F-4D97-AF65-F5344CB8AC3E}">
-        <p14:creationId xmlns:p14="http://schemas.microsoft.com/office/powerpoint/2010/main" val="2593722877"/>
+        <p14:creationId xmlns:p14="http://schemas.microsoft.com/office/powerpoint/2010/main" val="3586080886"/>
       </p:ext>
     </p:extLst>
   </p:cSld>
@@ -6166,108 +4975,6 @@
     <p:extLst>
       <p:ext uri="{BB962C8B-B14F-4D97-AF65-F5344CB8AC3E}">
         <p14:creationId xmlns:p14="http://schemas.microsoft.com/office/powerpoint/2010/main" val="1584959620"/>
-      </p:ext>
-    </p:extLst>
-  </p:cSld>
-  <p:clrMapOvr>
-    <a:masterClrMapping/>
-  </p:clrMapOvr>
-</p:sld>
-</file>
-
-<file path=ppt/slides/slide20.xml><?xml version="1.0" encoding="utf-8"?>
-<p:sld xmlns:a="http://schemas.openxmlformats.org/drawingml/2006/main" xmlns:r="http://schemas.openxmlformats.org/officeDocument/2006/relationships" xmlns:p="http://schemas.openxmlformats.org/presentationml/2006/main">
-  <p:cSld>
-    <p:spTree>
-      <p:nvGrpSpPr>
-        <p:cNvPr id="1" name=""/>
-        <p:cNvGrpSpPr/>
-        <p:nvPr/>
-      </p:nvGrpSpPr>
-      <p:grpSpPr>
-        <a:xfrm>
-          <a:off x="0" y="0"/>
-          <a:ext cx="0" cy="0"/>
-          <a:chOff x="0" y="0"/>
-          <a:chExt cx="0" cy="0"/>
-        </a:xfrm>
-      </p:grpSpPr>
-      <p:sp>
-        <p:nvSpPr>
-          <p:cNvPr id="2" name="Title 1">
-            <a:extLst>
-              <a:ext uri="{FF2B5EF4-FFF2-40B4-BE49-F238E27FC236}">
-                <a16:creationId xmlns:a16="http://schemas.microsoft.com/office/drawing/2014/main" id="{82A4BB28-B350-8F6A-5B47-2C7B4FA83426}"/>
-              </a:ext>
-            </a:extLst>
-          </p:cNvPr>
-          <p:cNvSpPr>
-            <a:spLocks noGrp="1"/>
-          </p:cNvSpPr>
-          <p:nvPr>
-            <p:ph type="title"/>
-          </p:nvPr>
-        </p:nvSpPr>
-        <p:spPr/>
-        <p:txBody>
-          <a:bodyPr/>
-          <a:lstStyle/>
-          <a:p>
-            <a:endParaRPr lang="en-US"/>
-          </a:p>
-        </p:txBody>
-      </p:sp>
-      <p:pic>
-        <p:nvPicPr>
-          <p:cNvPr id="1026" name="Picture 2">
-            <a:extLst>
-              <a:ext uri="{FF2B5EF4-FFF2-40B4-BE49-F238E27FC236}">
-                <a16:creationId xmlns:a16="http://schemas.microsoft.com/office/drawing/2014/main" id="{556A4AEA-540E-58E8-2BD7-5C8C39FC9585}"/>
-              </a:ext>
-            </a:extLst>
-          </p:cNvPr>
-          <p:cNvPicPr>
-            <a:picLocks noChangeAspect="1" noChangeArrowheads="1"/>
-          </p:cNvPicPr>
-          <p:nvPr/>
-        </p:nvPicPr>
-        <p:blipFill>
-          <a:blip r:embed="rId2">
-            <a:extLst>
-              <a:ext uri="{28A0092B-C50C-407E-A947-70E740481C1C}">
-                <a14:useLocalDpi xmlns:a14="http://schemas.microsoft.com/office/drawing/2010/main" val="0"/>
-              </a:ext>
-            </a:extLst>
-          </a:blip>
-          <a:srcRect/>
-          <a:stretch>
-            <a:fillRect/>
-          </a:stretch>
-        </p:blipFill>
-        <p:spPr bwMode="auto">
-          <a:xfrm>
-            <a:off x="2228849" y="1690688"/>
-            <a:ext cx="7173829" cy="5074617"/>
-          </a:xfrm>
-          <a:prstGeom prst="rect">
-            <a:avLst/>
-          </a:prstGeom>
-          <a:noFill/>
-          <a:extLst>
-            <a:ext uri="{909E8E84-426E-40DD-AFC4-6F175D3DCCD1}">
-              <a14:hiddenFill xmlns:a14="http://schemas.microsoft.com/office/drawing/2010/main">
-                <a:solidFill>
-                  <a:srgbClr val="FFFFFF"/>
-                </a:solidFill>
-              </a14:hiddenFill>
-            </a:ext>
-          </a:extLst>
-        </p:spPr>
-      </p:pic>
-    </p:spTree>
-    <p:extLst>
-      <p:ext uri="{BB962C8B-B14F-4D97-AF65-F5344CB8AC3E}">
-        <p14:creationId xmlns:p14="http://schemas.microsoft.com/office/powerpoint/2010/main" val="3586080886"/>
       </p:ext>
     </p:extLst>
   </p:cSld>
@@ -6595,7 +5302,7 @@
           <a:p>
             <a:r>
               <a:rPr lang="en-US" dirty="0"/>
-              <a:t>2BU1_Single Mutation – PHI 9.5</a:t>
+              <a:t>OLD_2BU1_Single Mutation – PHI 9.5</a:t>
             </a:r>
           </a:p>
         </p:txBody>
@@ -6662,7 +5369,7 @@
           <p:nvPr/>
         </p:nvPicPr>
         <p:blipFill>
-          <a:blip r:embed="rId2">
+          <a:blip r:embed="rId3">
             <a:extLst>
               <a:ext uri="{28A0092B-C50C-407E-A947-70E740481C1C}">
                 <a14:useLocalDpi xmlns:a14="http://schemas.microsoft.com/office/drawing/2010/main" val="0"/>
@@ -6709,7 +5416,7 @@
           <p:nvPr/>
         </p:nvPicPr>
         <p:blipFill>
-          <a:blip r:embed="rId3">
+          <a:blip r:embed="rId4">
             <a:extLst>
               <a:ext uri="{28A0092B-C50C-407E-A947-70E740481C1C}">
                 <a14:useLocalDpi xmlns:a14="http://schemas.microsoft.com/office/drawing/2010/main" val="0"/>
@@ -6756,7 +5463,7 @@
           <p:nvPr/>
         </p:nvPicPr>
         <p:blipFill>
-          <a:blip r:embed="rId4">
+          <a:blip r:embed="rId5">
             <a:extLst>
               <a:ext uri="{28A0092B-C50C-407E-A947-70E740481C1C}">
                 <a14:useLocalDpi xmlns:a14="http://schemas.microsoft.com/office/drawing/2010/main" val="0"/>
@@ -6788,6 +5495,49 @@
           </a:extLst>
         </p:spPr>
       </p:pic>
+      <p:sp>
+        <p:nvSpPr>
+          <p:cNvPr id="3" name="TextBox 2">
+            <a:extLst>
+              <a:ext uri="{FF2B5EF4-FFF2-40B4-BE49-F238E27FC236}">
+                <a16:creationId xmlns:a16="http://schemas.microsoft.com/office/drawing/2014/main" id="{C06C21FD-A971-50CE-F2C9-2D735645C6FF}"/>
+              </a:ext>
+            </a:extLst>
+          </p:cNvPr>
+          <p:cNvSpPr txBox="1"/>
+          <p:nvPr/>
+        </p:nvSpPr>
+        <p:spPr>
+          <a:xfrm>
+            <a:off x="7556500" y="1828668"/>
+            <a:ext cx="2857500" cy="646331"/>
+          </a:xfrm>
+          <a:prstGeom prst="rect">
+            <a:avLst/>
+          </a:prstGeom>
+          <a:noFill/>
+        </p:spPr>
+        <p:txBody>
+          <a:bodyPr wrap="square" rtlCol="0">
+            <a:spAutoFit/>
+          </a:bodyPr>
+          <a:lstStyle/>
+          <a:p>
+            <a:r>
+              <a:rPr lang="en-US" dirty="0"/>
+              <a:t>OLD = old </a:t>
+            </a:r>
+            <a:r>
+              <a:rPr lang="en-US" dirty="0" err="1"/>
+              <a:t>gamma_filtered</a:t>
+            </a:r>
+            <a:r>
+              <a:rPr lang="en-US" dirty="0"/>
+              <a:t> file, unable to replicate</a:t>
+            </a:r>
+          </a:p>
+        </p:txBody>
+      </p:sp>
     </p:spTree>
     <p:extLst>
       <p:ext uri="{BB962C8B-B14F-4D97-AF65-F5344CB8AC3E}">
@@ -6841,7 +5591,7 @@
           <a:p>
             <a:r>
               <a:rPr lang="en-US" dirty="0"/>
-              <a:t>2BU1+1AQ3_Single Mutation – PHI 9.5</a:t>
+              <a:t>2BU1_Single Mutation – PHI 9.5</a:t>
             </a:r>
           </a:p>
         </p:txBody>
@@ -6876,29 +5626,29 @@
           <a:p>
             <a:r>
               <a:rPr lang="en-US" dirty="0"/>
-              <a:t>Pearson rank correlation coefficient: 0.281 </a:t>
+              <a:t>Pearson rank correlation coefficient: 0.414 </a:t>
             </a:r>
           </a:p>
           <a:p>
             <a:r>
               <a:rPr lang="en-US" dirty="0"/>
-              <a:t>Spearman rank correlation coefficient: 0.281 </a:t>
+              <a:t>Spearman rank correlation coefficient: 0.295 </a:t>
             </a:r>
           </a:p>
           <a:p>
             <a:r>
               <a:rPr lang="en-US" dirty="0"/>
-              <a:t>Coefficient of Determination (R^2): 0.079</a:t>
+              <a:t>Coefficient of Determination (R^2): 0.172</a:t>
             </a:r>
           </a:p>
         </p:txBody>
       </p:sp>
       <p:pic>
         <p:nvPicPr>
-          <p:cNvPr id="7170" name="Picture 2">
-            <a:extLst>
-              <a:ext uri="{FF2B5EF4-FFF2-40B4-BE49-F238E27FC236}">
-                <a16:creationId xmlns:a16="http://schemas.microsoft.com/office/drawing/2014/main" id="{C44170F2-DD9D-2ABB-92B7-F6D9876D3963}"/>
+          <p:cNvPr id="4" name="Picture 2">
+            <a:extLst>
+              <a:ext uri="{FF2B5EF4-FFF2-40B4-BE49-F238E27FC236}">
+                <a16:creationId xmlns:a16="http://schemas.microsoft.com/office/drawing/2014/main" id="{05C55C38-2725-2A17-EF88-9BB2E2702C46}"/>
               </a:ext>
             </a:extLst>
           </p:cNvPr>
@@ -6922,8 +5672,8 @@
         </p:blipFill>
         <p:spPr bwMode="auto">
           <a:xfrm>
-            <a:off x="550773" y="3429000"/>
-            <a:ext cx="3598532" cy="2558547"/>
+            <a:off x="163059" y="3525398"/>
+            <a:ext cx="3848287" cy="2736122"/>
           </a:xfrm>
           <a:prstGeom prst="rect">
             <a:avLst/>
@@ -6942,10 +5692,10 @@
       </p:pic>
       <p:pic>
         <p:nvPicPr>
-          <p:cNvPr id="7172" name="Picture 4">
-            <a:extLst>
-              <a:ext uri="{FF2B5EF4-FFF2-40B4-BE49-F238E27FC236}">
-                <a16:creationId xmlns:a16="http://schemas.microsoft.com/office/drawing/2014/main" id="{E0B2983D-5E7C-DAEB-811A-316DACFC4EB3}"/>
+          <p:cNvPr id="5" name="Picture 4">
+            <a:extLst>
+              <a:ext uri="{FF2B5EF4-FFF2-40B4-BE49-F238E27FC236}">
+                <a16:creationId xmlns:a16="http://schemas.microsoft.com/office/drawing/2014/main" id="{574026B8-2C05-C468-AA85-F233000B674C}"/>
               </a:ext>
             </a:extLst>
           </p:cNvPr>
@@ -6969,8 +5719,8 @@
         </p:blipFill>
         <p:spPr bwMode="auto">
           <a:xfrm>
-            <a:off x="4296734" y="3429000"/>
-            <a:ext cx="3598532" cy="2558547"/>
+            <a:off x="4171856" y="3525398"/>
+            <a:ext cx="3848287" cy="2736122"/>
           </a:xfrm>
           <a:prstGeom prst="rect">
             <a:avLst/>
@@ -6989,10 +5739,10 @@
       </p:pic>
       <p:pic>
         <p:nvPicPr>
-          <p:cNvPr id="7174" name="Picture 6">
-            <a:extLst>
-              <a:ext uri="{FF2B5EF4-FFF2-40B4-BE49-F238E27FC236}">
-                <a16:creationId xmlns:a16="http://schemas.microsoft.com/office/drawing/2014/main" id="{8B131D8D-0BDD-43F7-226D-C7DC78267D03}"/>
+          <p:cNvPr id="7" name="Picture 6">
+            <a:extLst>
+              <a:ext uri="{FF2B5EF4-FFF2-40B4-BE49-F238E27FC236}">
+                <a16:creationId xmlns:a16="http://schemas.microsoft.com/office/drawing/2014/main" id="{B009D7A4-598F-6091-3653-34D53CC5F69E}"/>
               </a:ext>
             </a:extLst>
           </p:cNvPr>
@@ -7016,8 +5766,8 @@
         </p:blipFill>
         <p:spPr bwMode="auto">
           <a:xfrm>
-            <a:off x="8042695" y="3429000"/>
-            <a:ext cx="3598532" cy="2558547"/>
+            <a:off x="8180654" y="3525398"/>
+            <a:ext cx="3848287" cy="2736122"/>
           </a:xfrm>
           <a:prstGeom prst="rect">
             <a:avLst/>
@@ -7037,7 +5787,7 @@
     </p:spTree>
     <p:extLst>
       <p:ext uri="{BB962C8B-B14F-4D97-AF65-F5344CB8AC3E}">
-        <p14:creationId xmlns:p14="http://schemas.microsoft.com/office/powerpoint/2010/main" val="3414593977"/>
+        <p14:creationId xmlns:p14="http://schemas.microsoft.com/office/powerpoint/2010/main" val="275974390"/>
       </p:ext>
     </p:extLst>
   </p:cSld>
@@ -7087,7 +5837,7 @@
           <a:p>
             <a:r>
               <a:rPr lang="en-US" dirty="0"/>
-              <a:t>2BU1+1U1Y_Single Mutation – PHI 9.5</a:t>
+              <a:t>OLD_2BU1_Double Mutation – PHI 9.5</a:t>
             </a:r>
           </a:p>
         </p:txBody>
@@ -7106,7 +5856,7 @@
         </p:nvSpPr>
         <p:spPr>
           <a:xfrm>
-            <a:off x="838200" y="1757723"/>
+            <a:off x="944671" y="1690688"/>
             <a:ext cx="6094990" cy="923330"/>
           </a:xfrm>
           <a:prstGeom prst="rect">
@@ -7121,30 +5871,31 @@
           <a:lstStyle/>
           <a:p>
             <a:r>
-              <a:rPr lang="en-US" dirty="0"/>
-              <a:t>Pearson rank correlation coefficient: 0.086 </a:t>
-            </a:r>
-          </a:p>
-          <a:p>
-            <a:r>
-              <a:rPr lang="en-US" dirty="0"/>
-              <a:t>Spearman rank correlation coefficient: -0.058 </a:t>
-            </a:r>
-          </a:p>
-          <a:p>
-            <a:r>
-              <a:rPr lang="en-US" dirty="0"/>
-              <a:t>Coefficient of Determination (R^2): 0.007</a:t>
-            </a:r>
+              <a:rPr lang="en-US"/>
+              <a:t>Pearson rank correlation coefficient: 0.490 </a:t>
+            </a:r>
+          </a:p>
+          <a:p>
+            <a:r>
+              <a:rPr lang="en-US"/>
+              <a:t>Spearman rank correlation coefficient: 0.488 </a:t>
+            </a:r>
+          </a:p>
+          <a:p>
+            <a:r>
+              <a:rPr lang="en-US"/>
+              <a:t>Coefficient of Determination (R^2): 0.240</a:t>
+            </a:r>
+            <a:endParaRPr lang="en-US" dirty="0"/>
           </a:p>
         </p:txBody>
       </p:sp>
       <p:pic>
         <p:nvPicPr>
-          <p:cNvPr id="1026" name="Picture 2">
-            <a:extLst>
-              <a:ext uri="{FF2B5EF4-FFF2-40B4-BE49-F238E27FC236}">
-                <a16:creationId xmlns:a16="http://schemas.microsoft.com/office/drawing/2014/main" id="{37947B81-3496-8F12-3210-961F9D2484D4}"/>
+          <p:cNvPr id="2062" name="Picture 14">
+            <a:extLst>
+              <a:ext uri="{FF2B5EF4-FFF2-40B4-BE49-F238E27FC236}">
+                <a16:creationId xmlns:a16="http://schemas.microsoft.com/office/drawing/2014/main" id="{16581E37-EA91-74D2-CF2E-9640457A6A0A}"/>
               </a:ext>
             </a:extLst>
           </p:cNvPr>
@@ -7168,8 +5919,8 @@
         </p:blipFill>
         <p:spPr bwMode="auto">
           <a:xfrm>
-            <a:off x="249465" y="3235636"/>
-            <a:ext cx="3814862" cy="2712357"/>
+            <a:off x="219794" y="3435467"/>
+            <a:ext cx="3623609" cy="2576376"/>
           </a:xfrm>
           <a:prstGeom prst="rect">
             <a:avLst/>
@@ -7188,10 +5939,10 @@
       </p:pic>
       <p:pic>
         <p:nvPicPr>
-          <p:cNvPr id="1028" name="Picture 4">
-            <a:extLst>
-              <a:ext uri="{FF2B5EF4-FFF2-40B4-BE49-F238E27FC236}">
-                <a16:creationId xmlns:a16="http://schemas.microsoft.com/office/drawing/2014/main" id="{903FF1BE-CABE-E52A-5E36-E9D66EB380F8}"/>
+          <p:cNvPr id="2064" name="Picture 16">
+            <a:extLst>
+              <a:ext uri="{FF2B5EF4-FFF2-40B4-BE49-F238E27FC236}">
+                <a16:creationId xmlns:a16="http://schemas.microsoft.com/office/drawing/2014/main" id="{471403BB-E539-3D44-5B3F-8C3F5A23A3AA}"/>
               </a:ext>
             </a:extLst>
           </p:cNvPr>
@@ -7215,8 +5966,8 @@
         </p:blipFill>
         <p:spPr bwMode="auto">
           <a:xfrm>
-            <a:off x="4188569" y="3235636"/>
-            <a:ext cx="3814861" cy="2712356"/>
+            <a:off x="4356817" y="3435466"/>
+            <a:ext cx="3623609" cy="2576377"/>
           </a:xfrm>
           <a:prstGeom prst="rect">
             <a:avLst/>
@@ -7235,10 +5986,10 @@
       </p:pic>
       <p:pic>
         <p:nvPicPr>
-          <p:cNvPr id="1030" name="Picture 6">
-            <a:extLst>
-              <a:ext uri="{FF2B5EF4-FFF2-40B4-BE49-F238E27FC236}">
-                <a16:creationId xmlns:a16="http://schemas.microsoft.com/office/drawing/2014/main" id="{5AA16F07-0C2B-4E11-751D-85C2525B5E8E}"/>
+          <p:cNvPr id="2066" name="Picture 18">
+            <a:extLst>
+              <a:ext uri="{FF2B5EF4-FFF2-40B4-BE49-F238E27FC236}">
+                <a16:creationId xmlns:a16="http://schemas.microsoft.com/office/drawing/2014/main" id="{6BAC9327-8E8B-A803-C280-19330F637250}"/>
               </a:ext>
             </a:extLst>
           </p:cNvPr>
@@ -7262,8 +6013,8 @@
         </p:blipFill>
         <p:spPr bwMode="auto">
           <a:xfrm>
-            <a:off x="8127672" y="3235636"/>
-            <a:ext cx="3814861" cy="2712356"/>
+            <a:off x="8348597" y="3435466"/>
+            <a:ext cx="3623609" cy="2576377"/>
           </a:xfrm>
           <a:prstGeom prst="rect">
             <a:avLst/>
@@ -7280,10 +6031,53 @@
           </a:extLst>
         </p:spPr>
       </p:pic>
+      <p:sp>
+        <p:nvSpPr>
+          <p:cNvPr id="3" name="TextBox 2">
+            <a:extLst>
+              <a:ext uri="{FF2B5EF4-FFF2-40B4-BE49-F238E27FC236}">
+                <a16:creationId xmlns:a16="http://schemas.microsoft.com/office/drawing/2014/main" id="{CC3803F0-9AD3-BD86-E96A-A98FC43E28BF}"/>
+              </a:ext>
+            </a:extLst>
+          </p:cNvPr>
+          <p:cNvSpPr txBox="1"/>
+          <p:nvPr/>
+        </p:nvSpPr>
+        <p:spPr>
+          <a:xfrm>
+            <a:off x="7556500" y="1828668"/>
+            <a:ext cx="2857500" cy="646331"/>
+          </a:xfrm>
+          <a:prstGeom prst="rect">
+            <a:avLst/>
+          </a:prstGeom>
+          <a:noFill/>
+        </p:spPr>
+        <p:txBody>
+          <a:bodyPr wrap="square" rtlCol="0">
+            <a:spAutoFit/>
+          </a:bodyPr>
+          <a:lstStyle/>
+          <a:p>
+            <a:r>
+              <a:rPr lang="en-US" dirty="0"/>
+              <a:t>OLD = old </a:t>
+            </a:r>
+            <a:r>
+              <a:rPr lang="en-US" dirty="0" err="1"/>
+              <a:t>gamma_filtered</a:t>
+            </a:r>
+            <a:r>
+              <a:rPr lang="en-US" dirty="0"/>
+              <a:t> file, unable to replicate</a:t>
+            </a:r>
+          </a:p>
+        </p:txBody>
+      </p:sp>
     </p:spTree>
     <p:extLst>
       <p:ext uri="{BB962C8B-B14F-4D97-AF65-F5344CB8AC3E}">
-        <p14:creationId xmlns:p14="http://schemas.microsoft.com/office/powerpoint/2010/main" val="471055836"/>
+        <p14:creationId xmlns:p14="http://schemas.microsoft.com/office/powerpoint/2010/main" val="1988163834"/>
       </p:ext>
     </p:extLst>
   </p:cSld>
@@ -7367,31 +6161,30 @@
           <a:lstStyle/>
           <a:p>
             <a:r>
-              <a:rPr lang="en-US"/>
-              <a:t>Pearson rank correlation coefficient: 0.490 </a:t>
-            </a:r>
-          </a:p>
-          <a:p>
-            <a:r>
-              <a:rPr lang="en-US"/>
-              <a:t>Spearman rank correlation coefficient: 0.488 </a:t>
-            </a:r>
-          </a:p>
-          <a:p>
-            <a:r>
-              <a:rPr lang="en-US"/>
-              <a:t>Coefficient of Determination (R^2): 0.240</a:t>
-            </a:r>
-            <a:endParaRPr lang="en-US" dirty="0"/>
+              <a:rPr lang="en-US" dirty="0"/>
+              <a:t>Pearson rank correlation coefficient: 0.371 </a:t>
+            </a:r>
+          </a:p>
+          <a:p>
+            <a:r>
+              <a:rPr lang="en-US" dirty="0"/>
+              <a:t>Spearman rank correlation coefficient: 0.349 </a:t>
+            </a:r>
+          </a:p>
+          <a:p>
+            <a:r>
+              <a:rPr lang="en-US" dirty="0"/>
+              <a:t>Coefficient of Determination (R^2): 0.138</a:t>
+            </a:r>
           </a:p>
         </p:txBody>
       </p:sp>
       <p:pic>
         <p:nvPicPr>
-          <p:cNvPr id="2062" name="Picture 14">
-            <a:extLst>
-              <a:ext uri="{FF2B5EF4-FFF2-40B4-BE49-F238E27FC236}">
-                <a16:creationId xmlns:a16="http://schemas.microsoft.com/office/drawing/2014/main" id="{16581E37-EA91-74D2-CF2E-9640457A6A0A}"/>
+          <p:cNvPr id="2050" name="Picture 2">
+            <a:extLst>
+              <a:ext uri="{FF2B5EF4-FFF2-40B4-BE49-F238E27FC236}">
+                <a16:creationId xmlns:a16="http://schemas.microsoft.com/office/drawing/2014/main" id="{D2608875-83C0-0A21-D6DD-9F4093573655}"/>
               </a:ext>
             </a:extLst>
           </p:cNvPr>
@@ -7415,8 +6208,8 @@
         </p:blipFill>
         <p:spPr bwMode="auto">
           <a:xfrm>
-            <a:off x="219794" y="3435467"/>
-            <a:ext cx="3623609" cy="2576376"/>
+            <a:off x="110169" y="3264377"/>
+            <a:ext cx="3924204" cy="2790099"/>
           </a:xfrm>
           <a:prstGeom prst="rect">
             <a:avLst/>
@@ -7435,10 +6228,10 @@
       </p:pic>
       <p:pic>
         <p:nvPicPr>
-          <p:cNvPr id="2064" name="Picture 16">
-            <a:extLst>
-              <a:ext uri="{FF2B5EF4-FFF2-40B4-BE49-F238E27FC236}">
-                <a16:creationId xmlns:a16="http://schemas.microsoft.com/office/drawing/2014/main" id="{471403BB-E539-3D44-5B3F-8C3F5A23A3AA}"/>
+          <p:cNvPr id="2052" name="Picture 4">
+            <a:extLst>
+              <a:ext uri="{FF2B5EF4-FFF2-40B4-BE49-F238E27FC236}">
+                <a16:creationId xmlns:a16="http://schemas.microsoft.com/office/drawing/2014/main" id="{5095666B-0477-E264-D090-BF90F0867DB6}"/>
               </a:ext>
             </a:extLst>
           </p:cNvPr>
@@ -7462,8 +6255,8 @@
         </p:blipFill>
         <p:spPr bwMode="auto">
           <a:xfrm>
-            <a:off x="4356817" y="3435466"/>
-            <a:ext cx="3623609" cy="2576377"/>
+            <a:off x="4133898" y="3264377"/>
+            <a:ext cx="3924204" cy="2790099"/>
           </a:xfrm>
           <a:prstGeom prst="rect">
             <a:avLst/>
@@ -7482,10 +6275,10 @@
       </p:pic>
       <p:pic>
         <p:nvPicPr>
-          <p:cNvPr id="2066" name="Picture 18">
-            <a:extLst>
-              <a:ext uri="{FF2B5EF4-FFF2-40B4-BE49-F238E27FC236}">
-                <a16:creationId xmlns:a16="http://schemas.microsoft.com/office/drawing/2014/main" id="{6BAC9327-8E8B-A803-C280-19330F637250}"/>
+          <p:cNvPr id="2054" name="Picture 6">
+            <a:extLst>
+              <a:ext uri="{FF2B5EF4-FFF2-40B4-BE49-F238E27FC236}">
+                <a16:creationId xmlns:a16="http://schemas.microsoft.com/office/drawing/2014/main" id="{A6F4188A-828B-DD0B-D7B6-69AEF7DACBBA}"/>
               </a:ext>
             </a:extLst>
           </p:cNvPr>
@@ -7509,8 +6302,8 @@
         </p:blipFill>
         <p:spPr bwMode="auto">
           <a:xfrm>
-            <a:off x="8348597" y="3435466"/>
-            <a:ext cx="3623609" cy="2576377"/>
+            <a:off x="8157627" y="3264377"/>
+            <a:ext cx="3924204" cy="2790099"/>
           </a:xfrm>
           <a:prstGeom prst="rect">
             <a:avLst/>
@@ -7580,7 +6373,7 @@
           <a:p>
             <a:r>
               <a:rPr lang="en-US" dirty="0"/>
-              <a:t>2BU1+1AQ3_Double Mutation – PHI 9.5</a:t>
+              <a:t>OLD_2BU1_Triple Mutation – PHI 9.5</a:t>
             </a:r>
           </a:p>
         </p:txBody>
@@ -7599,7 +6392,7 @@
         </p:nvSpPr>
         <p:spPr>
           <a:xfrm>
-            <a:off x="944671" y="1690688"/>
+            <a:off x="838200" y="1757723"/>
             <a:ext cx="6094990" cy="923330"/>
           </a:xfrm>
           <a:prstGeom prst="rect">
@@ -7615,29 +6408,29 @@
           <a:p>
             <a:r>
               <a:rPr lang="en-US" dirty="0"/>
-              <a:t>Pearson rank correlation coefficient: 0.329 </a:t>
+              <a:t>Pearson rank correlation coefficient: 0.534 </a:t>
             </a:r>
           </a:p>
           <a:p>
             <a:r>
               <a:rPr lang="en-US" dirty="0"/>
-              <a:t>Spearman rank correlation coefficient: 0.331 </a:t>
+              <a:t>Spearman rank correlation coefficient: 0.564 </a:t>
             </a:r>
           </a:p>
           <a:p>
             <a:r>
               <a:rPr lang="en-US" dirty="0"/>
-              <a:t>Coefficient of Determination (R^2): 0.108</a:t>
+              <a:t>Coefficient of Determination (R^2): 0.285</a:t>
             </a:r>
           </a:p>
         </p:txBody>
       </p:sp>
       <p:pic>
         <p:nvPicPr>
-          <p:cNvPr id="8194" name="Picture 2">
-            <a:extLst>
-              <a:ext uri="{FF2B5EF4-FFF2-40B4-BE49-F238E27FC236}">
-                <a16:creationId xmlns:a16="http://schemas.microsoft.com/office/drawing/2014/main" id="{FFAD9B70-070D-1ECF-E004-963EA22E034A}"/>
+          <p:cNvPr id="2056" name="Picture 8">
+            <a:extLst>
+              <a:ext uri="{FF2B5EF4-FFF2-40B4-BE49-F238E27FC236}">
+                <a16:creationId xmlns:a16="http://schemas.microsoft.com/office/drawing/2014/main" id="{2F085580-2FB3-EBD0-07C5-BBF1047EA761}"/>
               </a:ext>
             </a:extLst>
           </p:cNvPr>
@@ -7661,8 +6454,8 @@
         </p:blipFill>
         <p:spPr bwMode="auto">
           <a:xfrm>
-            <a:off x="559400" y="3429000"/>
-            <a:ext cx="3500324" cy="2488721"/>
+            <a:off x="415376" y="3426256"/>
+            <a:ext cx="3470319" cy="2467388"/>
           </a:xfrm>
           <a:prstGeom prst="rect">
             <a:avLst/>
@@ -7681,10 +6474,10 @@
       </p:pic>
       <p:pic>
         <p:nvPicPr>
-          <p:cNvPr id="8196" name="Picture 4">
-            <a:extLst>
-              <a:ext uri="{FF2B5EF4-FFF2-40B4-BE49-F238E27FC236}">
-                <a16:creationId xmlns:a16="http://schemas.microsoft.com/office/drawing/2014/main" id="{85978B57-A9C9-0630-3BD7-B84C312DB07D}"/>
+          <p:cNvPr id="2058" name="Picture 10">
+            <a:extLst>
+              <a:ext uri="{FF2B5EF4-FFF2-40B4-BE49-F238E27FC236}">
+                <a16:creationId xmlns:a16="http://schemas.microsoft.com/office/drawing/2014/main" id="{2FDCCDD0-180B-E8EA-1B16-ECDF06A0D9DE}"/>
               </a:ext>
             </a:extLst>
           </p:cNvPr>
@@ -7708,8 +6501,8 @@
         </p:blipFill>
         <p:spPr bwMode="auto">
           <a:xfrm>
-            <a:off x="4345838" y="3429000"/>
-            <a:ext cx="3500324" cy="2488721"/>
+            <a:off x="4360840" y="3426256"/>
+            <a:ext cx="3470319" cy="2467388"/>
           </a:xfrm>
           <a:prstGeom prst="rect">
             <a:avLst/>
@@ -7728,10 +6521,10 @@
       </p:pic>
       <p:pic>
         <p:nvPicPr>
-          <p:cNvPr id="8198" name="Picture 6">
-            <a:extLst>
-              <a:ext uri="{FF2B5EF4-FFF2-40B4-BE49-F238E27FC236}">
-                <a16:creationId xmlns:a16="http://schemas.microsoft.com/office/drawing/2014/main" id="{914828D2-7735-4F27-0C42-F728CC861B2B}"/>
+          <p:cNvPr id="2060" name="Picture 12">
+            <a:extLst>
+              <a:ext uri="{FF2B5EF4-FFF2-40B4-BE49-F238E27FC236}">
+                <a16:creationId xmlns:a16="http://schemas.microsoft.com/office/drawing/2014/main" id="{55CA8150-3530-44F2-F911-5C56265A81DA}"/>
               </a:ext>
             </a:extLst>
           </p:cNvPr>
@@ -7755,8 +6548,8 @@
         </p:blipFill>
         <p:spPr bwMode="auto">
           <a:xfrm>
-            <a:off x="8132275" y="3429000"/>
-            <a:ext cx="3500325" cy="2488722"/>
+            <a:off x="8306304" y="3426256"/>
+            <a:ext cx="3470319" cy="2467388"/>
           </a:xfrm>
           <a:prstGeom prst="rect">
             <a:avLst/>
@@ -7773,10 +6566,53 @@
           </a:extLst>
         </p:spPr>
       </p:pic>
+      <p:sp>
+        <p:nvSpPr>
+          <p:cNvPr id="3" name="TextBox 2">
+            <a:extLst>
+              <a:ext uri="{FF2B5EF4-FFF2-40B4-BE49-F238E27FC236}">
+                <a16:creationId xmlns:a16="http://schemas.microsoft.com/office/drawing/2014/main" id="{E9E157B8-C39B-5382-3653-0A32514DB58A}"/>
+              </a:ext>
+            </a:extLst>
+          </p:cNvPr>
+          <p:cNvSpPr txBox="1"/>
+          <p:nvPr/>
+        </p:nvSpPr>
+        <p:spPr>
+          <a:xfrm>
+            <a:off x="7556500" y="1828668"/>
+            <a:ext cx="2857500" cy="646331"/>
+          </a:xfrm>
+          <a:prstGeom prst="rect">
+            <a:avLst/>
+          </a:prstGeom>
+          <a:noFill/>
+        </p:spPr>
+        <p:txBody>
+          <a:bodyPr wrap="square" rtlCol="0">
+            <a:spAutoFit/>
+          </a:bodyPr>
+          <a:lstStyle/>
+          <a:p>
+            <a:r>
+              <a:rPr lang="en-US" dirty="0"/>
+              <a:t>OLD = old </a:t>
+            </a:r>
+            <a:r>
+              <a:rPr lang="en-US" dirty="0" err="1"/>
+              <a:t>gamma_filtered</a:t>
+            </a:r>
+            <a:r>
+              <a:rPr lang="en-US" dirty="0"/>
+              <a:t> file, unable to replicate</a:t>
+            </a:r>
+          </a:p>
+        </p:txBody>
+      </p:sp>
     </p:spTree>
     <p:extLst>
       <p:ext uri="{BB962C8B-B14F-4D97-AF65-F5344CB8AC3E}">
-        <p14:creationId xmlns:p14="http://schemas.microsoft.com/office/powerpoint/2010/main" val="452693427"/>
+        <p14:creationId xmlns:p14="http://schemas.microsoft.com/office/powerpoint/2010/main" val="2653126709"/>
       </p:ext>
     </p:extLst>
   </p:cSld>
@@ -7826,7 +6662,7 @@
           <a:p>
             <a:r>
               <a:rPr lang="en-US" dirty="0"/>
-              <a:t>2BU1+1U1Y_Double Mutation – PHI 9.5</a:t>
+              <a:t>2BU1_Triple Mutation – PHI 9.5</a:t>
             </a:r>
           </a:p>
         </p:txBody>
@@ -7845,7 +6681,7 @@
         </p:nvSpPr>
         <p:spPr>
           <a:xfrm>
-            <a:off x="944671" y="1690688"/>
+            <a:off x="838200" y="1757723"/>
             <a:ext cx="6094990" cy="923330"/>
           </a:xfrm>
           <a:prstGeom prst="rect">
@@ -7861,29 +6697,29 @@
           <a:p>
             <a:r>
               <a:rPr lang="en-US" dirty="0"/>
-              <a:t>Pearson rank correlation coefficient: 0.015 </a:t>
+              <a:t>Pearson rank correlation coefficient: 0.434 </a:t>
             </a:r>
           </a:p>
           <a:p>
             <a:r>
               <a:rPr lang="en-US" dirty="0"/>
-              <a:t>Spearman rank correlation coefficient: 0.007 </a:t>
+              <a:t>Spearman rank correlation coefficient: 0.446 </a:t>
             </a:r>
           </a:p>
           <a:p>
             <a:r>
               <a:rPr lang="en-US" dirty="0"/>
-              <a:t>Coefficient of Determination (R^2): 0.000</a:t>
+              <a:t>Coefficient of Determination (R^2): 0.188</a:t>
             </a:r>
           </a:p>
         </p:txBody>
       </p:sp>
       <p:pic>
         <p:nvPicPr>
-          <p:cNvPr id="10242" name="Picture 2">
-            <a:extLst>
-              <a:ext uri="{FF2B5EF4-FFF2-40B4-BE49-F238E27FC236}">
-                <a16:creationId xmlns:a16="http://schemas.microsoft.com/office/drawing/2014/main" id="{69F2CB0C-7980-098C-08D3-FFF188C08B08}"/>
+          <p:cNvPr id="3074" name="Picture 2">
+            <a:extLst>
+              <a:ext uri="{FF2B5EF4-FFF2-40B4-BE49-F238E27FC236}">
+                <a16:creationId xmlns:a16="http://schemas.microsoft.com/office/drawing/2014/main" id="{EC7F7B2D-7B47-C1C2-6624-F0E87984AFB2}"/>
               </a:ext>
             </a:extLst>
           </p:cNvPr>
@@ -7907,8 +6743,8 @@
         </p:blipFill>
         <p:spPr bwMode="auto">
           <a:xfrm>
-            <a:off x="378245" y="3345818"/>
-            <a:ext cx="3676170" cy="2613747"/>
+            <a:off x="0" y="3260991"/>
+            <a:ext cx="4036218" cy="2869741"/>
           </a:xfrm>
           <a:prstGeom prst="rect">
             <a:avLst/>
@@ -7927,10 +6763,10 @@
       </p:pic>
       <p:pic>
         <p:nvPicPr>
-          <p:cNvPr id="10244" name="Picture 4">
-            <a:extLst>
-              <a:ext uri="{FF2B5EF4-FFF2-40B4-BE49-F238E27FC236}">
-                <a16:creationId xmlns:a16="http://schemas.microsoft.com/office/drawing/2014/main" id="{508BEF57-EAFA-BF39-1EF3-42729B62E13F}"/>
+          <p:cNvPr id="3076" name="Picture 4">
+            <a:extLst>
+              <a:ext uri="{FF2B5EF4-FFF2-40B4-BE49-F238E27FC236}">
+                <a16:creationId xmlns:a16="http://schemas.microsoft.com/office/drawing/2014/main" id="{D34F7D49-E345-E77F-1996-779E9D142347}"/>
               </a:ext>
             </a:extLst>
           </p:cNvPr>
@@ -7954,8 +6790,8 @@
         </p:blipFill>
         <p:spPr bwMode="auto">
           <a:xfrm>
-            <a:off x="4257915" y="3345818"/>
-            <a:ext cx="3676170" cy="2613747"/>
+            <a:off x="4077891" y="3260991"/>
+            <a:ext cx="4036218" cy="2869741"/>
           </a:xfrm>
           <a:prstGeom prst="rect">
             <a:avLst/>
@@ -7974,10 +6810,10 @@
       </p:pic>
       <p:pic>
         <p:nvPicPr>
-          <p:cNvPr id="10246" name="Picture 6">
-            <a:extLst>
-              <a:ext uri="{FF2B5EF4-FFF2-40B4-BE49-F238E27FC236}">
-                <a16:creationId xmlns:a16="http://schemas.microsoft.com/office/drawing/2014/main" id="{D97757E7-2922-84A4-A804-3AA648FA5D01}"/>
+          <p:cNvPr id="3078" name="Picture 6">
+            <a:extLst>
+              <a:ext uri="{FF2B5EF4-FFF2-40B4-BE49-F238E27FC236}">
+                <a16:creationId xmlns:a16="http://schemas.microsoft.com/office/drawing/2014/main" id="{E18C6AF9-CB18-233C-EE23-E5D34859CE2D}"/>
               </a:ext>
             </a:extLst>
           </p:cNvPr>
@@ -8001,8 +6837,8 @@
         </p:blipFill>
         <p:spPr bwMode="auto">
           <a:xfrm>
-            <a:off x="7934085" y="3345818"/>
-            <a:ext cx="3676171" cy="2613748"/>
+            <a:off x="8155782" y="3260991"/>
+            <a:ext cx="4036218" cy="2869741"/>
           </a:xfrm>
           <a:prstGeom prst="rect">
             <a:avLst/>
@@ -8022,7 +6858,7 @@
     </p:spTree>
     <p:extLst>
       <p:ext uri="{BB962C8B-B14F-4D97-AF65-F5344CB8AC3E}">
-        <p14:creationId xmlns:p14="http://schemas.microsoft.com/office/powerpoint/2010/main" val="4072741431"/>
+        <p14:creationId xmlns:p14="http://schemas.microsoft.com/office/powerpoint/2010/main" val="2225870516"/>
       </p:ext>
     </p:extLst>
   </p:cSld>
@@ -8345,4 +7181,319 @@
     </a:ext>
   </a:extLst>
 </a:theme>
+</file>
+
+<file path=ppt/theme/theme2.xml><?xml version="1.0" encoding="utf-8"?>
+<a:theme xmlns:a="http://schemas.openxmlformats.org/drawingml/2006/main" name="Office Theme">
+  <a:themeElements>
+    <a:clrScheme name="Office">
+      <a:dk1>
+        <a:sysClr val="windowText" lastClr="000000"/>
+      </a:dk1>
+      <a:lt1>
+        <a:sysClr val="window" lastClr="FFFFFF"/>
+      </a:lt1>
+      <a:dk2>
+        <a:srgbClr val="0E2841"/>
+      </a:dk2>
+      <a:lt2>
+        <a:srgbClr val="E8E8E8"/>
+      </a:lt2>
+      <a:accent1>
+        <a:srgbClr val="156082"/>
+      </a:accent1>
+      <a:accent2>
+        <a:srgbClr val="E97132"/>
+      </a:accent2>
+      <a:accent3>
+        <a:srgbClr val="196B24"/>
+      </a:accent3>
+      <a:accent4>
+        <a:srgbClr val="0F9ED5"/>
+      </a:accent4>
+      <a:accent5>
+        <a:srgbClr val="A02B93"/>
+      </a:accent5>
+      <a:accent6>
+        <a:srgbClr val="4EA72E"/>
+      </a:accent6>
+      <a:hlink>
+        <a:srgbClr val="467886"/>
+      </a:hlink>
+      <a:folHlink>
+        <a:srgbClr val="96607D"/>
+      </a:folHlink>
+    </a:clrScheme>
+    <a:fontScheme name="Office">
+      <a:majorFont>
+        <a:latin typeface="Aptos Display" panose="02110004020202020204"/>
+        <a:ea typeface=""/>
+        <a:cs typeface=""/>
+        <a:font script="Jpan" typeface="游ゴシック Light"/>
+        <a:font script="Hang" typeface="맑은 고딕"/>
+        <a:font script="Hans" typeface="等线 Light"/>
+        <a:font script="Hant" typeface="新細明體"/>
+        <a:font script="Arab" typeface="Times New Roman"/>
+        <a:font script="Hebr" typeface="Times New Roman"/>
+        <a:font script="Thai" typeface="Angsana New"/>
+        <a:font script="Ethi" typeface="Nyala"/>
+        <a:font script="Beng" typeface="Vrinda"/>
+        <a:font script="Gujr" typeface="Shruti"/>
+        <a:font script="Khmr" typeface="MoolBoran"/>
+        <a:font script="Knda" typeface="Tunga"/>
+        <a:font script="Guru" typeface="Raavi"/>
+        <a:font script="Cans" typeface="Euphemia"/>
+        <a:font script="Cher" typeface="Plantagenet Cherokee"/>
+        <a:font script="Yiii" typeface="Microsoft Yi Baiti"/>
+        <a:font script="Tibt" typeface="Microsoft Himalaya"/>
+        <a:font script="Thaa" typeface="MV Boli"/>
+        <a:font script="Deva" typeface="Mangal"/>
+        <a:font script="Telu" typeface="Gautami"/>
+        <a:font script="Taml" typeface="Latha"/>
+        <a:font script="Syrc" typeface="Estrangelo Edessa"/>
+        <a:font script="Orya" typeface="Kalinga"/>
+        <a:font script="Mlym" typeface="Kartika"/>
+        <a:font script="Laoo" typeface="DokChampa"/>
+        <a:font script="Sinh" typeface="Iskoola Pota"/>
+        <a:font script="Mong" typeface="Mongolian Baiti"/>
+        <a:font script="Viet" typeface="Times New Roman"/>
+        <a:font script="Uigh" typeface="Microsoft Uighur"/>
+        <a:font script="Geor" typeface="Sylfaen"/>
+        <a:font script="Armn" typeface="Arial"/>
+        <a:font script="Bugi" typeface="Leelawadee UI"/>
+        <a:font script="Bopo" typeface="Microsoft JhengHei"/>
+        <a:font script="Java" typeface="Javanese Text"/>
+        <a:font script="Lisu" typeface="Segoe UI"/>
+        <a:font script="Mymr" typeface="Myanmar Text"/>
+        <a:font script="Nkoo" typeface="Ebrima"/>
+        <a:font script="Olck" typeface="Nirmala UI"/>
+        <a:font script="Osma" typeface="Ebrima"/>
+        <a:font script="Phag" typeface="Phagspa"/>
+        <a:font script="Syrn" typeface="Estrangelo Edessa"/>
+        <a:font script="Syrj" typeface="Estrangelo Edessa"/>
+        <a:font script="Syre" typeface="Estrangelo Edessa"/>
+        <a:font script="Sora" typeface="Nirmala UI"/>
+        <a:font script="Tale" typeface="Microsoft Tai Le"/>
+        <a:font script="Talu" typeface="Microsoft New Tai Lue"/>
+        <a:font script="Tfng" typeface="Ebrima"/>
+      </a:majorFont>
+      <a:minorFont>
+        <a:latin typeface="Aptos" panose="02110004020202020204"/>
+        <a:ea typeface=""/>
+        <a:cs typeface=""/>
+        <a:font script="Jpan" typeface="游ゴシック"/>
+        <a:font script="Hang" typeface="맑은 고딕"/>
+        <a:font script="Hans" typeface="等线"/>
+        <a:font script="Hant" typeface="新細明體"/>
+        <a:font script="Arab" typeface="Arial"/>
+        <a:font script="Hebr" typeface="Arial"/>
+        <a:font script="Thai" typeface="Cordia New"/>
+        <a:font script="Ethi" typeface="Nyala"/>
+        <a:font script="Beng" typeface="Vrinda"/>
+        <a:font script="Gujr" typeface="Shruti"/>
+        <a:font script="Khmr" typeface="DaunPenh"/>
+        <a:font script="Knda" typeface="Tunga"/>
+        <a:font script="Guru" typeface="Raavi"/>
+        <a:font script="Cans" typeface="Euphemia"/>
+        <a:font script="Cher" typeface="Plantagenet Cherokee"/>
+        <a:font script="Yiii" typeface="Microsoft Yi Baiti"/>
+        <a:font script="Tibt" typeface="Microsoft Himalaya"/>
+        <a:font script="Thaa" typeface="MV Boli"/>
+        <a:font script="Deva" typeface="Mangal"/>
+        <a:font script="Telu" typeface="Gautami"/>
+        <a:font script="Taml" typeface="Latha"/>
+        <a:font script="Syrc" typeface="Estrangelo Edessa"/>
+        <a:font script="Orya" typeface="Kalinga"/>
+        <a:font script="Mlym" typeface="Kartika"/>
+        <a:font script="Laoo" typeface="DokChampa"/>
+        <a:font script="Sinh" typeface="Iskoola Pota"/>
+        <a:font script="Mong" typeface="Mongolian Baiti"/>
+        <a:font script="Viet" typeface="Arial"/>
+        <a:font script="Uigh" typeface="Microsoft Uighur"/>
+        <a:font script="Geor" typeface="Sylfaen"/>
+        <a:font script="Armn" typeface="Arial"/>
+        <a:font script="Bugi" typeface="Leelawadee UI"/>
+        <a:font script="Bopo" typeface="Microsoft JhengHei"/>
+        <a:font script="Java" typeface="Javanese Text"/>
+        <a:font script="Lisu" typeface="Segoe UI"/>
+        <a:font script="Mymr" typeface="Myanmar Text"/>
+        <a:font script="Nkoo" typeface="Ebrima"/>
+        <a:font script="Olck" typeface="Nirmala UI"/>
+        <a:font script="Osma" typeface="Ebrima"/>
+        <a:font script="Phag" typeface="Phagspa"/>
+        <a:font script="Syrn" typeface="Estrangelo Edessa"/>
+        <a:font script="Syrj" typeface="Estrangelo Edessa"/>
+        <a:font script="Syre" typeface="Estrangelo Edessa"/>
+        <a:font script="Sora" typeface="Nirmala UI"/>
+        <a:font script="Tale" typeface="Microsoft Tai Le"/>
+        <a:font script="Talu" typeface="Microsoft New Tai Lue"/>
+        <a:font script="Tfng" typeface="Ebrima"/>
+      </a:minorFont>
+    </a:fontScheme>
+    <a:fmtScheme name="Office">
+      <a:fillStyleLst>
+        <a:solidFill>
+          <a:schemeClr val="phClr"/>
+        </a:solidFill>
+        <a:gradFill rotWithShape="1">
+          <a:gsLst>
+            <a:gs pos="0">
+              <a:schemeClr val="phClr">
+                <a:lumMod val="110000"/>
+                <a:satMod val="105000"/>
+                <a:tint val="67000"/>
+              </a:schemeClr>
+            </a:gs>
+            <a:gs pos="50000">
+              <a:schemeClr val="phClr">
+                <a:lumMod val="105000"/>
+                <a:satMod val="103000"/>
+                <a:tint val="73000"/>
+              </a:schemeClr>
+            </a:gs>
+            <a:gs pos="100000">
+              <a:schemeClr val="phClr">
+                <a:lumMod val="105000"/>
+                <a:satMod val="109000"/>
+                <a:tint val="81000"/>
+              </a:schemeClr>
+            </a:gs>
+          </a:gsLst>
+          <a:lin ang="5400000" scaled="0"/>
+        </a:gradFill>
+        <a:gradFill rotWithShape="1">
+          <a:gsLst>
+            <a:gs pos="0">
+              <a:schemeClr val="phClr">
+                <a:satMod val="103000"/>
+                <a:lumMod val="102000"/>
+                <a:tint val="94000"/>
+              </a:schemeClr>
+            </a:gs>
+            <a:gs pos="50000">
+              <a:schemeClr val="phClr">
+                <a:satMod val="110000"/>
+                <a:lumMod val="100000"/>
+                <a:shade val="100000"/>
+              </a:schemeClr>
+            </a:gs>
+            <a:gs pos="100000">
+              <a:schemeClr val="phClr">
+                <a:lumMod val="99000"/>
+                <a:satMod val="120000"/>
+                <a:shade val="78000"/>
+              </a:schemeClr>
+            </a:gs>
+          </a:gsLst>
+          <a:lin ang="5400000" scaled="0"/>
+        </a:gradFill>
+      </a:fillStyleLst>
+      <a:lnStyleLst>
+        <a:ln w="12700" cap="flat" cmpd="sng" algn="ctr">
+          <a:solidFill>
+            <a:schemeClr val="phClr"/>
+          </a:solidFill>
+          <a:prstDash val="solid"/>
+          <a:miter lim="800000"/>
+        </a:ln>
+        <a:ln w="19050" cap="flat" cmpd="sng" algn="ctr">
+          <a:solidFill>
+            <a:schemeClr val="phClr"/>
+          </a:solidFill>
+          <a:prstDash val="solid"/>
+          <a:miter lim="800000"/>
+        </a:ln>
+        <a:ln w="25400" cap="flat" cmpd="sng" algn="ctr">
+          <a:solidFill>
+            <a:schemeClr val="phClr"/>
+          </a:solidFill>
+          <a:prstDash val="solid"/>
+          <a:miter lim="800000"/>
+        </a:ln>
+      </a:lnStyleLst>
+      <a:effectStyleLst>
+        <a:effectStyle>
+          <a:effectLst/>
+        </a:effectStyle>
+        <a:effectStyle>
+          <a:effectLst/>
+        </a:effectStyle>
+        <a:effectStyle>
+          <a:effectLst>
+            <a:outerShdw blurRad="57150" dist="19050" dir="5400000" algn="ctr" rotWithShape="0">
+              <a:srgbClr val="000000">
+                <a:alpha val="63000"/>
+              </a:srgbClr>
+            </a:outerShdw>
+          </a:effectLst>
+        </a:effectStyle>
+      </a:effectStyleLst>
+      <a:bgFillStyleLst>
+        <a:solidFill>
+          <a:schemeClr val="phClr"/>
+        </a:solidFill>
+        <a:solidFill>
+          <a:schemeClr val="phClr">
+            <a:tint val="95000"/>
+            <a:satMod val="170000"/>
+          </a:schemeClr>
+        </a:solidFill>
+        <a:gradFill rotWithShape="1">
+          <a:gsLst>
+            <a:gs pos="0">
+              <a:schemeClr val="phClr">
+                <a:tint val="93000"/>
+                <a:satMod val="150000"/>
+                <a:shade val="98000"/>
+                <a:lumMod val="102000"/>
+              </a:schemeClr>
+            </a:gs>
+            <a:gs pos="50000">
+              <a:schemeClr val="phClr">
+                <a:tint val="98000"/>
+                <a:satMod val="130000"/>
+                <a:shade val="90000"/>
+                <a:lumMod val="103000"/>
+              </a:schemeClr>
+            </a:gs>
+            <a:gs pos="100000">
+              <a:schemeClr val="phClr">
+                <a:shade val="63000"/>
+                <a:satMod val="120000"/>
+              </a:schemeClr>
+            </a:gs>
+          </a:gsLst>
+          <a:lin ang="5400000" scaled="0"/>
+        </a:gradFill>
+      </a:bgFillStyleLst>
+    </a:fmtScheme>
+  </a:themeElements>
+  <a:objectDefaults>
+    <a:lnDef>
+      <a:spPr/>
+      <a:bodyPr/>
+      <a:lstStyle/>
+      <a:style>
+        <a:lnRef idx="2">
+          <a:schemeClr val="accent1"/>
+        </a:lnRef>
+        <a:fillRef idx="0">
+          <a:schemeClr val="accent1"/>
+        </a:fillRef>
+        <a:effectRef idx="1">
+          <a:schemeClr val="accent1"/>
+        </a:effectRef>
+        <a:fontRef idx="minor">
+          <a:schemeClr val="tx1"/>
+        </a:fontRef>
+      </a:style>
+    </a:lnDef>
+  </a:objectDefaults>
+  <a:extraClrSchemeLst/>
+  <a:extLst>
+    <a:ext uri="{05A4C25C-085E-4340-85A3-A5531E510DB2}">
+      <thm15:themeFamily xmlns:thm15="http://schemas.microsoft.com/office/thememl/2012/main" name="Office Theme" id="{2E142A2C-CD16-42D6-873A-C26D2A0506FA}" vid="{1BDDFF52-6CD6-40A5-AB3C-68EB2F1E4D0A}"/>
+    </a:ext>
+  </a:extLst>
+</a:theme>
 </file>